--- a/Data Analysis and Presentation.pptx
+++ b/Data Analysis and Presentation.pptx
@@ -27,6 +27,16 @@
     <p:sldId id="272" r:id="rId22"/>
     <p:sldId id="273" r:id="rId23"/>
     <p:sldId id="274" r:id="rId24"/>
+    <p:sldId id="275" r:id="rId25"/>
+    <p:sldId id="276" r:id="rId26"/>
+    <p:sldId id="277" r:id="rId27"/>
+    <p:sldId id="278" r:id="rId28"/>
+    <p:sldId id="279" r:id="rId29"/>
+    <p:sldId id="280" r:id="rId30"/>
+    <p:sldId id="281" r:id="rId31"/>
+    <p:sldId id="282" r:id="rId32"/>
+    <p:sldId id="283" r:id="rId33"/>
+    <p:sldId id="284" r:id="rId34"/>
   </p:sldIdLst>
   <p:sldSz cy="5143500" cx="9144000"/>
   <p:notesSz cx="6858000" cy="9144000"/>
@@ -503,7 +513,7 @@
   <p:cSld>
     <p:spTree>
       <p:nvGrpSpPr>
-        <p:cNvPr id="86" name="Shape 86"/>
+        <p:cNvPr id="80" name="Shape 80"/>
         <p:cNvGrpSpPr/>
         <p:nvPr/>
       </p:nvGrpSpPr>
@@ -517,7 +527,7 @@
       </p:grpSpPr>
       <p:sp>
         <p:nvSpPr>
-          <p:cNvPr id="87" name="Shape 87"/>
+          <p:cNvPr id="81" name="Shape 81"/>
           <p:cNvSpPr/>
           <p:nvPr>
             <p:ph idx="2" type="sldImg"/>
@@ -561,7 +571,7 @@
       </p:sp>
       <p:sp>
         <p:nvSpPr>
-          <p:cNvPr id="88" name="Shape 88"/>
+          <p:cNvPr id="82" name="Shape 82"/>
           <p:cNvSpPr txBox="1"/>
           <p:nvPr>
             <p:ph idx="1" type="body"/>
@@ -582,6 +592,54 @@
           </a:bodyPr>
           <a:lstStyle/>
           <a:p>
+            <a:pPr rtl="0">
+              <a:spcBef>
+                <a:spcPts val="0"/>
+              </a:spcBef>
+              <a:buNone/>
+            </a:pPr>
+            <a:r>
+              <a:rPr lang="en"/>
+              <a:t>Source: Alice Zhao</a:t>
+            </a:r>
+          </a:p>
+          <a:p>
+            <a:pPr rtl="0">
+              <a:spcBef>
+                <a:spcPts val="0"/>
+              </a:spcBef>
+              <a:buNone/>
+            </a:pPr>
+            <a:r>
+              <a:t/>
+            </a:r>
+            <a:endParaRPr/>
+          </a:p>
+          <a:p>
+            <a:pPr rtl="0">
+              <a:spcBef>
+                <a:spcPts val="0"/>
+              </a:spcBef>
+              <a:buNone/>
+            </a:pPr>
+            <a:r>
+              <a:rPr lang="en"/>
+              <a:t>Data: Text message history with her husband</a:t>
+            </a:r>
+          </a:p>
+          <a:p>
+            <a:pPr rtl="0">
+              <a:spcBef>
+                <a:spcPts val="0"/>
+              </a:spcBef>
+              <a:buNone/>
+            </a:pPr>
+            <a:r>
+              <a:t/>
+            </a:r>
+            <a:endParaRPr/>
+          </a:p>
+          <a:p>
             <a:pPr>
               <a:spcBef>
                 <a:spcPts val="0"/>
@@ -590,7 +648,7 @@
             </a:pPr>
             <a:r>
               <a:rPr lang="en"/>
-              <a:t>“Continuous” means data that can change bit by bit, ie time, weight, length, etc</a:t>
+              <a:t>Message: Text message times and content have a certain pattern that can change over time. </a:t>
             </a:r>
           </a:p>
         </p:txBody>
@@ -608,7 +666,7 @@
   <p:cSld>
     <p:spTree>
       <p:nvGrpSpPr>
-        <p:cNvPr id="93" name="Shape 93"/>
+        <p:cNvPr id="85" name="Shape 85"/>
         <p:cNvGrpSpPr/>
         <p:nvPr/>
       </p:nvGrpSpPr>
@@ -622,7 +680,7 @@
       </p:grpSpPr>
       <p:sp>
         <p:nvSpPr>
-          <p:cNvPr id="94" name="Shape 94"/>
+          <p:cNvPr id="86" name="Shape 86"/>
           <p:cNvSpPr/>
           <p:nvPr>
             <p:ph idx="2" type="sldImg"/>
@@ -666,7 +724,7 @@
       </p:sp>
       <p:sp>
         <p:nvSpPr>
-          <p:cNvPr id="95" name="Shape 95"/>
+          <p:cNvPr id="87" name="Shape 87"/>
           <p:cNvSpPr txBox="1"/>
           <p:nvPr>
             <p:ph idx="1" type="body"/>
@@ -694,9 +752,9 @@
               <a:buNone/>
             </a:pPr>
             <a:r>
-              <a:rPr lang="en"/>
-              <a:t>Optionally you can add a “trendline” which highlights the relationship. This trendline is from a linear regression.</a:t>
-            </a:r>
+              <a:t/>
+            </a:r>
+            <a:endParaRPr/>
           </a:p>
         </p:txBody>
       </p:sp>
@@ -713,7 +771,7 @@
   <p:cSld>
     <p:spTree>
       <p:nvGrpSpPr>
-        <p:cNvPr id="99" name="Shape 99"/>
+        <p:cNvPr id="90" name="Shape 90"/>
         <p:cNvGrpSpPr/>
         <p:nvPr/>
       </p:nvGrpSpPr>
@@ -727,7 +785,7 @@
       </p:grpSpPr>
       <p:sp>
         <p:nvSpPr>
-          <p:cNvPr id="100" name="Shape 100"/>
+          <p:cNvPr id="91" name="Shape 91"/>
           <p:cNvSpPr/>
           <p:nvPr>
             <p:ph idx="2" type="sldImg"/>
@@ -771,7 +829,7 @@
       </p:sp>
       <p:sp>
         <p:nvSpPr>
-          <p:cNvPr id="101" name="Shape 101"/>
+          <p:cNvPr id="92" name="Shape 92"/>
           <p:cNvSpPr txBox="1"/>
           <p:nvPr>
             <p:ph idx="1" type="body"/>
@@ -818,7 +876,7 @@
   <p:cSld>
     <p:spTree>
       <p:nvGrpSpPr>
-        <p:cNvPr id="105" name="Shape 105"/>
+        <p:cNvPr id="96" name="Shape 96"/>
         <p:cNvGrpSpPr/>
         <p:nvPr/>
       </p:nvGrpSpPr>
@@ -832,7 +890,7 @@
       </p:grpSpPr>
       <p:sp>
         <p:nvSpPr>
-          <p:cNvPr id="106" name="Shape 106"/>
+          <p:cNvPr id="97" name="Shape 97"/>
           <p:cNvSpPr/>
           <p:nvPr>
             <p:ph idx="2" type="sldImg"/>
@@ -876,7 +934,7 @@
       </p:sp>
       <p:sp>
         <p:nvSpPr>
-          <p:cNvPr id="107" name="Shape 107"/>
+          <p:cNvPr id="98" name="Shape 98"/>
           <p:cNvSpPr txBox="1"/>
           <p:nvPr>
             <p:ph idx="1" type="body"/>
@@ -897,6 +955,54 @@
           </a:bodyPr>
           <a:lstStyle/>
           <a:p>
+            <a:pPr rtl="0">
+              <a:spcBef>
+                <a:spcPts val="0"/>
+              </a:spcBef>
+              <a:buNone/>
+            </a:pPr>
+            <a:r>
+              <a:rPr lang="en"/>
+              <a:t>Quantitative: anything that can be measured numerically. Categorical: anything that cannot be measured numerically.</a:t>
+            </a:r>
+          </a:p>
+          <a:p>
+            <a:pPr rtl="0">
+              <a:spcBef>
+                <a:spcPts val="0"/>
+              </a:spcBef>
+              <a:buNone/>
+            </a:pPr>
+            <a:r>
+              <a:rPr lang="en"/>
+              <a:t>Continuous: Anything that has arbitrarily small step size. Discrete: Fixed step size.</a:t>
+            </a:r>
+          </a:p>
+          <a:p>
+            <a:pPr rtl="0">
+              <a:spcBef>
+                <a:spcPts val="0"/>
+              </a:spcBef>
+              <a:buNone/>
+            </a:pPr>
+            <a:r>
+              <a:rPr lang="en"/>
+              <a:t>Nominal: Different values cannot be ordered meaningfully, ordinal: they can</a:t>
+            </a:r>
+          </a:p>
+          <a:p>
+            <a:pPr rtl="0">
+              <a:spcBef>
+                <a:spcPts val="0"/>
+              </a:spcBef>
+              <a:buNone/>
+            </a:pPr>
+            <a:r>
+              <a:t/>
+            </a:r>
+            <a:endParaRPr/>
+          </a:p>
+          <a:p>
             <a:pPr>
               <a:spcBef>
                 <a:spcPts val="0"/>
@@ -905,7 +1011,7 @@
             </a:pPr>
             <a:r>
               <a:rPr lang="en"/>
-              <a:t>If you make 10 slides going on about what your results mean for the company, but your presentation is to other data analysts, you might never get to that stuff, as they will ask mostly questions about how you carried out your analysis and whether it is correct or not. If you are presenting to the CEO, but all your slides are about how you collected and analyzed your data, they are going to be completely tuned out.</a:t>
+              <a:t>Type of data controls how you can represent it graphically</a:t>
             </a:r>
           </a:p>
         </p:txBody>
@@ -923,7 +1029,7 @@
   <p:cSld>
     <p:spTree>
       <p:nvGrpSpPr>
-        <p:cNvPr id="112" name="Shape 112"/>
+        <p:cNvPr id="102" name="Shape 102"/>
         <p:cNvGrpSpPr/>
         <p:nvPr/>
       </p:nvGrpSpPr>
@@ -937,7 +1043,7 @@
       </p:grpSpPr>
       <p:sp>
         <p:nvSpPr>
-          <p:cNvPr id="113" name="Shape 113"/>
+          <p:cNvPr id="103" name="Shape 103"/>
           <p:cNvSpPr/>
           <p:nvPr>
             <p:ph idx="2" type="sldImg"/>
@@ -981,7 +1087,7 @@
       </p:sp>
       <p:sp>
         <p:nvSpPr>
-          <p:cNvPr id="114" name="Shape 114"/>
+          <p:cNvPr id="104" name="Shape 104"/>
           <p:cNvSpPr txBox="1"/>
           <p:nvPr>
             <p:ph idx="1" type="body"/>
@@ -1002,19 +1108,7 @@
           </a:bodyPr>
           <a:lstStyle/>
           <a:p>
-            <a:pPr rtl="0">
-              <a:spcBef>
-                <a:spcPts val="0"/>
-              </a:spcBef>
-              <a:buNone/>
-            </a:pPr>
-            <a:r>
-              <a:rPr lang="en"/>
-              <a:t>This is known as an “outlier”.</a:t>
-            </a:r>
-          </a:p>
-          <a:p>
-            <a:pPr rtl="0">
+            <a:pPr>
               <a:spcBef>
                 <a:spcPts val="0"/>
               </a:spcBef>
@@ -1024,18 +1118,6 @@
               <a:t/>
             </a:r>
             <a:endParaRPr/>
-          </a:p>
-          <a:p>
-            <a:pPr>
-              <a:spcBef>
-                <a:spcPts val="0"/>
-              </a:spcBef>
-              <a:buNone/>
-            </a:pPr>
-            <a:r>
-              <a:rPr lang="en"/>
-              <a:t>Make sure to allocate PLENTY of time to questions whenever you show a figure or visualization that you’ve made, unless it is really simple or they have seen it before.</a:t>
-            </a:r>
           </a:p>
         </p:txBody>
       </p:sp>
@@ -1052,7 +1134,7 @@
   <p:cSld>
     <p:spTree>
       <p:nvGrpSpPr>
-        <p:cNvPr id="118" name="Shape 118"/>
+        <p:cNvPr id="107" name="Shape 107"/>
         <p:cNvGrpSpPr/>
         <p:nvPr/>
       </p:nvGrpSpPr>
@@ -1066,7 +1148,7 @@
       </p:grpSpPr>
       <p:sp>
         <p:nvSpPr>
-          <p:cNvPr id="119" name="Shape 119"/>
+          <p:cNvPr id="108" name="Shape 108"/>
           <p:cNvSpPr/>
           <p:nvPr>
             <p:ph idx="2" type="sldImg"/>
@@ -1110,7 +1192,7 @@
       </p:sp>
       <p:sp>
         <p:nvSpPr>
-          <p:cNvPr id="120" name="Shape 120"/>
+          <p:cNvPr id="109" name="Shape 109"/>
           <p:cNvSpPr txBox="1"/>
           <p:nvPr>
             <p:ph idx="1" type="body"/>
@@ -1157,7 +1239,7 @@
   <p:cSld>
     <p:spTree>
       <p:nvGrpSpPr>
-        <p:cNvPr id="124" name="Shape 124"/>
+        <p:cNvPr id="114" name="Shape 114"/>
         <p:cNvGrpSpPr/>
         <p:nvPr/>
       </p:nvGrpSpPr>
@@ -1171,7 +1253,7 @@
       </p:grpSpPr>
       <p:sp>
         <p:nvSpPr>
-          <p:cNvPr id="125" name="Shape 125"/>
+          <p:cNvPr id="115" name="Shape 115"/>
           <p:cNvSpPr/>
           <p:nvPr>
             <p:ph idx="2" type="sldImg"/>
@@ -1215,7 +1297,7 @@
       </p:sp>
       <p:sp>
         <p:nvSpPr>
-          <p:cNvPr id="126" name="Shape 126"/>
+          <p:cNvPr id="116" name="Shape 116"/>
           <p:cNvSpPr txBox="1"/>
           <p:nvPr>
             <p:ph idx="1" type="body"/>
@@ -1243,9 +1325,9 @@
               <a:buNone/>
             </a:pPr>
             <a:r>
-              <a:rPr lang="en"/>
-              <a:t>You’ll confuse people if you try to act like you know why something is when you don’t, or you might insult their intelligence.</a:t>
-            </a:r>
+              <a:t/>
+            </a:r>
+            <a:endParaRPr/>
           </a:p>
         </p:txBody>
       </p:sp>
@@ -1262,7 +1344,7 @@
   <p:cSld>
     <p:spTree>
       <p:nvGrpSpPr>
-        <p:cNvPr id="130" name="Shape 130"/>
+        <p:cNvPr id="120" name="Shape 120"/>
         <p:cNvGrpSpPr/>
         <p:nvPr/>
       </p:nvGrpSpPr>
@@ -1276,7 +1358,7 @@
       </p:grpSpPr>
       <p:sp>
         <p:nvSpPr>
-          <p:cNvPr id="131" name="Shape 131"/>
+          <p:cNvPr id="121" name="Shape 121"/>
           <p:cNvSpPr/>
           <p:nvPr>
             <p:ph idx="2" type="sldImg"/>
@@ -1320,7 +1402,7 @@
       </p:sp>
       <p:sp>
         <p:nvSpPr>
-          <p:cNvPr id="132" name="Shape 132"/>
+          <p:cNvPr id="122" name="Shape 122"/>
           <p:cNvSpPr txBox="1"/>
           <p:nvPr>
             <p:ph idx="1" type="body"/>
@@ -1367,7 +1449,7 @@
   <p:cSld>
     <p:spTree>
       <p:nvGrpSpPr>
-        <p:cNvPr id="137" name="Shape 137"/>
+        <p:cNvPr id="127" name="Shape 127"/>
         <p:cNvGrpSpPr/>
         <p:nvPr/>
       </p:nvGrpSpPr>
@@ -1381,7 +1463,7 @@
       </p:grpSpPr>
       <p:sp>
         <p:nvSpPr>
-          <p:cNvPr id="138" name="Shape 138"/>
+          <p:cNvPr id="128" name="Shape 128"/>
           <p:cNvSpPr/>
           <p:nvPr>
             <p:ph idx="2" type="sldImg"/>
@@ -1425,7 +1507,7 @@
       </p:sp>
       <p:sp>
         <p:nvSpPr>
-          <p:cNvPr id="139" name="Shape 139"/>
+          <p:cNvPr id="129" name="Shape 129"/>
           <p:cNvSpPr txBox="1"/>
           <p:nvPr>
             <p:ph idx="1" type="body"/>
@@ -1453,9 +1535,9 @@
               <a:buNone/>
             </a:pPr>
             <a:r>
-              <a:t/>
-            </a:r>
-            <a:endParaRPr/>
+              <a:rPr lang="en"/>
+              <a:t>Either order by max to min, or by increasing time, etc.</a:t>
+            </a:r>
           </a:p>
         </p:txBody>
       </p:sp>
@@ -1472,7 +1554,7 @@
   <p:cSld>
     <p:spTree>
       <p:nvGrpSpPr>
-        <p:cNvPr id="142" name="Shape 142"/>
+        <p:cNvPr id="133" name="Shape 133"/>
         <p:cNvGrpSpPr/>
         <p:nvPr/>
       </p:nvGrpSpPr>
@@ -1486,7 +1568,7 @@
       </p:grpSpPr>
       <p:sp>
         <p:nvSpPr>
-          <p:cNvPr id="143" name="Shape 143"/>
+          <p:cNvPr id="134" name="Shape 134"/>
           <p:cNvSpPr/>
           <p:nvPr>
             <p:ph idx="2" type="sldImg"/>
@@ -1530,7 +1612,7 @@
       </p:sp>
       <p:sp>
         <p:nvSpPr>
-          <p:cNvPr id="144" name="Shape 144"/>
+          <p:cNvPr id="135" name="Shape 135"/>
           <p:cNvSpPr txBox="1"/>
           <p:nvPr>
             <p:ph idx="1" type="body"/>
@@ -1577,7 +1659,7 @@
   <p:cSld>
     <p:spTree>
       <p:nvGrpSpPr>
-        <p:cNvPr id="37" name="Shape 37"/>
+        <p:cNvPr id="38" name="Shape 38"/>
         <p:cNvGrpSpPr/>
         <p:nvPr/>
       </p:nvGrpSpPr>
@@ -1591,7 +1673,7 @@
       </p:grpSpPr>
       <p:sp>
         <p:nvSpPr>
-          <p:cNvPr id="38" name="Shape 38"/>
+          <p:cNvPr id="39" name="Shape 39"/>
           <p:cNvSpPr/>
           <p:nvPr>
             <p:ph idx="2" type="sldImg"/>
@@ -1635,7 +1717,7 @@
       </p:sp>
       <p:sp>
         <p:nvSpPr>
-          <p:cNvPr id="39" name="Shape 39"/>
+          <p:cNvPr id="40" name="Shape 40"/>
           <p:cNvSpPr txBox="1"/>
           <p:nvPr>
             <p:ph idx="1" type="body"/>
@@ -1677,12 +1759,12 @@
 </p:notes>
 </file>
 
-<file path=ppt/notesSlides/notesSlide3.xml><?xml version="1.0" encoding="utf-8"?>
+<file path=ppt/notesSlides/notesSlide20.xml><?xml version="1.0" encoding="utf-8"?>
 <p:notes xmlns:a="http://schemas.openxmlformats.org/drawingml/2006/main" xmlns:r="http://schemas.openxmlformats.org/officeDocument/2006/relationships" xmlns:mc="http://schemas.openxmlformats.org/markup-compatibility/2006" xmlns:mv="urn:schemas-microsoft-com:mac:vml" xmlns:p="http://schemas.openxmlformats.org/presentationml/2006/main" xmlns:c="http://schemas.openxmlformats.org/drawingml/2006/chart" xmlns:dgm="http://schemas.openxmlformats.org/drawingml/2006/diagram" xmlns:o="urn:schemas-microsoft-com:office:office" xmlns:v="urn:schemas-microsoft-com:vml" xmlns:pvml="urn:schemas-microsoft-com:office:powerpoint" xmlns:com="http://schemas.openxmlformats.org/drawingml/2006/compatibility" xmlns:p14="http://schemas.microsoft.com/office/powerpoint/2010/main" showMasterPhAnim="0" showMasterSp="0">
   <p:cSld>
     <p:spTree>
       <p:nvGrpSpPr>
-        <p:cNvPr id="44" name="Shape 44"/>
+        <p:cNvPr id="140" name="Shape 140"/>
         <p:cNvGrpSpPr/>
         <p:nvPr/>
       </p:nvGrpSpPr>
@@ -1696,7 +1778,7 @@
       </p:grpSpPr>
       <p:sp>
         <p:nvSpPr>
-          <p:cNvPr id="45" name="Shape 45"/>
+          <p:cNvPr id="141" name="Shape 141"/>
           <p:cNvSpPr/>
           <p:nvPr>
             <p:ph idx="2" type="sldImg"/>
@@ -1740,7 +1822,7 @@
       </p:sp>
       <p:sp>
         <p:nvSpPr>
-          <p:cNvPr id="46" name="Shape 46"/>
+          <p:cNvPr id="142" name="Shape 142"/>
           <p:cNvSpPr txBox="1"/>
           <p:nvPr>
             <p:ph idx="1" type="body"/>
@@ -1769,15 +1851,7 @@
             </a:pPr>
             <a:r>
               <a:rPr lang="en"/>
-              <a:t>A data analyst’s job is to take a bunch of ugly, incomprehensible data and extract meaningful information from it. </a:t>
-            </a:r>
-            <a:r>
-              <a:rPr lang="en">
-                <a:solidFill>
-                  <a:schemeClr val="dk1"/>
-                </a:solidFill>
-              </a:rPr>
-              <a:t>Data analysis sounds boring, but to me it can be a very artistic thing. Creating something that is both visually appealing, and elegantly simplifies a complex subject.</a:t>
+              <a:t>“Continuous” means data that can change bit by bit, ie time, weight, length, etc</a:t>
             </a:r>
           </a:p>
         </p:txBody>
@@ -1790,12 +1864,12 @@
 </p:notes>
 </file>
 
-<file path=ppt/notesSlides/notesSlide4.xml><?xml version="1.0" encoding="utf-8"?>
+<file path=ppt/notesSlides/notesSlide21.xml><?xml version="1.0" encoding="utf-8"?>
 <p:notes xmlns:a="http://schemas.openxmlformats.org/drawingml/2006/main" xmlns:r="http://schemas.openxmlformats.org/officeDocument/2006/relationships" xmlns:mc="http://schemas.openxmlformats.org/markup-compatibility/2006" xmlns:mv="urn:schemas-microsoft-com:mac:vml" xmlns:p="http://schemas.openxmlformats.org/presentationml/2006/main" xmlns:c="http://schemas.openxmlformats.org/drawingml/2006/chart" xmlns:dgm="http://schemas.openxmlformats.org/drawingml/2006/diagram" xmlns:o="urn:schemas-microsoft-com:office:office" xmlns:v="urn:schemas-microsoft-com:vml" xmlns:pvml="urn:schemas-microsoft-com:office:powerpoint" xmlns:com="http://schemas.openxmlformats.org/drawingml/2006/compatibility" xmlns:p14="http://schemas.microsoft.com/office/powerpoint/2010/main" showMasterPhAnim="0" showMasterSp="0">
   <p:cSld>
     <p:spTree>
       <p:nvGrpSpPr>
-        <p:cNvPr id="49" name="Shape 49"/>
+        <p:cNvPr id="147" name="Shape 147"/>
         <p:cNvGrpSpPr/>
         <p:nvPr/>
       </p:nvGrpSpPr>
@@ -1809,7 +1883,7 @@
       </p:grpSpPr>
       <p:sp>
         <p:nvSpPr>
-          <p:cNvPr id="50" name="Shape 50"/>
+          <p:cNvPr id="148" name="Shape 148"/>
           <p:cNvSpPr/>
           <p:nvPr>
             <p:ph idx="2" type="sldImg"/>
@@ -1853,7 +1927,7 @@
       </p:sp>
       <p:sp>
         <p:nvSpPr>
-          <p:cNvPr id="51" name="Shape 51"/>
+          <p:cNvPr id="149" name="Shape 149"/>
           <p:cNvSpPr txBox="1"/>
           <p:nvPr>
             <p:ph idx="1" type="body"/>
@@ -1874,7 +1948,7 @@
           </a:bodyPr>
           <a:lstStyle/>
           <a:p>
-            <a:pPr rtl="0">
+            <a:pPr>
               <a:spcBef>
                 <a:spcPts val="0"/>
               </a:spcBef>
@@ -1882,43 +1956,7 @@
             </a:pPr>
             <a:r>
               <a:rPr lang="en"/>
-              <a:t>Mean center of population in the US</a:t>
-            </a:r>
-          </a:p>
-          <a:p>
-            <a:pPr rtl="0">
-              <a:spcBef>
-                <a:spcPts val="0"/>
-              </a:spcBef>
-              <a:buNone/>
-            </a:pPr>
-            <a:r>
-              <a:t/>
-            </a:r>
-            <a:endParaRPr/>
-          </a:p>
-          <a:p>
-            <a:pPr rtl="0">
-              <a:spcBef>
-                <a:spcPts val="0"/>
-              </a:spcBef>
-              <a:buNone/>
-            </a:pPr>
-            <a:r>
-              <a:rPr lang="en"/>
-              <a:t>Data: US population by geographical area</a:t>
-            </a:r>
-          </a:p>
-          <a:p>
-            <a:pPr>
-              <a:spcBef>
-                <a:spcPts val="0"/>
-              </a:spcBef>
-              <a:buNone/>
-            </a:pPr>
-            <a:r>
-              <a:rPr lang="en"/>
-              <a:t>Message: Between 1790 and present day, the US population has moved westward more and more.</a:t>
+              <a:t>Optionally you can add a “trendline” which highlights the relationship. This trendline is from a linear regression.</a:t>
             </a:r>
           </a:p>
         </p:txBody>
@@ -1931,12 +1969,12 @@
 </p:notes>
 </file>
 
-<file path=ppt/notesSlides/notesSlide5.xml><?xml version="1.0" encoding="utf-8"?>
+<file path=ppt/notesSlides/notesSlide22.xml><?xml version="1.0" encoding="utf-8"?>
 <p:notes xmlns:a="http://schemas.openxmlformats.org/drawingml/2006/main" xmlns:r="http://schemas.openxmlformats.org/officeDocument/2006/relationships" xmlns:mc="http://schemas.openxmlformats.org/markup-compatibility/2006" xmlns:mv="urn:schemas-microsoft-com:mac:vml" xmlns:p="http://schemas.openxmlformats.org/presentationml/2006/main" xmlns:c="http://schemas.openxmlformats.org/drawingml/2006/chart" xmlns:dgm="http://schemas.openxmlformats.org/drawingml/2006/diagram" xmlns:o="urn:schemas-microsoft-com:office:office" xmlns:v="urn:schemas-microsoft-com:vml" xmlns:pvml="urn:schemas-microsoft-com:office:powerpoint" xmlns:com="http://schemas.openxmlformats.org/drawingml/2006/compatibility" xmlns:p14="http://schemas.microsoft.com/office/powerpoint/2010/main" showMasterPhAnim="0" showMasterSp="0">
   <p:cSld>
     <p:spTree>
       <p:nvGrpSpPr>
-        <p:cNvPr id="54" name="Shape 54"/>
+        <p:cNvPr id="153" name="Shape 153"/>
         <p:cNvGrpSpPr/>
         <p:nvPr/>
       </p:nvGrpSpPr>
@@ -1950,7 +1988,7 @@
       </p:grpSpPr>
       <p:sp>
         <p:nvSpPr>
-          <p:cNvPr id="55" name="Shape 55"/>
+          <p:cNvPr id="154" name="Shape 154"/>
           <p:cNvSpPr/>
           <p:nvPr>
             <p:ph idx="2" type="sldImg"/>
@@ -1994,7 +2032,7 @@
       </p:sp>
       <p:sp>
         <p:nvSpPr>
-          <p:cNvPr id="56" name="Shape 56"/>
+          <p:cNvPr id="155" name="Shape 155"/>
           <p:cNvSpPr txBox="1"/>
           <p:nvPr>
             <p:ph idx="1" type="body"/>
@@ -2015,19 +2053,7 @@
           </a:bodyPr>
           <a:lstStyle/>
           <a:p>
-            <a:pPr rtl="0">
-              <a:spcBef>
-                <a:spcPts val="0"/>
-              </a:spcBef>
-              <a:buNone/>
-            </a:pPr>
-            <a:r>
-              <a:rPr lang="en"/>
-              <a:t>John Snow’s Cholea map</a:t>
-            </a:r>
-          </a:p>
-          <a:p>
-            <a:pPr rtl="0">
+            <a:pPr>
               <a:spcBef>
                 <a:spcPts val="0"/>
               </a:spcBef>
@@ -2037,30 +2063,6 @@
               <a:t/>
             </a:r>
             <a:endParaRPr/>
-          </a:p>
-          <a:p>
-            <a:pPr rtl="0">
-              <a:spcBef>
-                <a:spcPts val="0"/>
-              </a:spcBef>
-              <a:buNone/>
-            </a:pPr>
-            <a:r>
-              <a:rPr lang="en"/>
-              <a:t>Data: Incidences of cholera by address in london.</a:t>
-            </a:r>
-          </a:p>
-          <a:p>
-            <a:pPr>
-              <a:spcBef>
-                <a:spcPts val="0"/>
-              </a:spcBef>
-              <a:buNone/>
-            </a:pPr>
-            <a:r>
-              <a:rPr lang="en"/>
-              <a:t>Message: A water pump on broad street is the source of the outbreak.</a:t>
-            </a:r>
           </a:p>
         </p:txBody>
       </p:sp>
@@ -2072,12 +2074,12 @@
 </p:notes>
 </file>
 
-<file path=ppt/notesSlides/notesSlide6.xml><?xml version="1.0" encoding="utf-8"?>
+<file path=ppt/notesSlides/notesSlide23.xml><?xml version="1.0" encoding="utf-8"?>
 <p:notes xmlns:a="http://schemas.openxmlformats.org/drawingml/2006/main" xmlns:r="http://schemas.openxmlformats.org/officeDocument/2006/relationships" xmlns:mc="http://schemas.openxmlformats.org/markup-compatibility/2006" xmlns:mv="urn:schemas-microsoft-com:mac:vml" xmlns:p="http://schemas.openxmlformats.org/presentationml/2006/main" xmlns:c="http://schemas.openxmlformats.org/drawingml/2006/chart" xmlns:dgm="http://schemas.openxmlformats.org/drawingml/2006/diagram" xmlns:o="urn:schemas-microsoft-com:office:office" xmlns:v="urn:schemas-microsoft-com:vml" xmlns:pvml="urn:schemas-microsoft-com:office:powerpoint" xmlns:com="http://schemas.openxmlformats.org/drawingml/2006/compatibility" xmlns:p14="http://schemas.microsoft.com/office/powerpoint/2010/main" showMasterPhAnim="0" showMasterSp="0">
   <p:cSld>
     <p:spTree>
       <p:nvGrpSpPr>
-        <p:cNvPr id="59" name="Shape 59"/>
+        <p:cNvPr id="159" name="Shape 159"/>
         <p:cNvGrpSpPr/>
         <p:nvPr/>
       </p:nvGrpSpPr>
@@ -2091,7 +2093,7 @@
       </p:grpSpPr>
       <p:sp>
         <p:nvSpPr>
-          <p:cNvPr id="60" name="Shape 60"/>
+          <p:cNvPr id="160" name="Shape 160"/>
           <p:cNvSpPr/>
           <p:nvPr>
             <p:ph idx="2" type="sldImg"/>
@@ -2135,7 +2137,7 @@
       </p:sp>
       <p:sp>
         <p:nvSpPr>
-          <p:cNvPr id="61" name="Shape 61"/>
+          <p:cNvPr id="161" name="Shape 161"/>
           <p:cNvSpPr txBox="1"/>
           <p:nvPr>
             <p:ph idx="1" type="body"/>
@@ -2156,7 +2158,7 @@
           </a:bodyPr>
           <a:lstStyle/>
           <a:p>
-            <a:pPr rtl="0">
+            <a:pPr>
               <a:spcBef>
                 <a:spcPts val="0"/>
               </a:spcBef>
@@ -2164,43 +2166,7 @@
             </a:pPr>
             <a:r>
               <a:rPr lang="en"/>
-              <a:t>Minard’s visualization of Napoleon’s russian campaign in the war of 1812. Napoleon marched his troops east and russian troops just kept retreating all the way to moscow, burning all the crops and shelter before they left. Eventually due to a lack of rations and exaustion, napoleon had to retreat his troops back to france, but seeing as it was nearly winter, he lost almost his entire army to cold and starvation during the journey home.</a:t>
-            </a:r>
-          </a:p>
-          <a:p>
-            <a:pPr rtl="0">
-              <a:spcBef>
-                <a:spcPts val="0"/>
-              </a:spcBef>
-              <a:buNone/>
-            </a:pPr>
-            <a:r>
-              <a:t/>
-            </a:r>
-            <a:endParaRPr/>
-          </a:p>
-          <a:p>
-            <a:pPr rtl="0">
-              <a:spcBef>
-                <a:spcPts val="0"/>
-              </a:spcBef>
-              <a:buNone/>
-            </a:pPr>
-            <a:r>
-              <a:rPr lang="en"/>
-              <a:t>Data: Number and location of napoleon’s troops, as well as the temperature.</a:t>
-            </a:r>
-          </a:p>
-          <a:p>
-            <a:pPr>
-              <a:spcBef>
-                <a:spcPts val="0"/>
-              </a:spcBef>
-              <a:buNone/>
-            </a:pPr>
-            <a:r>
-              <a:rPr lang="en"/>
-              <a:t>Message: Napoleon made a huge mistake.</a:t>
+              <a:t>If you make 10 slides going on about what your results mean for the company, but your presentation is to other data analysts, you might never get to that stuff, as they will ask mostly questions about how you carried out your analysis and whether it is correct or not. If you are presenting to the CEO, but all your slides are about how you collected and analyzed your data, they are going to be completely tuned out.</a:t>
             </a:r>
           </a:p>
         </p:txBody>
@@ -2213,12 +2179,12 @@
 </p:notes>
 </file>
 
-<file path=ppt/notesSlides/notesSlide7.xml><?xml version="1.0" encoding="utf-8"?>
+<file path=ppt/notesSlides/notesSlide24.xml><?xml version="1.0" encoding="utf-8"?>
 <p:notes xmlns:a="http://schemas.openxmlformats.org/drawingml/2006/main" xmlns:r="http://schemas.openxmlformats.org/officeDocument/2006/relationships" xmlns:mc="http://schemas.openxmlformats.org/markup-compatibility/2006" xmlns:mv="urn:schemas-microsoft-com:mac:vml" xmlns:p="http://schemas.openxmlformats.org/presentationml/2006/main" xmlns:c="http://schemas.openxmlformats.org/drawingml/2006/chart" xmlns:dgm="http://schemas.openxmlformats.org/drawingml/2006/diagram" xmlns:o="urn:schemas-microsoft-com:office:office" xmlns:v="urn:schemas-microsoft-com:vml" xmlns:pvml="urn:schemas-microsoft-com:office:powerpoint" xmlns:com="http://schemas.openxmlformats.org/drawingml/2006/compatibility" xmlns:p14="http://schemas.microsoft.com/office/powerpoint/2010/main" showMasterPhAnim="0" showMasterSp="0">
   <p:cSld>
     <p:spTree>
       <p:nvGrpSpPr>
-        <p:cNvPr id="64" name="Shape 64"/>
+        <p:cNvPr id="166" name="Shape 166"/>
         <p:cNvGrpSpPr/>
         <p:nvPr/>
       </p:nvGrpSpPr>
@@ -2232,7 +2198,7 @@
       </p:grpSpPr>
       <p:sp>
         <p:nvSpPr>
-          <p:cNvPr id="65" name="Shape 65"/>
+          <p:cNvPr id="167" name="Shape 167"/>
           <p:cNvSpPr/>
           <p:nvPr>
             <p:ph idx="2" type="sldImg"/>
@@ -2276,7 +2242,7 @@
       </p:sp>
       <p:sp>
         <p:nvSpPr>
-          <p:cNvPr id="66" name="Shape 66"/>
+          <p:cNvPr id="168" name="Shape 168"/>
           <p:cNvSpPr txBox="1"/>
           <p:nvPr>
             <p:ph idx="1" type="body"/>
@@ -2297,6 +2263,30 @@
           </a:bodyPr>
           <a:lstStyle/>
           <a:p>
+            <a:pPr rtl="0">
+              <a:spcBef>
+                <a:spcPts val="0"/>
+              </a:spcBef>
+              <a:buNone/>
+            </a:pPr>
+            <a:r>
+              <a:rPr lang="en"/>
+              <a:t>This is known as an “outlier”.</a:t>
+            </a:r>
+          </a:p>
+          <a:p>
+            <a:pPr rtl="0">
+              <a:spcBef>
+                <a:spcPts val="0"/>
+              </a:spcBef>
+              <a:buNone/>
+            </a:pPr>
+            <a:r>
+              <a:t/>
+            </a:r>
+            <a:endParaRPr/>
+          </a:p>
+          <a:p>
             <a:pPr>
               <a:spcBef>
                 <a:spcPts val="0"/>
@@ -2304,9 +2294,9 @@
               <a:buNone/>
             </a:pPr>
             <a:r>
-              <a:t/>
-            </a:r>
-            <a:endParaRPr/>
+              <a:rPr lang="en"/>
+              <a:t>Make sure to allocate PLENTY of time to questions whenever you show a figure or visualization that you’ve made, unless it is really simple or they have seen it before.</a:t>
+            </a:r>
           </a:p>
         </p:txBody>
       </p:sp>
@@ -2318,12 +2308,12 @@
 </p:notes>
 </file>
 
-<file path=ppt/notesSlides/notesSlide8.xml><?xml version="1.0" encoding="utf-8"?>
+<file path=ppt/notesSlides/notesSlide25.xml><?xml version="1.0" encoding="utf-8"?>
 <p:notes xmlns:a="http://schemas.openxmlformats.org/drawingml/2006/main" xmlns:r="http://schemas.openxmlformats.org/officeDocument/2006/relationships" xmlns:mc="http://schemas.openxmlformats.org/markup-compatibility/2006" xmlns:mv="urn:schemas-microsoft-com:mac:vml" xmlns:p="http://schemas.openxmlformats.org/presentationml/2006/main" xmlns:c="http://schemas.openxmlformats.org/drawingml/2006/chart" xmlns:dgm="http://schemas.openxmlformats.org/drawingml/2006/diagram" xmlns:o="urn:schemas-microsoft-com:office:office" xmlns:v="urn:schemas-microsoft-com:vml" xmlns:pvml="urn:schemas-microsoft-com:office:powerpoint" xmlns:com="http://schemas.openxmlformats.org/drawingml/2006/compatibility" xmlns:p14="http://schemas.microsoft.com/office/powerpoint/2010/main" showMasterPhAnim="0" showMasterSp="0">
   <p:cSld>
     <p:spTree>
       <p:nvGrpSpPr>
-        <p:cNvPr id="71" name="Shape 71"/>
+        <p:cNvPr id="172" name="Shape 172"/>
         <p:cNvGrpSpPr/>
         <p:nvPr/>
       </p:nvGrpSpPr>
@@ -2337,7 +2327,7 @@
       </p:grpSpPr>
       <p:sp>
         <p:nvSpPr>
-          <p:cNvPr id="72" name="Shape 72"/>
+          <p:cNvPr id="173" name="Shape 173"/>
           <p:cNvSpPr/>
           <p:nvPr>
             <p:ph idx="2" type="sldImg"/>
@@ -2381,7 +2371,7 @@
       </p:sp>
       <p:sp>
         <p:nvSpPr>
-          <p:cNvPr id="73" name="Shape 73"/>
+          <p:cNvPr id="174" name="Shape 174"/>
           <p:cNvSpPr txBox="1"/>
           <p:nvPr>
             <p:ph idx="1" type="body"/>
@@ -2409,9 +2399,9 @@
               <a:buNone/>
             </a:pPr>
             <a:r>
-              <a:t/>
-            </a:r>
-            <a:endParaRPr/>
+              <a:rPr lang="en"/>
+              <a:t>Don’t start a presentation talking about the low level details. Start by talking about your motivations, what you wanted to learn, and then talk about your data and how you used it.</a:t>
+            </a:r>
           </a:p>
         </p:txBody>
       </p:sp>
@@ -2423,12 +2413,12 @@
 </p:notes>
 </file>
 
-<file path=ppt/notesSlides/notesSlide9.xml><?xml version="1.0" encoding="utf-8"?>
+<file path=ppt/notesSlides/notesSlide26.xml><?xml version="1.0" encoding="utf-8"?>
 <p:notes xmlns:a="http://schemas.openxmlformats.org/drawingml/2006/main" xmlns:r="http://schemas.openxmlformats.org/officeDocument/2006/relationships" xmlns:mc="http://schemas.openxmlformats.org/markup-compatibility/2006" xmlns:mv="urn:schemas-microsoft-com:mac:vml" xmlns:p="http://schemas.openxmlformats.org/presentationml/2006/main" xmlns:c="http://schemas.openxmlformats.org/drawingml/2006/chart" xmlns:dgm="http://schemas.openxmlformats.org/drawingml/2006/diagram" xmlns:o="urn:schemas-microsoft-com:office:office" xmlns:v="urn:schemas-microsoft-com:vml" xmlns:pvml="urn:schemas-microsoft-com:office:powerpoint" xmlns:com="http://schemas.openxmlformats.org/drawingml/2006/compatibility" xmlns:p14="http://schemas.microsoft.com/office/powerpoint/2010/main" showMasterPhAnim="0" showMasterSp="0">
   <p:cSld>
     <p:spTree>
       <p:nvGrpSpPr>
-        <p:cNvPr id="79" name="Shape 79"/>
+        <p:cNvPr id="178" name="Shape 178"/>
         <p:cNvGrpSpPr/>
         <p:nvPr/>
       </p:nvGrpSpPr>
@@ -2442,7 +2432,7 @@
       </p:grpSpPr>
       <p:sp>
         <p:nvSpPr>
-          <p:cNvPr id="80" name="Shape 80"/>
+          <p:cNvPr id="179" name="Shape 179"/>
           <p:cNvSpPr/>
           <p:nvPr>
             <p:ph idx="2" type="sldImg"/>
@@ -2486,7 +2476,7 @@
       </p:sp>
       <p:sp>
         <p:nvSpPr>
-          <p:cNvPr id="81" name="Shape 81"/>
+          <p:cNvPr id="180" name="Shape 180"/>
           <p:cNvSpPr txBox="1"/>
           <p:nvPr>
             <p:ph idx="1" type="body"/>
@@ -2515,8 +2505,1262 @@
             </a:pPr>
             <a:r>
               <a:rPr lang="en"/>
-              <a:t>Either order by max to min, or by increasing time, etc.</a:t>
-            </a:r>
+              <a:t>You’ll confuse people if you try to act like you know why something is when you don’t, or you might insult their intelligence.</a:t>
+            </a:r>
+          </a:p>
+        </p:txBody>
+      </p:sp>
+    </p:spTree>
+  </p:cSld>
+  <p:clrMapOvr>
+    <a:masterClrMapping/>
+  </p:clrMapOvr>
+</p:notes>
+</file>
+
+<file path=ppt/notesSlides/notesSlide27.xml><?xml version="1.0" encoding="utf-8"?>
+<p:notes xmlns:a="http://schemas.openxmlformats.org/drawingml/2006/main" xmlns:r="http://schemas.openxmlformats.org/officeDocument/2006/relationships" xmlns:mc="http://schemas.openxmlformats.org/markup-compatibility/2006" xmlns:mv="urn:schemas-microsoft-com:mac:vml" xmlns:p="http://schemas.openxmlformats.org/presentationml/2006/main" xmlns:c="http://schemas.openxmlformats.org/drawingml/2006/chart" xmlns:dgm="http://schemas.openxmlformats.org/drawingml/2006/diagram" xmlns:o="urn:schemas-microsoft-com:office:office" xmlns:v="urn:schemas-microsoft-com:vml" xmlns:pvml="urn:schemas-microsoft-com:office:powerpoint" xmlns:com="http://schemas.openxmlformats.org/drawingml/2006/compatibility" xmlns:p14="http://schemas.microsoft.com/office/powerpoint/2010/main" showMasterPhAnim="0" showMasterSp="0">
+  <p:cSld>
+    <p:spTree>
+      <p:nvGrpSpPr>
+        <p:cNvPr id="184" name="Shape 184"/>
+        <p:cNvGrpSpPr/>
+        <p:nvPr/>
+      </p:nvGrpSpPr>
+      <p:grpSpPr>
+        <a:xfrm>
+          <a:off x="0" y="0"/>
+          <a:ext cx="0" cy="0"/>
+          <a:chOff x="0" y="0"/>
+          <a:chExt cx="0" cy="0"/>
+        </a:xfrm>
+      </p:grpSpPr>
+      <p:sp>
+        <p:nvSpPr>
+          <p:cNvPr id="185" name="Shape 185"/>
+          <p:cNvSpPr/>
+          <p:nvPr>
+            <p:ph idx="2" type="sldImg"/>
+          </p:nvPr>
+        </p:nvSpPr>
+        <p:spPr>
+          <a:xfrm>
+            <a:off x="381300" y="685800"/>
+            <a:ext cx="6096000" cy="3429000"/>
+          </a:xfrm>
+          <a:custGeom>
+            <a:pathLst>
+              <a:path extrusionOk="0" h="120000" w="120000">
+                <a:moveTo>
+                  <a:pt x="0" y="0"/>
+                </a:moveTo>
+                <a:lnTo>
+                  <a:pt x="120000" y="0"/>
+                </a:lnTo>
+                <a:lnTo>
+                  <a:pt x="120000" y="120000"/>
+                </a:lnTo>
+                <a:lnTo>
+                  <a:pt x="0" y="120000"/>
+                </a:lnTo>
+                <a:close/>
+              </a:path>
+            </a:pathLst>
+          </a:custGeom>
+          <a:noFill/>
+          <a:ln cap="flat" cmpd="sng" w="9525">
+            <a:solidFill>
+              <a:srgbClr val="000000"/>
+            </a:solidFill>
+            <a:prstDash val="solid"/>
+            <a:round/>
+            <a:headEnd len="med" w="med" type="none"/>
+            <a:tailEnd len="med" w="med" type="none"/>
+          </a:ln>
+        </p:spPr>
+      </p:sp>
+      <p:sp>
+        <p:nvSpPr>
+          <p:cNvPr id="186" name="Shape 186"/>
+          <p:cNvSpPr txBox="1"/>
+          <p:nvPr>
+            <p:ph idx="1" type="body"/>
+          </p:nvPr>
+        </p:nvSpPr>
+        <p:spPr>
+          <a:xfrm>
+            <a:off x="685800" y="4343400"/>
+            <a:ext cx="5486399" cy="4114800"/>
+          </a:xfrm>
+          <a:prstGeom prst="rect">
+            <a:avLst/>
+          </a:prstGeom>
+        </p:spPr>
+        <p:txBody>
+          <a:bodyPr anchorCtr="0" anchor="t" bIns="91425" lIns="91425" rIns="91425" tIns="91425">
+            <a:noAutofit/>
+          </a:bodyPr>
+          <a:lstStyle/>
+          <a:p>
+            <a:pPr>
+              <a:spcBef>
+                <a:spcPts val="0"/>
+              </a:spcBef>
+              <a:buNone/>
+            </a:pPr>
+            <a:r>
+              <a:t/>
+            </a:r>
+            <a:endParaRPr/>
+          </a:p>
+        </p:txBody>
+      </p:sp>
+    </p:spTree>
+  </p:cSld>
+  <p:clrMapOvr>
+    <a:masterClrMapping/>
+  </p:clrMapOvr>
+</p:notes>
+</file>
+
+<file path=ppt/notesSlides/notesSlide28.xml><?xml version="1.0" encoding="utf-8"?>
+<p:notes xmlns:a="http://schemas.openxmlformats.org/drawingml/2006/main" xmlns:r="http://schemas.openxmlformats.org/officeDocument/2006/relationships" xmlns:mc="http://schemas.openxmlformats.org/markup-compatibility/2006" xmlns:mv="urn:schemas-microsoft-com:mac:vml" xmlns:p="http://schemas.openxmlformats.org/presentationml/2006/main" xmlns:c="http://schemas.openxmlformats.org/drawingml/2006/chart" xmlns:dgm="http://schemas.openxmlformats.org/drawingml/2006/diagram" xmlns:o="urn:schemas-microsoft-com:office:office" xmlns:v="urn:schemas-microsoft-com:vml" xmlns:pvml="urn:schemas-microsoft-com:office:powerpoint" xmlns:com="http://schemas.openxmlformats.org/drawingml/2006/compatibility" xmlns:p14="http://schemas.microsoft.com/office/powerpoint/2010/main" showMasterPhAnim="0" showMasterSp="0">
+  <p:cSld>
+    <p:spTree>
+      <p:nvGrpSpPr>
+        <p:cNvPr id="191" name="Shape 191"/>
+        <p:cNvGrpSpPr/>
+        <p:nvPr/>
+      </p:nvGrpSpPr>
+      <p:grpSpPr>
+        <a:xfrm>
+          <a:off x="0" y="0"/>
+          <a:ext cx="0" cy="0"/>
+          <a:chOff x="0" y="0"/>
+          <a:chExt cx="0" cy="0"/>
+        </a:xfrm>
+      </p:grpSpPr>
+      <p:sp>
+        <p:nvSpPr>
+          <p:cNvPr id="192" name="Shape 192"/>
+          <p:cNvSpPr/>
+          <p:nvPr>
+            <p:ph idx="2" type="sldImg"/>
+          </p:nvPr>
+        </p:nvSpPr>
+        <p:spPr>
+          <a:xfrm>
+            <a:off x="381300" y="685800"/>
+            <a:ext cx="6096000" cy="3429000"/>
+          </a:xfrm>
+          <a:custGeom>
+            <a:pathLst>
+              <a:path extrusionOk="0" h="120000" w="120000">
+                <a:moveTo>
+                  <a:pt x="0" y="0"/>
+                </a:moveTo>
+                <a:lnTo>
+                  <a:pt x="120000" y="0"/>
+                </a:lnTo>
+                <a:lnTo>
+                  <a:pt x="120000" y="120000"/>
+                </a:lnTo>
+                <a:lnTo>
+                  <a:pt x="0" y="120000"/>
+                </a:lnTo>
+                <a:close/>
+              </a:path>
+            </a:pathLst>
+          </a:custGeom>
+          <a:noFill/>
+          <a:ln cap="flat" cmpd="sng" w="9525">
+            <a:solidFill>
+              <a:srgbClr val="000000"/>
+            </a:solidFill>
+            <a:prstDash val="solid"/>
+            <a:round/>
+            <a:headEnd len="med" w="med" type="none"/>
+            <a:tailEnd len="med" w="med" type="none"/>
+          </a:ln>
+        </p:spPr>
+      </p:sp>
+      <p:sp>
+        <p:nvSpPr>
+          <p:cNvPr id="193" name="Shape 193"/>
+          <p:cNvSpPr txBox="1"/>
+          <p:nvPr>
+            <p:ph idx="1" type="body"/>
+          </p:nvPr>
+        </p:nvSpPr>
+        <p:spPr>
+          <a:xfrm>
+            <a:off x="685800" y="4343400"/>
+            <a:ext cx="5486399" cy="4114800"/>
+          </a:xfrm>
+          <a:prstGeom prst="rect">
+            <a:avLst/>
+          </a:prstGeom>
+        </p:spPr>
+        <p:txBody>
+          <a:bodyPr anchorCtr="0" anchor="t" bIns="91425" lIns="91425" rIns="91425" tIns="91425">
+            <a:noAutofit/>
+          </a:bodyPr>
+          <a:lstStyle/>
+          <a:p>
+            <a:pPr>
+              <a:spcBef>
+                <a:spcPts val="0"/>
+              </a:spcBef>
+              <a:buNone/>
+            </a:pPr>
+            <a:r>
+              <a:t/>
+            </a:r>
+            <a:endParaRPr/>
+          </a:p>
+        </p:txBody>
+      </p:sp>
+    </p:spTree>
+  </p:cSld>
+  <p:clrMapOvr>
+    <a:masterClrMapping/>
+  </p:clrMapOvr>
+</p:notes>
+</file>
+
+<file path=ppt/notesSlides/notesSlide29.xml><?xml version="1.0" encoding="utf-8"?>
+<p:notes xmlns:a="http://schemas.openxmlformats.org/drawingml/2006/main" xmlns:r="http://schemas.openxmlformats.org/officeDocument/2006/relationships" xmlns:mc="http://schemas.openxmlformats.org/markup-compatibility/2006" xmlns:mv="urn:schemas-microsoft-com:mac:vml" xmlns:p="http://schemas.openxmlformats.org/presentationml/2006/main" xmlns:c="http://schemas.openxmlformats.org/drawingml/2006/chart" xmlns:dgm="http://schemas.openxmlformats.org/drawingml/2006/diagram" xmlns:o="urn:schemas-microsoft-com:office:office" xmlns:v="urn:schemas-microsoft-com:vml" xmlns:pvml="urn:schemas-microsoft-com:office:powerpoint" xmlns:com="http://schemas.openxmlformats.org/drawingml/2006/compatibility" xmlns:p14="http://schemas.microsoft.com/office/powerpoint/2010/main" showMasterPhAnim="0" showMasterSp="0">
+  <p:cSld>
+    <p:spTree>
+      <p:nvGrpSpPr>
+        <p:cNvPr id="197" name="Shape 197"/>
+        <p:cNvGrpSpPr/>
+        <p:nvPr/>
+      </p:nvGrpSpPr>
+      <p:grpSpPr>
+        <a:xfrm>
+          <a:off x="0" y="0"/>
+          <a:ext cx="0" cy="0"/>
+          <a:chOff x="0" y="0"/>
+          <a:chExt cx="0" cy="0"/>
+        </a:xfrm>
+      </p:grpSpPr>
+      <p:sp>
+        <p:nvSpPr>
+          <p:cNvPr id="198" name="Shape 198"/>
+          <p:cNvSpPr/>
+          <p:nvPr>
+            <p:ph idx="2" type="sldImg"/>
+          </p:nvPr>
+        </p:nvSpPr>
+        <p:spPr>
+          <a:xfrm>
+            <a:off x="381300" y="685800"/>
+            <a:ext cx="6096000" cy="3429000"/>
+          </a:xfrm>
+          <a:custGeom>
+            <a:pathLst>
+              <a:path extrusionOk="0" h="120000" w="120000">
+                <a:moveTo>
+                  <a:pt x="0" y="0"/>
+                </a:moveTo>
+                <a:lnTo>
+                  <a:pt x="120000" y="0"/>
+                </a:lnTo>
+                <a:lnTo>
+                  <a:pt x="120000" y="120000"/>
+                </a:lnTo>
+                <a:lnTo>
+                  <a:pt x="0" y="120000"/>
+                </a:lnTo>
+                <a:close/>
+              </a:path>
+            </a:pathLst>
+          </a:custGeom>
+          <a:noFill/>
+          <a:ln cap="flat" cmpd="sng" w="9525">
+            <a:solidFill>
+              <a:srgbClr val="000000"/>
+            </a:solidFill>
+            <a:prstDash val="solid"/>
+            <a:round/>
+            <a:headEnd len="med" w="med" type="none"/>
+            <a:tailEnd len="med" w="med" type="none"/>
+          </a:ln>
+        </p:spPr>
+      </p:sp>
+      <p:sp>
+        <p:nvSpPr>
+          <p:cNvPr id="199" name="Shape 199"/>
+          <p:cNvSpPr txBox="1"/>
+          <p:nvPr>
+            <p:ph idx="1" type="body"/>
+          </p:nvPr>
+        </p:nvSpPr>
+        <p:spPr>
+          <a:xfrm>
+            <a:off x="685800" y="4343400"/>
+            <a:ext cx="5486399" cy="4114800"/>
+          </a:xfrm>
+          <a:prstGeom prst="rect">
+            <a:avLst/>
+          </a:prstGeom>
+        </p:spPr>
+        <p:txBody>
+          <a:bodyPr anchorCtr="0" anchor="t" bIns="91425" lIns="91425" rIns="91425" tIns="91425">
+            <a:noAutofit/>
+          </a:bodyPr>
+          <a:lstStyle/>
+          <a:p>
+            <a:pPr>
+              <a:spcBef>
+                <a:spcPts val="0"/>
+              </a:spcBef>
+              <a:buNone/>
+            </a:pPr>
+            <a:r>
+              <a:rPr lang="en"/>
+              <a:t>Enter this link in your browser to download the dataset</a:t>
+            </a:r>
+          </a:p>
+        </p:txBody>
+      </p:sp>
+    </p:spTree>
+  </p:cSld>
+  <p:clrMapOvr>
+    <a:masterClrMapping/>
+  </p:clrMapOvr>
+</p:notes>
+</file>
+
+<file path=ppt/notesSlides/notesSlide3.xml><?xml version="1.0" encoding="utf-8"?>
+<p:notes xmlns:a="http://schemas.openxmlformats.org/drawingml/2006/main" xmlns:r="http://schemas.openxmlformats.org/officeDocument/2006/relationships" xmlns:mc="http://schemas.openxmlformats.org/markup-compatibility/2006" xmlns:mv="urn:schemas-microsoft-com:mac:vml" xmlns:p="http://schemas.openxmlformats.org/presentationml/2006/main" xmlns:c="http://schemas.openxmlformats.org/drawingml/2006/chart" xmlns:dgm="http://schemas.openxmlformats.org/drawingml/2006/diagram" xmlns:o="urn:schemas-microsoft-com:office:office" xmlns:v="urn:schemas-microsoft-com:vml" xmlns:pvml="urn:schemas-microsoft-com:office:powerpoint" xmlns:com="http://schemas.openxmlformats.org/drawingml/2006/compatibility" xmlns:p14="http://schemas.microsoft.com/office/powerpoint/2010/main" showMasterPhAnim="0" showMasterSp="0">
+  <p:cSld>
+    <p:spTree>
+      <p:nvGrpSpPr>
+        <p:cNvPr id="43" name="Shape 43"/>
+        <p:cNvGrpSpPr/>
+        <p:nvPr/>
+      </p:nvGrpSpPr>
+      <p:grpSpPr>
+        <a:xfrm>
+          <a:off x="0" y="0"/>
+          <a:ext cx="0" cy="0"/>
+          <a:chOff x="0" y="0"/>
+          <a:chExt cx="0" cy="0"/>
+        </a:xfrm>
+      </p:grpSpPr>
+      <p:sp>
+        <p:nvSpPr>
+          <p:cNvPr id="44" name="Shape 44"/>
+          <p:cNvSpPr/>
+          <p:nvPr>
+            <p:ph idx="2" type="sldImg"/>
+          </p:nvPr>
+        </p:nvSpPr>
+        <p:spPr>
+          <a:xfrm>
+            <a:off x="381300" y="685800"/>
+            <a:ext cx="6096000" cy="3429000"/>
+          </a:xfrm>
+          <a:custGeom>
+            <a:pathLst>
+              <a:path extrusionOk="0" h="120000" w="120000">
+                <a:moveTo>
+                  <a:pt x="0" y="0"/>
+                </a:moveTo>
+                <a:lnTo>
+                  <a:pt x="120000" y="0"/>
+                </a:lnTo>
+                <a:lnTo>
+                  <a:pt x="120000" y="120000"/>
+                </a:lnTo>
+                <a:lnTo>
+                  <a:pt x="0" y="120000"/>
+                </a:lnTo>
+                <a:close/>
+              </a:path>
+            </a:pathLst>
+          </a:custGeom>
+          <a:noFill/>
+          <a:ln cap="flat" cmpd="sng" w="9525">
+            <a:solidFill>
+              <a:srgbClr val="000000"/>
+            </a:solidFill>
+            <a:prstDash val="solid"/>
+            <a:round/>
+            <a:headEnd len="med" w="med" type="none"/>
+            <a:tailEnd len="med" w="med" type="none"/>
+          </a:ln>
+        </p:spPr>
+      </p:sp>
+      <p:sp>
+        <p:nvSpPr>
+          <p:cNvPr id="45" name="Shape 45"/>
+          <p:cNvSpPr txBox="1"/>
+          <p:nvPr>
+            <p:ph idx="1" type="body"/>
+          </p:nvPr>
+        </p:nvSpPr>
+        <p:spPr>
+          <a:xfrm>
+            <a:off x="685800" y="4343400"/>
+            <a:ext cx="5486399" cy="4114800"/>
+          </a:xfrm>
+          <a:prstGeom prst="rect">
+            <a:avLst/>
+          </a:prstGeom>
+        </p:spPr>
+        <p:txBody>
+          <a:bodyPr anchorCtr="0" anchor="t" bIns="91425" lIns="91425" rIns="91425" tIns="91425">
+            <a:noAutofit/>
+          </a:bodyPr>
+          <a:lstStyle/>
+          <a:p>
+            <a:pPr>
+              <a:spcBef>
+                <a:spcPts val="0"/>
+              </a:spcBef>
+              <a:buNone/>
+            </a:pPr>
+            <a:r>
+              <a:t/>
+            </a:r>
+            <a:endParaRPr/>
+          </a:p>
+        </p:txBody>
+      </p:sp>
+    </p:spTree>
+  </p:cSld>
+  <p:clrMapOvr>
+    <a:masterClrMapping/>
+  </p:clrMapOvr>
+</p:notes>
+</file>
+
+<file path=ppt/notesSlides/notesSlide4.xml><?xml version="1.0" encoding="utf-8"?>
+<p:notes xmlns:a="http://schemas.openxmlformats.org/drawingml/2006/main" xmlns:r="http://schemas.openxmlformats.org/officeDocument/2006/relationships" xmlns:mc="http://schemas.openxmlformats.org/markup-compatibility/2006" xmlns:mv="urn:schemas-microsoft-com:mac:vml" xmlns:p="http://schemas.openxmlformats.org/presentationml/2006/main" xmlns:c="http://schemas.openxmlformats.org/drawingml/2006/chart" xmlns:dgm="http://schemas.openxmlformats.org/drawingml/2006/diagram" xmlns:o="urn:schemas-microsoft-com:office:office" xmlns:v="urn:schemas-microsoft-com:vml" xmlns:pvml="urn:schemas-microsoft-com:office:powerpoint" xmlns:com="http://schemas.openxmlformats.org/drawingml/2006/compatibility" xmlns:p14="http://schemas.microsoft.com/office/powerpoint/2010/main" showMasterPhAnim="0" showMasterSp="0">
+  <p:cSld>
+    <p:spTree>
+      <p:nvGrpSpPr>
+        <p:cNvPr id="50" name="Shape 50"/>
+        <p:cNvGrpSpPr/>
+        <p:nvPr/>
+      </p:nvGrpSpPr>
+      <p:grpSpPr>
+        <a:xfrm>
+          <a:off x="0" y="0"/>
+          <a:ext cx="0" cy="0"/>
+          <a:chOff x="0" y="0"/>
+          <a:chExt cx="0" cy="0"/>
+        </a:xfrm>
+      </p:grpSpPr>
+      <p:sp>
+        <p:nvSpPr>
+          <p:cNvPr id="51" name="Shape 51"/>
+          <p:cNvSpPr/>
+          <p:nvPr>
+            <p:ph idx="2" type="sldImg"/>
+          </p:nvPr>
+        </p:nvSpPr>
+        <p:spPr>
+          <a:xfrm>
+            <a:off x="381300" y="685800"/>
+            <a:ext cx="6096000" cy="3429000"/>
+          </a:xfrm>
+          <a:custGeom>
+            <a:pathLst>
+              <a:path extrusionOk="0" h="120000" w="120000">
+                <a:moveTo>
+                  <a:pt x="0" y="0"/>
+                </a:moveTo>
+                <a:lnTo>
+                  <a:pt x="120000" y="0"/>
+                </a:lnTo>
+                <a:lnTo>
+                  <a:pt x="120000" y="120000"/>
+                </a:lnTo>
+                <a:lnTo>
+                  <a:pt x="0" y="120000"/>
+                </a:lnTo>
+                <a:close/>
+              </a:path>
+            </a:pathLst>
+          </a:custGeom>
+          <a:noFill/>
+          <a:ln cap="flat" cmpd="sng" w="9525">
+            <a:solidFill>
+              <a:srgbClr val="000000"/>
+            </a:solidFill>
+            <a:prstDash val="solid"/>
+            <a:round/>
+            <a:headEnd len="med" w="med" type="none"/>
+            <a:tailEnd len="med" w="med" type="none"/>
+          </a:ln>
+        </p:spPr>
+      </p:sp>
+      <p:sp>
+        <p:nvSpPr>
+          <p:cNvPr id="52" name="Shape 52"/>
+          <p:cNvSpPr txBox="1"/>
+          <p:nvPr>
+            <p:ph idx="1" type="body"/>
+          </p:nvPr>
+        </p:nvSpPr>
+        <p:spPr>
+          <a:xfrm>
+            <a:off x="685800" y="4343400"/>
+            <a:ext cx="5486399" cy="4114800"/>
+          </a:xfrm>
+          <a:prstGeom prst="rect">
+            <a:avLst/>
+          </a:prstGeom>
+        </p:spPr>
+        <p:txBody>
+          <a:bodyPr anchorCtr="0" anchor="t" bIns="91425" lIns="91425" rIns="91425" tIns="91425">
+            <a:noAutofit/>
+          </a:bodyPr>
+          <a:lstStyle/>
+          <a:p>
+            <a:pPr>
+              <a:spcBef>
+                <a:spcPts val="0"/>
+              </a:spcBef>
+              <a:buNone/>
+            </a:pPr>
+            <a:r>
+              <a:rPr lang="en"/>
+              <a:t>A data analyst’s job is to take a bunch of ugly, incomprehensible data and extract meaningful information from it. </a:t>
+            </a:r>
+            <a:r>
+              <a:rPr lang="en">
+                <a:solidFill>
+                  <a:schemeClr val="dk1"/>
+                </a:solidFill>
+              </a:rPr>
+              <a:t>Data analysis sounds boring, but to me it can be a very artistic thing. Creating something that is both visually appealing, and elegantly simplifies a complex subject.</a:t>
+            </a:r>
+          </a:p>
+        </p:txBody>
+      </p:sp>
+    </p:spTree>
+  </p:cSld>
+  <p:clrMapOvr>
+    <a:masterClrMapping/>
+  </p:clrMapOvr>
+</p:notes>
+</file>
+
+<file path=ppt/notesSlides/notesSlide5.xml><?xml version="1.0" encoding="utf-8"?>
+<p:notes xmlns:a="http://schemas.openxmlformats.org/drawingml/2006/main" xmlns:r="http://schemas.openxmlformats.org/officeDocument/2006/relationships" xmlns:mc="http://schemas.openxmlformats.org/markup-compatibility/2006" xmlns:mv="urn:schemas-microsoft-com:mac:vml" xmlns:p="http://schemas.openxmlformats.org/presentationml/2006/main" xmlns:c="http://schemas.openxmlformats.org/drawingml/2006/chart" xmlns:dgm="http://schemas.openxmlformats.org/drawingml/2006/diagram" xmlns:o="urn:schemas-microsoft-com:office:office" xmlns:v="urn:schemas-microsoft-com:vml" xmlns:pvml="urn:schemas-microsoft-com:office:powerpoint" xmlns:com="http://schemas.openxmlformats.org/drawingml/2006/compatibility" xmlns:p14="http://schemas.microsoft.com/office/powerpoint/2010/main" showMasterPhAnim="0" showMasterSp="0">
+  <p:cSld>
+    <p:spTree>
+      <p:nvGrpSpPr>
+        <p:cNvPr id="55" name="Shape 55"/>
+        <p:cNvGrpSpPr/>
+        <p:nvPr/>
+      </p:nvGrpSpPr>
+      <p:grpSpPr>
+        <a:xfrm>
+          <a:off x="0" y="0"/>
+          <a:ext cx="0" cy="0"/>
+          <a:chOff x="0" y="0"/>
+          <a:chExt cx="0" cy="0"/>
+        </a:xfrm>
+      </p:grpSpPr>
+      <p:sp>
+        <p:nvSpPr>
+          <p:cNvPr id="56" name="Shape 56"/>
+          <p:cNvSpPr/>
+          <p:nvPr>
+            <p:ph idx="2" type="sldImg"/>
+          </p:nvPr>
+        </p:nvSpPr>
+        <p:spPr>
+          <a:xfrm>
+            <a:off x="381300" y="685800"/>
+            <a:ext cx="6096000" cy="3429000"/>
+          </a:xfrm>
+          <a:custGeom>
+            <a:pathLst>
+              <a:path extrusionOk="0" h="120000" w="120000">
+                <a:moveTo>
+                  <a:pt x="0" y="0"/>
+                </a:moveTo>
+                <a:lnTo>
+                  <a:pt x="120000" y="0"/>
+                </a:lnTo>
+                <a:lnTo>
+                  <a:pt x="120000" y="120000"/>
+                </a:lnTo>
+                <a:lnTo>
+                  <a:pt x="0" y="120000"/>
+                </a:lnTo>
+                <a:close/>
+              </a:path>
+            </a:pathLst>
+          </a:custGeom>
+          <a:noFill/>
+          <a:ln cap="flat" cmpd="sng" w="9525">
+            <a:solidFill>
+              <a:srgbClr val="000000"/>
+            </a:solidFill>
+            <a:prstDash val="solid"/>
+            <a:round/>
+            <a:headEnd len="med" w="med" type="none"/>
+            <a:tailEnd len="med" w="med" type="none"/>
+          </a:ln>
+        </p:spPr>
+      </p:sp>
+      <p:sp>
+        <p:nvSpPr>
+          <p:cNvPr id="57" name="Shape 57"/>
+          <p:cNvSpPr txBox="1"/>
+          <p:nvPr>
+            <p:ph idx="1" type="body"/>
+          </p:nvPr>
+        </p:nvSpPr>
+        <p:spPr>
+          <a:xfrm>
+            <a:off x="685800" y="4343400"/>
+            <a:ext cx="5486399" cy="4114800"/>
+          </a:xfrm>
+          <a:prstGeom prst="rect">
+            <a:avLst/>
+          </a:prstGeom>
+        </p:spPr>
+        <p:txBody>
+          <a:bodyPr anchorCtr="0" anchor="t" bIns="91425" lIns="91425" rIns="91425" tIns="91425">
+            <a:noAutofit/>
+          </a:bodyPr>
+          <a:lstStyle/>
+          <a:p>
+            <a:pPr rtl="0">
+              <a:spcBef>
+                <a:spcPts val="0"/>
+              </a:spcBef>
+              <a:buNone/>
+            </a:pPr>
+            <a:r>
+              <a:rPr lang="en"/>
+              <a:t>Mean center of population in the US</a:t>
+            </a:r>
+          </a:p>
+          <a:p>
+            <a:pPr rtl="0">
+              <a:spcBef>
+                <a:spcPts val="0"/>
+              </a:spcBef>
+              <a:buNone/>
+            </a:pPr>
+            <a:r>
+              <a:t/>
+            </a:r>
+            <a:endParaRPr/>
+          </a:p>
+          <a:p>
+            <a:pPr rtl="0">
+              <a:spcBef>
+                <a:spcPts val="0"/>
+              </a:spcBef>
+              <a:buNone/>
+            </a:pPr>
+            <a:r>
+              <a:rPr lang="en"/>
+              <a:t>Data: US population by geographical area</a:t>
+            </a:r>
+          </a:p>
+          <a:p>
+            <a:pPr>
+              <a:spcBef>
+                <a:spcPts val="0"/>
+              </a:spcBef>
+              <a:buNone/>
+            </a:pPr>
+            <a:r>
+              <a:rPr lang="en"/>
+              <a:t>Message: Between 1790 and present day, the US population has moved westward more and more.</a:t>
+            </a:r>
+          </a:p>
+        </p:txBody>
+      </p:sp>
+    </p:spTree>
+  </p:cSld>
+  <p:clrMapOvr>
+    <a:masterClrMapping/>
+  </p:clrMapOvr>
+</p:notes>
+</file>
+
+<file path=ppt/notesSlides/notesSlide6.xml><?xml version="1.0" encoding="utf-8"?>
+<p:notes xmlns:a="http://schemas.openxmlformats.org/drawingml/2006/main" xmlns:r="http://schemas.openxmlformats.org/officeDocument/2006/relationships" xmlns:mc="http://schemas.openxmlformats.org/markup-compatibility/2006" xmlns:mv="urn:schemas-microsoft-com:mac:vml" xmlns:p="http://schemas.openxmlformats.org/presentationml/2006/main" xmlns:c="http://schemas.openxmlformats.org/drawingml/2006/chart" xmlns:dgm="http://schemas.openxmlformats.org/drawingml/2006/diagram" xmlns:o="urn:schemas-microsoft-com:office:office" xmlns:v="urn:schemas-microsoft-com:vml" xmlns:pvml="urn:schemas-microsoft-com:office:powerpoint" xmlns:com="http://schemas.openxmlformats.org/drawingml/2006/compatibility" xmlns:p14="http://schemas.microsoft.com/office/powerpoint/2010/main" showMasterPhAnim="0" showMasterSp="0">
+  <p:cSld>
+    <p:spTree>
+      <p:nvGrpSpPr>
+        <p:cNvPr id="60" name="Shape 60"/>
+        <p:cNvGrpSpPr/>
+        <p:nvPr/>
+      </p:nvGrpSpPr>
+      <p:grpSpPr>
+        <a:xfrm>
+          <a:off x="0" y="0"/>
+          <a:ext cx="0" cy="0"/>
+          <a:chOff x="0" y="0"/>
+          <a:chExt cx="0" cy="0"/>
+        </a:xfrm>
+      </p:grpSpPr>
+      <p:sp>
+        <p:nvSpPr>
+          <p:cNvPr id="61" name="Shape 61"/>
+          <p:cNvSpPr/>
+          <p:nvPr>
+            <p:ph idx="2" type="sldImg"/>
+          </p:nvPr>
+        </p:nvSpPr>
+        <p:spPr>
+          <a:xfrm>
+            <a:off x="381300" y="685800"/>
+            <a:ext cx="6096000" cy="3429000"/>
+          </a:xfrm>
+          <a:custGeom>
+            <a:pathLst>
+              <a:path extrusionOk="0" h="120000" w="120000">
+                <a:moveTo>
+                  <a:pt x="0" y="0"/>
+                </a:moveTo>
+                <a:lnTo>
+                  <a:pt x="120000" y="0"/>
+                </a:lnTo>
+                <a:lnTo>
+                  <a:pt x="120000" y="120000"/>
+                </a:lnTo>
+                <a:lnTo>
+                  <a:pt x="0" y="120000"/>
+                </a:lnTo>
+                <a:close/>
+              </a:path>
+            </a:pathLst>
+          </a:custGeom>
+          <a:noFill/>
+          <a:ln cap="flat" cmpd="sng" w="9525">
+            <a:solidFill>
+              <a:srgbClr val="000000"/>
+            </a:solidFill>
+            <a:prstDash val="solid"/>
+            <a:round/>
+            <a:headEnd len="med" w="med" type="none"/>
+            <a:tailEnd len="med" w="med" type="none"/>
+          </a:ln>
+        </p:spPr>
+      </p:sp>
+      <p:sp>
+        <p:nvSpPr>
+          <p:cNvPr id="62" name="Shape 62"/>
+          <p:cNvSpPr txBox="1"/>
+          <p:nvPr>
+            <p:ph idx="1" type="body"/>
+          </p:nvPr>
+        </p:nvSpPr>
+        <p:spPr>
+          <a:xfrm>
+            <a:off x="685800" y="4343400"/>
+            <a:ext cx="5486399" cy="4114800"/>
+          </a:xfrm>
+          <a:prstGeom prst="rect">
+            <a:avLst/>
+          </a:prstGeom>
+        </p:spPr>
+        <p:txBody>
+          <a:bodyPr anchorCtr="0" anchor="t" bIns="91425" lIns="91425" rIns="91425" tIns="91425">
+            <a:noAutofit/>
+          </a:bodyPr>
+          <a:lstStyle/>
+          <a:p>
+            <a:pPr rtl="0">
+              <a:spcBef>
+                <a:spcPts val="0"/>
+              </a:spcBef>
+              <a:buNone/>
+            </a:pPr>
+            <a:r>
+              <a:rPr lang="en"/>
+              <a:t>John Snow’s Cholea map</a:t>
+            </a:r>
+          </a:p>
+          <a:p>
+            <a:pPr rtl="0">
+              <a:spcBef>
+                <a:spcPts val="0"/>
+              </a:spcBef>
+              <a:buNone/>
+            </a:pPr>
+            <a:r>
+              <a:t/>
+            </a:r>
+            <a:endParaRPr/>
+          </a:p>
+          <a:p>
+            <a:pPr rtl="0">
+              <a:spcBef>
+                <a:spcPts val="0"/>
+              </a:spcBef>
+              <a:buNone/>
+            </a:pPr>
+            <a:r>
+              <a:rPr lang="en"/>
+              <a:t>Data: Incidences of cholera by address in london.</a:t>
+            </a:r>
+          </a:p>
+          <a:p>
+            <a:pPr>
+              <a:spcBef>
+                <a:spcPts val="0"/>
+              </a:spcBef>
+              <a:buNone/>
+            </a:pPr>
+            <a:r>
+              <a:rPr lang="en"/>
+              <a:t>Message: A water pump on broad street is the source of the cholera outbreak.</a:t>
+            </a:r>
+          </a:p>
+        </p:txBody>
+      </p:sp>
+    </p:spTree>
+  </p:cSld>
+  <p:clrMapOvr>
+    <a:masterClrMapping/>
+  </p:clrMapOvr>
+</p:notes>
+</file>
+
+<file path=ppt/notesSlides/notesSlide7.xml><?xml version="1.0" encoding="utf-8"?>
+<p:notes xmlns:a="http://schemas.openxmlformats.org/drawingml/2006/main" xmlns:r="http://schemas.openxmlformats.org/officeDocument/2006/relationships" xmlns:mc="http://schemas.openxmlformats.org/markup-compatibility/2006" xmlns:mv="urn:schemas-microsoft-com:mac:vml" xmlns:p="http://schemas.openxmlformats.org/presentationml/2006/main" xmlns:c="http://schemas.openxmlformats.org/drawingml/2006/chart" xmlns:dgm="http://schemas.openxmlformats.org/drawingml/2006/diagram" xmlns:o="urn:schemas-microsoft-com:office:office" xmlns:v="urn:schemas-microsoft-com:vml" xmlns:pvml="urn:schemas-microsoft-com:office:powerpoint" xmlns:com="http://schemas.openxmlformats.org/drawingml/2006/compatibility" xmlns:p14="http://schemas.microsoft.com/office/powerpoint/2010/main" showMasterPhAnim="0" showMasterSp="0">
+  <p:cSld>
+    <p:spTree>
+      <p:nvGrpSpPr>
+        <p:cNvPr id="65" name="Shape 65"/>
+        <p:cNvGrpSpPr/>
+        <p:nvPr/>
+      </p:nvGrpSpPr>
+      <p:grpSpPr>
+        <a:xfrm>
+          <a:off x="0" y="0"/>
+          <a:ext cx="0" cy="0"/>
+          <a:chOff x="0" y="0"/>
+          <a:chExt cx="0" cy="0"/>
+        </a:xfrm>
+      </p:grpSpPr>
+      <p:sp>
+        <p:nvSpPr>
+          <p:cNvPr id="66" name="Shape 66"/>
+          <p:cNvSpPr/>
+          <p:nvPr>
+            <p:ph idx="2" type="sldImg"/>
+          </p:nvPr>
+        </p:nvSpPr>
+        <p:spPr>
+          <a:xfrm>
+            <a:off x="381300" y="685800"/>
+            <a:ext cx="6096000" cy="3429000"/>
+          </a:xfrm>
+          <a:custGeom>
+            <a:pathLst>
+              <a:path extrusionOk="0" h="120000" w="120000">
+                <a:moveTo>
+                  <a:pt x="0" y="0"/>
+                </a:moveTo>
+                <a:lnTo>
+                  <a:pt x="120000" y="0"/>
+                </a:lnTo>
+                <a:lnTo>
+                  <a:pt x="120000" y="120000"/>
+                </a:lnTo>
+                <a:lnTo>
+                  <a:pt x="0" y="120000"/>
+                </a:lnTo>
+                <a:close/>
+              </a:path>
+            </a:pathLst>
+          </a:custGeom>
+          <a:noFill/>
+          <a:ln cap="flat" cmpd="sng" w="9525">
+            <a:solidFill>
+              <a:srgbClr val="000000"/>
+            </a:solidFill>
+            <a:prstDash val="solid"/>
+            <a:round/>
+            <a:headEnd len="med" w="med" type="none"/>
+            <a:tailEnd len="med" w="med" type="none"/>
+          </a:ln>
+        </p:spPr>
+      </p:sp>
+      <p:sp>
+        <p:nvSpPr>
+          <p:cNvPr id="67" name="Shape 67"/>
+          <p:cNvSpPr txBox="1"/>
+          <p:nvPr>
+            <p:ph idx="1" type="body"/>
+          </p:nvPr>
+        </p:nvSpPr>
+        <p:spPr>
+          <a:xfrm>
+            <a:off x="685800" y="4343400"/>
+            <a:ext cx="5486399" cy="4114800"/>
+          </a:xfrm>
+          <a:prstGeom prst="rect">
+            <a:avLst/>
+          </a:prstGeom>
+        </p:spPr>
+        <p:txBody>
+          <a:bodyPr anchorCtr="0" anchor="t" bIns="91425" lIns="91425" rIns="91425" tIns="91425">
+            <a:noAutofit/>
+          </a:bodyPr>
+          <a:lstStyle/>
+          <a:p>
+            <a:pPr rtl="0">
+              <a:spcBef>
+                <a:spcPts val="0"/>
+              </a:spcBef>
+              <a:buNone/>
+            </a:pPr>
+            <a:r>
+              <a:rPr lang="en"/>
+              <a:t>Minard’s visualization of Napoleon’s russian campaign in the war of 1812. Napoleon marched his troops east and russian troops just kept retreating all the way to moscow, burning all the crops and shelter before they left. Eventually due to a lack of rations and exaustion, napoleon had to retreat his troops back to france, but seeing as it was nearly winter, he lost almost his entire army to cold and starvation during the journey home.</a:t>
+            </a:r>
+          </a:p>
+          <a:p>
+            <a:pPr rtl="0">
+              <a:spcBef>
+                <a:spcPts val="0"/>
+              </a:spcBef>
+              <a:buNone/>
+            </a:pPr>
+            <a:r>
+              <a:t/>
+            </a:r>
+            <a:endParaRPr/>
+          </a:p>
+          <a:p>
+            <a:pPr rtl="0">
+              <a:spcBef>
+                <a:spcPts val="0"/>
+              </a:spcBef>
+              <a:buNone/>
+            </a:pPr>
+            <a:r>
+              <a:rPr lang="en"/>
+              <a:t>Data: Number and location of napoleon’s troops, as well as the temperature.</a:t>
+            </a:r>
+          </a:p>
+          <a:p>
+            <a:pPr>
+              <a:spcBef>
+                <a:spcPts val="0"/>
+              </a:spcBef>
+              <a:buNone/>
+            </a:pPr>
+            <a:r>
+              <a:rPr lang="en"/>
+              <a:t>Message: Napoleon made a huge mistake.</a:t>
+            </a:r>
+          </a:p>
+        </p:txBody>
+      </p:sp>
+    </p:spTree>
+  </p:cSld>
+  <p:clrMapOvr>
+    <a:masterClrMapping/>
+  </p:clrMapOvr>
+</p:notes>
+</file>
+
+<file path=ppt/notesSlides/notesSlide8.xml><?xml version="1.0" encoding="utf-8"?>
+<p:notes xmlns:a="http://schemas.openxmlformats.org/drawingml/2006/main" xmlns:r="http://schemas.openxmlformats.org/officeDocument/2006/relationships" xmlns:mc="http://schemas.openxmlformats.org/markup-compatibility/2006" xmlns:mv="urn:schemas-microsoft-com:mac:vml" xmlns:p="http://schemas.openxmlformats.org/presentationml/2006/main" xmlns:c="http://schemas.openxmlformats.org/drawingml/2006/chart" xmlns:dgm="http://schemas.openxmlformats.org/drawingml/2006/diagram" xmlns:o="urn:schemas-microsoft-com:office:office" xmlns:v="urn:schemas-microsoft-com:vml" xmlns:pvml="urn:schemas-microsoft-com:office:powerpoint" xmlns:com="http://schemas.openxmlformats.org/drawingml/2006/compatibility" xmlns:p14="http://schemas.microsoft.com/office/powerpoint/2010/main" showMasterPhAnim="0" showMasterSp="0">
+  <p:cSld>
+    <p:spTree>
+      <p:nvGrpSpPr>
+        <p:cNvPr id="70" name="Shape 70"/>
+        <p:cNvGrpSpPr/>
+        <p:nvPr/>
+      </p:nvGrpSpPr>
+      <p:grpSpPr>
+        <a:xfrm>
+          <a:off x="0" y="0"/>
+          <a:ext cx="0" cy="0"/>
+          <a:chOff x="0" y="0"/>
+          <a:chExt cx="0" cy="0"/>
+        </a:xfrm>
+      </p:grpSpPr>
+      <p:sp>
+        <p:nvSpPr>
+          <p:cNvPr id="71" name="Shape 71"/>
+          <p:cNvSpPr/>
+          <p:nvPr>
+            <p:ph idx="2" type="sldImg"/>
+          </p:nvPr>
+        </p:nvSpPr>
+        <p:spPr>
+          <a:xfrm>
+            <a:off x="381300" y="685800"/>
+            <a:ext cx="6096000" cy="3429000"/>
+          </a:xfrm>
+          <a:custGeom>
+            <a:pathLst>
+              <a:path extrusionOk="0" h="120000" w="120000">
+                <a:moveTo>
+                  <a:pt x="0" y="0"/>
+                </a:moveTo>
+                <a:lnTo>
+                  <a:pt x="120000" y="0"/>
+                </a:lnTo>
+                <a:lnTo>
+                  <a:pt x="120000" y="120000"/>
+                </a:lnTo>
+                <a:lnTo>
+                  <a:pt x="0" y="120000"/>
+                </a:lnTo>
+                <a:close/>
+              </a:path>
+            </a:pathLst>
+          </a:custGeom>
+          <a:noFill/>
+          <a:ln cap="flat" cmpd="sng" w="9525">
+            <a:solidFill>
+              <a:srgbClr val="000000"/>
+            </a:solidFill>
+            <a:prstDash val="solid"/>
+            <a:round/>
+            <a:headEnd len="med" w="med" type="none"/>
+            <a:tailEnd len="med" w="med" type="none"/>
+          </a:ln>
+        </p:spPr>
+      </p:sp>
+      <p:sp>
+        <p:nvSpPr>
+          <p:cNvPr id="72" name="Shape 72"/>
+          <p:cNvSpPr txBox="1"/>
+          <p:nvPr>
+            <p:ph idx="1" type="body"/>
+          </p:nvPr>
+        </p:nvSpPr>
+        <p:spPr>
+          <a:xfrm>
+            <a:off x="685800" y="4343400"/>
+            <a:ext cx="5486399" cy="4114800"/>
+          </a:xfrm>
+          <a:prstGeom prst="rect">
+            <a:avLst/>
+          </a:prstGeom>
+        </p:spPr>
+        <p:txBody>
+          <a:bodyPr anchorCtr="0" anchor="t" bIns="91425" lIns="91425" rIns="91425" tIns="91425">
+            <a:noAutofit/>
+          </a:bodyPr>
+          <a:lstStyle/>
+          <a:p>
+            <a:pPr rtl="0">
+              <a:spcBef>
+                <a:spcPts val="0"/>
+              </a:spcBef>
+              <a:buNone/>
+            </a:pPr>
+            <a:r>
+              <a:rPr lang="en">
+                <a:solidFill>
+                  <a:schemeClr val="dk1"/>
+                </a:solidFill>
+                <a:latin typeface="Times New Roman"/>
+                <a:ea typeface="Times New Roman"/>
+                <a:cs typeface="Times New Roman"/>
+                <a:sym typeface="Times New Roman"/>
+              </a:rPr>
+              <a:t>Megan Jaegerman </a:t>
+            </a:r>
+          </a:p>
+          <a:p>
+            <a:pPr rtl="0">
+              <a:spcBef>
+                <a:spcPts val="0"/>
+              </a:spcBef>
+              <a:buNone/>
+            </a:pPr>
+            <a:r>
+              <a:t/>
+            </a:r>
+            <a:endParaRPr>
+              <a:solidFill>
+                <a:schemeClr val="dk1"/>
+              </a:solidFill>
+              <a:latin typeface="Times New Roman"/>
+              <a:ea typeface="Times New Roman"/>
+              <a:cs typeface="Times New Roman"/>
+              <a:sym typeface="Times New Roman"/>
+            </a:endParaRPr>
+          </a:p>
+          <a:p>
+            <a:pPr rtl="0">
+              <a:spcBef>
+                <a:spcPts val="0"/>
+              </a:spcBef>
+              <a:buNone/>
+            </a:pPr>
+            <a:r>
+              <a:rPr lang="en">
+                <a:solidFill>
+                  <a:schemeClr val="dk1"/>
+                </a:solidFill>
+                <a:latin typeface="Times New Roman"/>
+                <a:ea typeface="Times New Roman"/>
+                <a:cs typeface="Times New Roman"/>
+                <a:sym typeface="Times New Roman"/>
+              </a:rPr>
+              <a:t>Demonstrates relative costs and effectiveness of lawn cutting equipment</a:t>
+            </a:r>
+          </a:p>
+          <a:p>
+            <a:pPr rtl="0">
+              <a:spcBef>
+                <a:spcPts val="0"/>
+              </a:spcBef>
+              <a:buNone/>
+            </a:pPr>
+            <a:r>
+              <a:rPr lang="en">
+                <a:solidFill>
+                  <a:schemeClr val="dk1"/>
+                </a:solidFill>
+                <a:latin typeface="Times New Roman"/>
+                <a:ea typeface="Times New Roman"/>
+                <a:cs typeface="Times New Roman"/>
+                <a:sym typeface="Times New Roman"/>
+              </a:rPr>
+              <a:t>Data: Outdoor Power Equipment Company</a:t>
+            </a:r>
+          </a:p>
+          <a:p>
+            <a:pPr>
+              <a:spcBef>
+                <a:spcPts val="0"/>
+              </a:spcBef>
+              <a:buNone/>
+            </a:pPr>
+            <a:r>
+              <a:rPr lang="en">
+                <a:solidFill>
+                  <a:schemeClr val="dk1"/>
+                </a:solidFill>
+                <a:latin typeface="Times New Roman"/>
+                <a:ea typeface="Times New Roman"/>
+                <a:cs typeface="Times New Roman"/>
+                <a:sym typeface="Times New Roman"/>
+              </a:rPr>
+              <a:t>Message: Maybe Sheep are the cheapest solution?</a:t>
+            </a:r>
+          </a:p>
+        </p:txBody>
+      </p:sp>
+    </p:spTree>
+  </p:cSld>
+  <p:clrMapOvr>
+    <a:masterClrMapping/>
+  </p:clrMapOvr>
+</p:notes>
+</file>
+
+<file path=ppt/notesSlides/notesSlide9.xml><?xml version="1.0" encoding="utf-8"?>
+<p:notes xmlns:a="http://schemas.openxmlformats.org/drawingml/2006/main" xmlns:r="http://schemas.openxmlformats.org/officeDocument/2006/relationships" xmlns:mc="http://schemas.openxmlformats.org/markup-compatibility/2006" xmlns:mv="urn:schemas-microsoft-com:mac:vml" xmlns:p="http://schemas.openxmlformats.org/presentationml/2006/main" xmlns:c="http://schemas.openxmlformats.org/drawingml/2006/chart" xmlns:dgm="http://schemas.openxmlformats.org/drawingml/2006/diagram" xmlns:o="urn:schemas-microsoft-com:office:office" xmlns:v="urn:schemas-microsoft-com:vml" xmlns:pvml="urn:schemas-microsoft-com:office:powerpoint" xmlns:com="http://schemas.openxmlformats.org/drawingml/2006/compatibility" xmlns:p14="http://schemas.microsoft.com/office/powerpoint/2010/main" showMasterPhAnim="0" showMasterSp="0">
+  <p:cSld>
+    <p:spTree>
+      <p:nvGrpSpPr>
+        <p:cNvPr id="75" name="Shape 75"/>
+        <p:cNvGrpSpPr/>
+        <p:nvPr/>
+      </p:nvGrpSpPr>
+      <p:grpSpPr>
+        <a:xfrm>
+          <a:off x="0" y="0"/>
+          <a:ext cx="0" cy="0"/>
+          <a:chOff x="0" y="0"/>
+          <a:chExt cx="0" cy="0"/>
+        </a:xfrm>
+      </p:grpSpPr>
+      <p:sp>
+        <p:nvSpPr>
+          <p:cNvPr id="76" name="Shape 76"/>
+          <p:cNvSpPr/>
+          <p:nvPr>
+            <p:ph idx="2" type="sldImg"/>
+          </p:nvPr>
+        </p:nvSpPr>
+        <p:spPr>
+          <a:xfrm>
+            <a:off x="381300" y="685800"/>
+            <a:ext cx="6096000" cy="3429000"/>
+          </a:xfrm>
+          <a:custGeom>
+            <a:pathLst>
+              <a:path extrusionOk="0" h="120000" w="120000">
+                <a:moveTo>
+                  <a:pt x="0" y="0"/>
+                </a:moveTo>
+                <a:lnTo>
+                  <a:pt x="120000" y="0"/>
+                </a:lnTo>
+                <a:lnTo>
+                  <a:pt x="120000" y="120000"/>
+                </a:lnTo>
+                <a:lnTo>
+                  <a:pt x="0" y="120000"/>
+                </a:lnTo>
+                <a:close/>
+              </a:path>
+            </a:pathLst>
+          </a:custGeom>
+          <a:noFill/>
+          <a:ln cap="flat" cmpd="sng" w="9525">
+            <a:solidFill>
+              <a:srgbClr val="000000"/>
+            </a:solidFill>
+            <a:prstDash val="solid"/>
+            <a:round/>
+            <a:headEnd len="med" w="med" type="none"/>
+            <a:tailEnd len="med" w="med" type="none"/>
+          </a:ln>
+        </p:spPr>
+      </p:sp>
+      <p:sp>
+        <p:nvSpPr>
+          <p:cNvPr id="77" name="Shape 77"/>
+          <p:cNvSpPr txBox="1"/>
+          <p:nvPr>
+            <p:ph idx="1" type="body"/>
+          </p:nvPr>
+        </p:nvSpPr>
+        <p:spPr>
+          <a:xfrm>
+            <a:off x="685800" y="4343400"/>
+            <a:ext cx="5486399" cy="4114800"/>
+          </a:xfrm>
+          <a:prstGeom prst="rect">
+            <a:avLst/>
+          </a:prstGeom>
+        </p:spPr>
+        <p:txBody>
+          <a:bodyPr anchorCtr="0" anchor="t" bIns="91425" lIns="91425" rIns="91425" tIns="91425">
+            <a:noAutofit/>
+          </a:bodyPr>
+          <a:lstStyle/>
+          <a:p>
+            <a:pPr>
+              <a:spcBef>
+                <a:spcPts val="0"/>
+              </a:spcBef>
+              <a:buNone/>
+            </a:pPr>
+            <a:r>
+              <a:t/>
+            </a:r>
+            <a:endParaRPr/>
           </a:p>
         </p:txBody>
       </p:sp>
@@ -4624,7 +5868,7 @@
             </a:pPr>
             <a:r>
               <a:rPr lang="en"/>
-              <a:t>How to Present Data</a:t>
+              <a:t>Data: Analysis and Presentation</a:t>
             </a:r>
           </a:p>
         </p:txBody>
@@ -4693,7 +5937,7 @@
   <p:cSld>
     <p:spTree>
       <p:nvGrpSpPr>
-        <p:cNvPr id="82" name="Shape 82"/>
+        <p:cNvPr id="78" name="Shape 78"/>
         <p:cNvGrpSpPr/>
         <p:nvPr/>
       </p:nvGrpSpPr>
@@ -4705,86 +5949,9 @@
           <a:chExt cx="0" cy="0"/>
         </a:xfrm>
       </p:grpSpPr>
-      <p:sp>
-        <p:nvSpPr>
-          <p:cNvPr id="83" name="Shape 83"/>
-          <p:cNvSpPr txBox="1"/>
-          <p:nvPr>
-            <p:ph type="title"/>
-          </p:nvPr>
-        </p:nvSpPr>
-        <p:spPr>
-          <a:xfrm>
-            <a:off x="457200" y="205978"/>
-            <a:ext cx="8229600" cy="857400"/>
-          </a:xfrm>
-          <a:prstGeom prst="rect">
-            <a:avLst/>
-          </a:prstGeom>
-        </p:spPr>
-        <p:txBody>
-          <a:bodyPr anchorCtr="0" anchor="b" bIns="91425" lIns="91425" rIns="91425" tIns="91425">
-            <a:noAutofit/>
-          </a:bodyPr>
-          <a:lstStyle/>
-          <a:p>
-            <a:pPr>
-              <a:spcBef>
-                <a:spcPts val="0"/>
-              </a:spcBef>
-              <a:buNone/>
-            </a:pPr>
-            <a:r>
-              <a:rPr lang="en"/>
-              <a:t>The Line Chart</a:t>
-            </a:r>
-          </a:p>
-        </p:txBody>
-      </p:sp>
-      <p:sp>
-        <p:nvSpPr>
-          <p:cNvPr id="84" name="Shape 84"/>
-          <p:cNvSpPr txBox="1"/>
-          <p:nvPr>
-            <p:ph idx="1" type="body"/>
-          </p:nvPr>
-        </p:nvSpPr>
-        <p:spPr>
-          <a:xfrm>
-            <a:off x="457200" y="3921000"/>
-            <a:ext cx="8229600" cy="1005000"/>
-          </a:xfrm>
-          <a:prstGeom prst="rect">
-            <a:avLst/>
-          </a:prstGeom>
-        </p:spPr>
-        <p:txBody>
-          <a:bodyPr anchorCtr="0" anchor="t" bIns="91425" lIns="91425" rIns="91425" tIns="91425">
-            <a:noAutofit/>
-          </a:bodyPr>
-          <a:lstStyle/>
-          <a:p>
-            <a:pPr indent="-419100" lvl="0" marL="457200">
-              <a:spcBef>
-                <a:spcPts val="0"/>
-              </a:spcBef>
-              <a:buClr>
-                <a:schemeClr val="dk1"/>
-              </a:buClr>
-              <a:buSzPct val="100000"/>
-              <a:buFont typeface="Arial"/>
-              <a:buChar char="●"/>
-            </a:pPr>
-            <a:r>
-              <a:rPr lang="en"/>
-              <a:t>More suitable for continuous data</a:t>
-            </a:r>
-          </a:p>
-        </p:txBody>
-      </p:sp>
       <p:pic>
         <p:nvPicPr>
-          <p:cNvPr id="85" name="Shape 85"/>
+          <p:cNvPr id="79" name="Shape 79"/>
           <p:cNvPicPr preferRelativeResize="0"/>
           <p:nvPr/>
         </p:nvPicPr>
@@ -4798,8 +5965,8 @@
         </p:blipFill>
         <p:spPr>
           <a:xfrm>
-            <a:off x="625975" y="1063374"/>
-            <a:ext cx="7329898" cy="2756574"/>
+            <a:off x="1714500" y="1443037"/>
+            <a:ext cx="5715000" cy="2257425"/>
           </a:xfrm>
           <a:prstGeom prst="rect">
             <a:avLst/>
@@ -4826,7 +5993,7 @@
   <p:cSld>
     <p:spTree>
       <p:nvGrpSpPr>
-        <p:cNvPr id="89" name="Shape 89"/>
+        <p:cNvPr id="83" name="Shape 83"/>
         <p:cNvGrpSpPr/>
         <p:nvPr/>
       </p:nvGrpSpPr>
@@ -4838,45 +6005,9 @@
           <a:chExt cx="0" cy="0"/>
         </a:xfrm>
       </p:grpSpPr>
-      <p:sp>
-        <p:nvSpPr>
-          <p:cNvPr id="90" name="Shape 90"/>
-          <p:cNvSpPr txBox="1"/>
-          <p:nvPr>
-            <p:ph type="title"/>
-          </p:nvPr>
-        </p:nvSpPr>
-        <p:spPr>
-          <a:xfrm>
-            <a:off x="457200" y="205978"/>
-            <a:ext cx="8229600" cy="857400"/>
-          </a:xfrm>
-          <a:prstGeom prst="rect">
-            <a:avLst/>
-          </a:prstGeom>
-        </p:spPr>
-        <p:txBody>
-          <a:bodyPr anchorCtr="0" anchor="b" bIns="91425" lIns="91425" rIns="91425" tIns="91425">
-            <a:noAutofit/>
-          </a:bodyPr>
-          <a:lstStyle/>
-          <a:p>
-            <a:pPr>
-              <a:spcBef>
-                <a:spcPts val="0"/>
-              </a:spcBef>
-              <a:buNone/>
-            </a:pPr>
-            <a:r>
-              <a:rPr lang="en"/>
-              <a:t>The Scatterplot</a:t>
-            </a:r>
-          </a:p>
-        </p:txBody>
-      </p:sp>
       <p:pic>
         <p:nvPicPr>
-          <p:cNvPr id="91" name="Shape 91"/>
+          <p:cNvPr id="84" name="Shape 84"/>
           <p:cNvPicPr preferRelativeResize="0"/>
           <p:nvPr/>
         </p:nvPicPr>
@@ -4890,8 +6021,8 @@
         </p:blipFill>
         <p:spPr>
           <a:xfrm>
-            <a:off x="4557400" y="1282425"/>
-            <a:ext cx="4050301" cy="3127725"/>
+            <a:off x="285750" y="0"/>
+            <a:ext cx="8572499" cy="5143499"/>
           </a:xfrm>
           <a:prstGeom prst="rect">
             <a:avLst/>
@@ -4902,64 +6033,6 @@
           </a:ln>
         </p:spPr>
       </p:pic>
-      <p:sp>
-        <p:nvSpPr>
-          <p:cNvPr id="92" name="Shape 92"/>
-          <p:cNvSpPr txBox="1"/>
-          <p:nvPr>
-            <p:ph idx="1" type="body"/>
-          </p:nvPr>
-        </p:nvSpPr>
-        <p:spPr>
-          <a:xfrm>
-            <a:off x="457200" y="1200150"/>
-            <a:ext cx="3990599" cy="3725699"/>
-          </a:xfrm>
-          <a:prstGeom prst="rect">
-            <a:avLst/>
-          </a:prstGeom>
-        </p:spPr>
-        <p:txBody>
-          <a:bodyPr anchorCtr="0" anchor="t" bIns="91425" lIns="91425" rIns="91425" tIns="91425">
-            <a:noAutofit/>
-          </a:bodyPr>
-          <a:lstStyle/>
-          <a:p>
-            <a:pPr indent="-419100" lvl="0" marL="457200" rtl="0">
-              <a:spcBef>
-                <a:spcPts val="0"/>
-              </a:spcBef>
-              <a:buClr>
-                <a:schemeClr val="dk1"/>
-              </a:buClr>
-              <a:buSzPct val="100000"/>
-              <a:buFont typeface="Arial"/>
-              <a:buChar char="●"/>
-            </a:pPr>
-            <a:r>
-              <a:rPr lang="en"/>
-              <a:t>Shows relationship between two variables</a:t>
-            </a:r>
-          </a:p>
-          <a:p>
-            <a:pPr indent="-419100" lvl="0" marL="457200">
-              <a:spcBef>
-                <a:spcPts val="0"/>
-              </a:spcBef>
-              <a:buClr>
-                <a:schemeClr val="dk1"/>
-              </a:buClr>
-              <a:buSzPct val="100000"/>
-              <a:buFont typeface="Arial"/>
-              <a:buChar char="●"/>
-            </a:pPr>
-            <a:r>
-              <a:rPr lang="en"/>
-              <a:t>Continuous or discrete/ordinal variables</a:t>
-            </a:r>
-          </a:p>
-        </p:txBody>
-      </p:sp>
     </p:spTree>
   </p:cSld>
   <p:clrMapOvr>
@@ -4976,7 +6049,7 @@
   <p:cSld>
     <p:spTree>
       <p:nvGrpSpPr>
-        <p:cNvPr id="96" name="Shape 96"/>
+        <p:cNvPr id="88" name="Shape 88"/>
         <p:cNvGrpSpPr/>
         <p:nvPr/>
       </p:nvGrpSpPr>
@@ -4990,7 +6063,7 @@
       </p:grpSpPr>
       <p:sp>
         <p:nvSpPr>
-          <p:cNvPr id="97" name="Shape 97"/>
+          <p:cNvPr id="89" name="Shape 89"/>
           <p:cNvSpPr txBox="1"/>
           <p:nvPr>
             <p:ph type="title"/>
@@ -5019,44 +6092,8 @@
             </a:pPr>
             <a:r>
               <a:rPr lang="en"/>
-              <a:t>Presentation Advice</a:t>
-            </a:r>
-          </a:p>
-        </p:txBody>
-      </p:sp>
-      <p:sp>
-        <p:nvSpPr>
-          <p:cNvPr id="98" name="Shape 98"/>
-          <p:cNvSpPr txBox="1"/>
-          <p:nvPr>
-            <p:ph idx="1" type="body"/>
-          </p:nvPr>
-        </p:nvSpPr>
-        <p:spPr>
-          <a:xfrm>
-            <a:off x="457200" y="1200150"/>
-            <a:ext cx="8229600" cy="3725699"/>
-          </a:xfrm>
-          <a:prstGeom prst="rect">
-            <a:avLst/>
-          </a:prstGeom>
-        </p:spPr>
-        <p:txBody>
-          <a:bodyPr anchorCtr="0" anchor="t" bIns="91425" lIns="91425" rIns="91425" tIns="91425">
-            <a:noAutofit/>
-          </a:bodyPr>
-          <a:lstStyle/>
-          <a:p>
-            <a:pPr>
-              <a:spcBef>
-                <a:spcPts val="0"/>
-              </a:spcBef>
-              <a:buNone/>
-            </a:pPr>
-            <a:r>
-              <a:t/>
-            </a:r>
-            <a:endParaRPr/>
+              <a:t>Data Analysis 101</a:t>
+            </a:r>
           </a:p>
         </p:txBody>
       </p:sp>
@@ -5076,7 +6113,7 @@
   <p:cSld>
     <p:spTree>
       <p:nvGrpSpPr>
-        <p:cNvPr id="102" name="Shape 102"/>
+        <p:cNvPr id="93" name="Shape 93"/>
         <p:cNvGrpSpPr/>
         <p:nvPr/>
       </p:nvGrpSpPr>
@@ -5090,7 +6127,7 @@
       </p:grpSpPr>
       <p:sp>
         <p:nvSpPr>
-          <p:cNvPr id="103" name="Shape 103"/>
+          <p:cNvPr id="94" name="Shape 94"/>
           <p:cNvSpPr txBox="1"/>
           <p:nvPr>
             <p:ph type="title"/>
@@ -5111,246 +6148,6 @@
           </a:bodyPr>
           <a:lstStyle/>
           <a:p>
-            <a:pPr rtl="0">
-              <a:spcBef>
-                <a:spcPts val="0"/>
-              </a:spcBef>
-              <a:buNone/>
-            </a:pPr>
-            <a:r>
-              <a:t/>
-            </a:r>
-            <a:endParaRPr/>
-          </a:p>
-          <a:p>
-            <a:pPr rtl="0">
-              <a:spcBef>
-                <a:spcPts val="0"/>
-              </a:spcBef>
-              <a:buNone/>
-            </a:pPr>
-            <a:r>
-              <a:t/>
-            </a:r>
-            <a:endParaRPr/>
-          </a:p>
-          <a:p>
-            <a:pPr rtl="0">
-              <a:spcBef>
-                <a:spcPts val="0"/>
-              </a:spcBef>
-              <a:buNone/>
-            </a:pPr>
-            <a:r>
-              <a:t/>
-            </a:r>
-            <a:endParaRPr/>
-          </a:p>
-          <a:p>
-            <a:pPr rtl="0">
-              <a:spcBef>
-                <a:spcPts val="0"/>
-              </a:spcBef>
-              <a:buNone/>
-            </a:pPr>
-            <a:r>
-              <a:t/>
-            </a:r>
-            <a:endParaRPr/>
-          </a:p>
-          <a:p>
-            <a:pPr rtl="0">
-              <a:spcBef>
-                <a:spcPts val="0"/>
-              </a:spcBef>
-              <a:buNone/>
-            </a:pPr>
-            <a:r>
-              <a:t/>
-            </a:r>
-            <a:endParaRPr/>
-          </a:p>
-          <a:p>
-            <a:pPr rtl="0">
-              <a:spcBef>
-                <a:spcPts val="0"/>
-              </a:spcBef>
-              <a:buNone/>
-            </a:pPr>
-            <a:r>
-              <a:t/>
-            </a:r>
-            <a:endParaRPr/>
-          </a:p>
-          <a:p>
-            <a:pPr rtl="0">
-              <a:spcBef>
-                <a:spcPts val="0"/>
-              </a:spcBef>
-              <a:buNone/>
-            </a:pPr>
-            <a:r>
-              <a:t/>
-            </a:r>
-            <a:endParaRPr/>
-          </a:p>
-          <a:p>
-            <a:pPr rtl="0">
-              <a:spcBef>
-                <a:spcPts val="0"/>
-              </a:spcBef>
-              <a:buNone/>
-            </a:pPr>
-            <a:r>
-              <a:t/>
-            </a:r>
-            <a:endParaRPr/>
-          </a:p>
-          <a:p>
-            <a:pPr rtl="0">
-              <a:spcBef>
-                <a:spcPts val="0"/>
-              </a:spcBef>
-              <a:buNone/>
-            </a:pPr>
-            <a:r>
-              <a:t/>
-            </a:r>
-            <a:endParaRPr/>
-          </a:p>
-          <a:p>
-            <a:pPr rtl="0">
-              <a:spcBef>
-                <a:spcPts val="0"/>
-              </a:spcBef>
-              <a:buNone/>
-            </a:pPr>
-            <a:r>
-              <a:t/>
-            </a:r>
-            <a:endParaRPr/>
-          </a:p>
-          <a:p>
-            <a:pPr rtl="0">
-              <a:spcBef>
-                <a:spcPts val="0"/>
-              </a:spcBef>
-              <a:buNone/>
-            </a:pPr>
-            <a:r>
-              <a:t/>
-            </a:r>
-            <a:endParaRPr/>
-          </a:p>
-          <a:p>
-            <a:pPr rtl="0">
-              <a:spcBef>
-                <a:spcPts val="0"/>
-              </a:spcBef>
-              <a:buNone/>
-            </a:pPr>
-            <a:r>
-              <a:t/>
-            </a:r>
-            <a:endParaRPr/>
-          </a:p>
-          <a:p>
-            <a:pPr rtl="0">
-              <a:spcBef>
-                <a:spcPts val="0"/>
-              </a:spcBef>
-              <a:buNone/>
-            </a:pPr>
-            <a:r>
-              <a:t/>
-            </a:r>
-            <a:endParaRPr/>
-          </a:p>
-          <a:p>
-            <a:pPr rtl="0">
-              <a:spcBef>
-                <a:spcPts val="0"/>
-              </a:spcBef>
-              <a:buNone/>
-            </a:pPr>
-            <a:r>
-              <a:t/>
-            </a:r>
-            <a:endParaRPr/>
-          </a:p>
-          <a:p>
-            <a:pPr rtl="0">
-              <a:spcBef>
-                <a:spcPts val="0"/>
-              </a:spcBef>
-              <a:buNone/>
-            </a:pPr>
-            <a:r>
-              <a:t/>
-            </a:r>
-            <a:endParaRPr/>
-          </a:p>
-          <a:p>
-            <a:pPr rtl="0">
-              <a:spcBef>
-                <a:spcPts val="0"/>
-              </a:spcBef>
-              <a:buNone/>
-            </a:pPr>
-            <a:r>
-              <a:t/>
-            </a:r>
-            <a:endParaRPr/>
-          </a:p>
-          <a:p>
-            <a:pPr rtl="0">
-              <a:spcBef>
-                <a:spcPts val="0"/>
-              </a:spcBef>
-              <a:buNone/>
-            </a:pPr>
-            <a:r>
-              <a:t/>
-            </a:r>
-            <a:endParaRPr/>
-          </a:p>
-          <a:p>
-            <a:pPr rtl="0">
-              <a:spcBef>
-                <a:spcPts val="0"/>
-              </a:spcBef>
-              <a:buNone/>
-            </a:pPr>
-            <a:r>
-              <a:t/>
-            </a:r>
-            <a:endParaRPr/>
-          </a:p>
-          <a:p>
-            <a:pPr rtl="0">
-              <a:spcBef>
-                <a:spcPts val="0"/>
-              </a:spcBef>
-              <a:buNone/>
-            </a:pPr>
-            <a:r>
-              <a:t/>
-            </a:r>
-            <a:endParaRPr/>
-          </a:p>
-          <a:p>
-            <a:pPr rtl="0">
-              <a:spcBef>
-                <a:spcPts val="0"/>
-              </a:spcBef>
-              <a:buNone/>
-            </a:pPr>
-            <a:r>
-              <a:t/>
-            </a:r>
-            <a:endParaRPr/>
-          </a:p>
-          <a:p>
             <a:pPr>
               <a:spcBef>
                 <a:spcPts val="0"/>
@@ -5359,14 +6156,14 @@
             </a:pPr>
             <a:r>
               <a:rPr lang="en"/>
-              <a:t>Know Your Audience</a:t>
+              <a:t>Data Types</a:t>
             </a:r>
           </a:p>
         </p:txBody>
       </p:sp>
       <p:sp>
         <p:nvSpPr>
-          <p:cNvPr id="104" name="Shape 104"/>
+          <p:cNvPr id="95" name="Shape 95"/>
           <p:cNvSpPr txBox="1"/>
           <p:nvPr>
             <p:ph idx="1" type="body"/>
@@ -5400,11 +6197,11 @@
             </a:pPr>
             <a:r>
               <a:rPr lang="en"/>
-              <a:t>Who is going to be in the room?</a:t>
-            </a:r>
-          </a:p>
-          <a:p>
-            <a:pPr indent="-419100" lvl="0" marL="457200">
+              <a:t>Quantitative vs Categorical</a:t>
+            </a:r>
+          </a:p>
+          <a:p>
+            <a:pPr indent="-419100" lvl="0" marL="457200" rtl="0">
               <a:spcBef>
                 <a:spcPts val="0"/>
               </a:spcBef>
@@ -5417,7 +6214,24 @@
             </a:pPr>
             <a:r>
               <a:rPr lang="en"/>
-              <a:t>Will they care more about the “how”, the “why”, or the “so what?”</a:t>
+              <a:t>Continuous vs Discrete</a:t>
+            </a:r>
+          </a:p>
+          <a:p>
+            <a:pPr indent="-419100" lvl="0" marL="457200">
+              <a:spcBef>
+                <a:spcPts val="0"/>
+              </a:spcBef>
+              <a:buClr>
+                <a:schemeClr val="dk1"/>
+              </a:buClr>
+              <a:buSzPct val="100000"/>
+              <a:buFont typeface="Arial"/>
+              <a:buChar char="●"/>
+            </a:pPr>
+            <a:r>
+              <a:rPr lang="en"/>
+              <a:t>Nominal vs Ordinal</a:t>
             </a:r>
           </a:p>
         </p:txBody>
@@ -5438,7 +6252,7 @@
   <p:cSld>
     <p:spTree>
       <p:nvGrpSpPr>
-        <p:cNvPr id="108" name="Shape 108"/>
+        <p:cNvPr id="99" name="Shape 99"/>
         <p:cNvGrpSpPr/>
         <p:nvPr/>
       </p:nvGrpSpPr>
@@ -5452,7 +6266,7 @@
       </p:grpSpPr>
       <p:sp>
         <p:nvSpPr>
-          <p:cNvPr id="109" name="Shape 109"/>
+          <p:cNvPr id="100" name="Shape 100"/>
           <p:cNvSpPr txBox="1"/>
           <p:nvPr>
             <p:ph type="title"/>
@@ -5481,42 +6295,14 @@
             </a:pPr>
             <a:r>
               <a:rPr lang="en"/>
-              <a:t>Anticipate Questions</a:t>
+              <a:t>Summary Statistics</a:t>
             </a:r>
           </a:p>
         </p:txBody>
       </p:sp>
-      <p:pic>
-        <p:nvPicPr>
-          <p:cNvPr id="110" name="Shape 110"/>
-          <p:cNvPicPr preferRelativeResize="0"/>
-          <p:nvPr/>
-        </p:nvPicPr>
-        <p:blipFill>
-          <a:blip r:embed="rId3">
-            <a:alphaModFix/>
-          </a:blip>
-          <a:stretch>
-            <a:fillRect/>
-          </a:stretch>
-        </p:blipFill>
-        <p:spPr>
-          <a:xfrm>
-            <a:off x="4973925" y="1759775"/>
-            <a:ext cx="3486150" cy="2152650"/>
-          </a:xfrm>
-          <a:prstGeom prst="rect">
-            <a:avLst/>
-          </a:prstGeom>
-          <a:noFill/>
-          <a:ln>
-            <a:noFill/>
-          </a:ln>
-        </p:spPr>
-      </p:pic>
-      <p:sp>
-        <p:nvSpPr>
-          <p:cNvPr id="111" name="Shape 111"/>
+      <p:sp>
+        <p:nvSpPr>
+          <p:cNvPr id="101" name="Shape 101"/>
           <p:cNvSpPr txBox="1"/>
           <p:nvPr>
             <p:ph idx="1" type="body"/>
@@ -5525,7 +6311,7 @@
         <p:spPr>
           <a:xfrm>
             <a:off x="457200" y="1200150"/>
-            <a:ext cx="3994500" cy="3725699"/>
+            <a:ext cx="8229600" cy="3725699"/>
           </a:xfrm>
           <a:prstGeom prst="rect">
             <a:avLst/>
@@ -5537,7 +6323,7 @@
           </a:bodyPr>
           <a:lstStyle/>
           <a:p>
-            <a:pPr indent="-419100" lvl="0" marL="457200">
+            <a:pPr indent="-419100" lvl="0" marL="457200" rtl="0">
               <a:spcBef>
                 <a:spcPts val="0"/>
               </a:spcBef>
@@ -5550,7 +6336,75 @@
             </a:pPr>
             <a:r>
               <a:rPr lang="en"/>
-              <a:t>What do you think the first question would be if you presented this scatterplot in a meeting?</a:t>
+              <a:t>Mean</a:t>
+            </a:r>
+          </a:p>
+          <a:p>
+            <a:pPr indent="-419100" lvl="0" marL="457200" rtl="0">
+              <a:spcBef>
+                <a:spcPts val="0"/>
+              </a:spcBef>
+              <a:buClr>
+                <a:schemeClr val="dk1"/>
+              </a:buClr>
+              <a:buSzPct val="100000"/>
+              <a:buFont typeface="Arial"/>
+              <a:buChar char="●"/>
+            </a:pPr>
+            <a:r>
+              <a:rPr lang="en"/>
+              <a:t>Median</a:t>
+            </a:r>
+          </a:p>
+          <a:p>
+            <a:pPr indent="-419100" lvl="0" marL="457200" rtl="0">
+              <a:spcBef>
+                <a:spcPts val="0"/>
+              </a:spcBef>
+              <a:buClr>
+                <a:schemeClr val="dk1"/>
+              </a:buClr>
+              <a:buSzPct val="100000"/>
+              <a:buFont typeface="Arial"/>
+              <a:buChar char="●"/>
+            </a:pPr>
+            <a:r>
+              <a:rPr lang="en"/>
+              <a:t>Percentile</a:t>
+            </a:r>
+          </a:p>
+          <a:p>
+            <a:pPr indent="-419100" lvl="0" marL="457200" rtl="0">
+              <a:spcBef>
+                <a:spcPts val="0"/>
+              </a:spcBef>
+              <a:buClr>
+                <a:schemeClr val="dk1"/>
+              </a:buClr>
+              <a:buSzPct val="100000"/>
+              <a:buFont typeface="Arial"/>
+              <a:buChar char="●"/>
+            </a:pPr>
+            <a:r>
+              <a:rPr lang="en"/>
+              <a:t>Range</a:t>
+            </a:r>
+          </a:p>
+          <a:p>
+            <a:pPr indent="-419100" lvl="0" marL="457200" rtl="0">
+              <a:spcBef>
+                <a:spcPts val="0"/>
+              </a:spcBef>
+              <a:buClr>
+                <a:schemeClr val="dk1"/>
+              </a:buClr>
+              <a:buSzPct val="100000"/>
+              <a:buFont typeface="Arial"/>
+              <a:buChar char="●"/>
+            </a:pPr>
+            <a:r>
+              <a:rPr lang="en"/>
+              <a:t>Variance, Standard Deviation</a:t>
             </a:r>
           </a:p>
         </p:txBody>
@@ -5571,7 +6425,7 @@
   <p:cSld>
     <p:spTree>
       <p:nvGrpSpPr>
-        <p:cNvPr id="115" name="Shape 115"/>
+        <p:cNvPr id="105" name="Shape 105"/>
         <p:cNvGrpSpPr/>
         <p:nvPr/>
       </p:nvGrpSpPr>
@@ -5585,7 +6439,7 @@
       </p:grpSpPr>
       <p:sp>
         <p:nvSpPr>
-          <p:cNvPr id="116" name="Shape 116"/>
+          <p:cNvPr id="106" name="Shape 106"/>
           <p:cNvSpPr txBox="1"/>
           <p:nvPr>
             <p:ph type="title"/>
@@ -5614,78 +6468,8 @@
             </a:pPr>
             <a:r>
               <a:rPr lang="en"/>
-              <a:t>Don’t Lead With the Details</a:t>
-            </a:r>
-          </a:p>
-        </p:txBody>
-      </p:sp>
-      <p:sp>
-        <p:nvSpPr>
-          <p:cNvPr id="117" name="Shape 117"/>
-          <p:cNvSpPr txBox="1"/>
-          <p:nvPr>
-            <p:ph idx="1" type="body"/>
-          </p:nvPr>
-        </p:nvSpPr>
-        <p:spPr>
-          <a:xfrm>
-            <a:off x="457200" y="1200150"/>
-            <a:ext cx="8229600" cy="3725699"/>
-          </a:xfrm>
-          <a:prstGeom prst="rect">
-            <a:avLst/>
-          </a:prstGeom>
-        </p:spPr>
-        <p:txBody>
-          <a:bodyPr anchorCtr="0" anchor="t" bIns="91425" lIns="91425" rIns="91425" tIns="91425">
-            <a:noAutofit/>
-          </a:bodyPr>
-          <a:lstStyle/>
-          <a:p>
-            <a:pPr indent="-419100" lvl="0" marL="457200" rtl="0">
-              <a:spcBef>
-                <a:spcPts val="0"/>
-              </a:spcBef>
-              <a:buClr>
-                <a:schemeClr val="dk1"/>
-              </a:buClr>
-              <a:buSzPct val="100000"/>
-              <a:buFont typeface="Arial"/>
-              <a:buChar char="●"/>
-            </a:pPr>
-            <a:r>
-              <a:rPr lang="en"/>
-              <a:t>Your job is to simplify the data, protect your audience from the complicated stuff and only tell them what really matters</a:t>
-            </a:r>
-          </a:p>
-          <a:p>
-            <a:pPr indent="-419100" lvl="0" marL="457200" rtl="0">
-              <a:spcBef>
-                <a:spcPts val="0"/>
-              </a:spcBef>
-              <a:buClr>
-                <a:schemeClr val="dk1"/>
-              </a:buClr>
-              <a:buSzPct val="100000"/>
-              <a:buFont typeface="Arial"/>
-              <a:buChar char="●"/>
-            </a:pPr>
-            <a:r>
-              <a:rPr lang="en"/>
-              <a:t>No matter who your audience is you will always need to spare them some level of detail to get through a presentation</a:t>
-            </a:r>
-          </a:p>
-          <a:p>
-            <a:pPr lvl="0">
-              <a:spcBef>
-                <a:spcPts val="0"/>
-              </a:spcBef>
-              <a:buNone/>
-            </a:pPr>
-            <a:r>
-              <a:t/>
-            </a:r>
-            <a:endParaRPr/>
+              <a:t>Presentation Tools</a:t>
+            </a:r>
           </a:p>
         </p:txBody>
       </p:sp>
@@ -5705,7 +6489,7 @@
   <p:cSld>
     <p:spTree>
       <p:nvGrpSpPr>
-        <p:cNvPr id="121" name="Shape 121"/>
+        <p:cNvPr id="110" name="Shape 110"/>
         <p:cNvGrpSpPr/>
         <p:nvPr/>
       </p:nvGrpSpPr>
@@ -5719,7 +6503,7 @@
       </p:grpSpPr>
       <p:sp>
         <p:nvSpPr>
-          <p:cNvPr id="122" name="Shape 122"/>
+          <p:cNvPr id="111" name="Shape 111"/>
           <p:cNvSpPr txBox="1"/>
           <p:nvPr>
             <p:ph type="title"/>
@@ -5747,15 +6531,42 @@
               <a:buNone/>
             </a:pPr>
             <a:r>
-              <a:rPr lang="en" sz="3000"/>
-              <a:t>But, Always Be Ready to go into the Details</a:t>
+              <a:rPr lang="en"/>
+              <a:t>The Table</a:t>
             </a:r>
           </a:p>
         </p:txBody>
       </p:sp>
-      <p:sp>
-        <p:nvSpPr>
-          <p:cNvPr id="123" name="Shape 123"/>
+      <p:pic>
+        <p:nvPicPr>
+          <p:cNvPr id="112" name="Shape 112"/>
+          <p:cNvPicPr preferRelativeResize="0"/>
+          <p:nvPr/>
+        </p:nvPicPr>
+        <p:blipFill rotWithShape="1">
+          <a:blip r:embed="rId3">
+            <a:alphaModFix/>
+          </a:blip>
+          <a:srcRect b="0" l="0" r="0" t="21042"/>
+          <a:stretch/>
+        </p:blipFill>
+        <p:spPr>
+          <a:xfrm>
+            <a:off x="1309550" y="1139200"/>
+            <a:ext cx="6229350" cy="1699725"/>
+          </a:xfrm>
+          <a:prstGeom prst="rect">
+            <a:avLst/>
+          </a:prstGeom>
+          <a:noFill/>
+          <a:ln>
+            <a:noFill/>
+          </a:ln>
+        </p:spPr>
+      </p:pic>
+      <p:sp>
+        <p:nvSpPr>
+          <p:cNvPr id="113" name="Shape 113"/>
           <p:cNvSpPr txBox="1"/>
           <p:nvPr>
             <p:ph idx="1" type="body"/>
@@ -5763,8 +6574,8 @@
         </p:nvSpPr>
         <p:spPr>
           <a:xfrm>
-            <a:off x="457200" y="1200150"/>
-            <a:ext cx="8229600" cy="3725699"/>
+            <a:off x="457200" y="2838925"/>
+            <a:ext cx="8229600" cy="2086799"/>
           </a:xfrm>
           <a:prstGeom prst="rect">
             <a:avLst/>
@@ -5789,11 +6600,11 @@
             </a:pPr>
             <a:r>
               <a:rPr lang="en"/>
-              <a:t>In the course of Q&amp;A, people might end up asking really detailed questions about your data set</a:t>
-            </a:r>
-          </a:p>
-          <a:p>
-            <a:pPr indent="-419100" lvl="0" marL="457200">
+              <a:t>Only for a very small number of columns and rows.</a:t>
+            </a:r>
+          </a:p>
+          <a:p>
+            <a:pPr indent="-419100" lvl="0" marL="457200" rtl="0">
               <a:spcBef>
                 <a:spcPts val="0"/>
               </a:spcBef>
@@ -5806,8 +6617,44 @@
             </a:pPr>
             <a:r>
               <a:rPr lang="en"/>
-              <a:t>Always be honest if you don’t know some detail about your data</a:t>
-            </a:r>
+              <a:t>Only if data values are immediately interpretable.</a:t>
+            </a:r>
+          </a:p>
+          <a:p>
+            <a:pPr rtl="0">
+              <a:spcBef>
+                <a:spcPts val="0"/>
+              </a:spcBef>
+              <a:buNone/>
+            </a:pPr>
+            <a:r>
+              <a:t/>
+            </a:r>
+            <a:endParaRPr/>
+          </a:p>
+          <a:p>
+            <a:pPr rtl="0">
+              <a:spcBef>
+                <a:spcPts val="0"/>
+              </a:spcBef>
+              <a:buNone/>
+            </a:pPr>
+            <a:r>
+              <a:t/>
+            </a:r>
+            <a:endParaRPr/>
+          </a:p>
+          <a:p>
+            <a:pPr>
+              <a:spcBef>
+                <a:spcPts val="0"/>
+              </a:spcBef>
+              <a:buNone/>
+            </a:pPr>
+            <a:r>
+              <a:t/>
+            </a:r>
+            <a:endParaRPr/>
           </a:p>
         </p:txBody>
       </p:sp>
@@ -5827,7 +6674,7 @@
   <p:cSld>
     <p:spTree>
       <p:nvGrpSpPr>
-        <p:cNvPr id="127" name="Shape 127"/>
+        <p:cNvPr id="117" name="Shape 117"/>
         <p:cNvGrpSpPr/>
         <p:nvPr/>
       </p:nvGrpSpPr>
@@ -5841,7 +6688,7 @@
       </p:grpSpPr>
       <p:sp>
         <p:nvSpPr>
-          <p:cNvPr id="128" name="Shape 128"/>
+          <p:cNvPr id="118" name="Shape 118"/>
           <p:cNvSpPr txBox="1"/>
           <p:nvPr>
             <p:ph type="title"/>
@@ -5870,47 +6717,39 @@
             </a:pPr>
             <a:r>
               <a:rPr lang="en"/>
-              <a:t>Dataset for Today’s Workshop</a:t>
+              <a:t>Example of a Confusing Table</a:t>
             </a:r>
           </a:p>
         </p:txBody>
       </p:sp>
-      <p:sp>
-        <p:nvSpPr>
-          <p:cNvPr id="129" name="Shape 129"/>
-          <p:cNvSpPr txBox="1"/>
-          <p:nvPr>
-            <p:ph idx="1" type="body"/>
-          </p:nvPr>
-        </p:nvSpPr>
-        <p:spPr>
-          <a:xfrm>
-            <a:off x="457200" y="1200150"/>
-            <a:ext cx="8229600" cy="3725699"/>
-          </a:xfrm>
-          <a:prstGeom prst="rect">
-            <a:avLst/>
-          </a:prstGeom>
-        </p:spPr>
-        <p:txBody>
-          <a:bodyPr anchorCtr="0" anchor="t" bIns="91425" lIns="91425" rIns="91425" tIns="91425">
-            <a:noAutofit/>
-          </a:bodyPr>
-          <a:lstStyle/>
-          <a:p>
-            <a:pPr>
-              <a:spcBef>
-                <a:spcPts val="0"/>
-              </a:spcBef>
-              <a:buNone/>
-            </a:pPr>
-            <a:r>
-              <a:t/>
-            </a:r>
-            <a:endParaRPr/>
-          </a:p>
-        </p:txBody>
-      </p:sp>
+      <p:pic>
+        <p:nvPicPr>
+          <p:cNvPr id="119" name="Shape 119"/>
+          <p:cNvPicPr preferRelativeResize="0"/>
+          <p:nvPr/>
+        </p:nvPicPr>
+        <p:blipFill>
+          <a:blip r:embed="rId3">
+            <a:alphaModFix/>
+          </a:blip>
+          <a:stretch>
+            <a:fillRect/>
+          </a:stretch>
+        </p:blipFill>
+        <p:spPr>
+          <a:xfrm>
+            <a:off x="572575" y="1298525"/>
+            <a:ext cx="6542574" cy="3653850"/>
+          </a:xfrm>
+          <a:prstGeom prst="rect">
+            <a:avLst/>
+          </a:prstGeom>
+          <a:noFill/>
+          <a:ln>
+            <a:noFill/>
+          </a:ln>
+        </p:spPr>
+      </p:pic>
     </p:spTree>
   </p:cSld>
   <p:clrMapOvr>
@@ -5927,7 +6766,7 @@
   <p:cSld>
     <p:spTree>
       <p:nvGrpSpPr>
-        <p:cNvPr id="133" name="Shape 133"/>
+        <p:cNvPr id="123" name="Shape 123"/>
         <p:cNvGrpSpPr/>
         <p:nvPr/>
       </p:nvGrpSpPr>
@@ -5941,7 +6780,7 @@
       </p:grpSpPr>
       <p:sp>
         <p:nvSpPr>
-          <p:cNvPr id="134" name="Shape 134"/>
+          <p:cNvPr id="124" name="Shape 124"/>
           <p:cNvSpPr txBox="1"/>
           <p:nvPr>
             <p:ph type="title"/>
@@ -5969,15 +6808,15 @@
               <a:buNone/>
             </a:pPr>
             <a:r>
-              <a:rPr lang="en" sz="2400"/>
-              <a:t>Integrated Postsecondary Education Data System </a:t>
+              <a:rPr lang="en"/>
+              <a:t>The Bar Chart</a:t>
             </a:r>
           </a:p>
         </p:txBody>
       </p:sp>
       <p:sp>
         <p:nvSpPr>
-          <p:cNvPr id="135" name="Shape 135"/>
+          <p:cNvPr id="125" name="Shape 125"/>
           <p:cNvSpPr txBox="1"/>
           <p:nvPr>
             <p:ph idx="1" type="body"/>
@@ -5985,8 +6824,8 @@
         </p:nvSpPr>
         <p:spPr>
           <a:xfrm>
-            <a:off x="457200" y="1200150"/>
-            <a:ext cx="8229600" cy="3725699"/>
+            <a:off x="457200" y="3207850"/>
+            <a:ext cx="8229600" cy="1718399"/>
           </a:xfrm>
           <a:prstGeom prst="rect">
             <a:avLst/>
@@ -5998,7 +6837,7 @@
           </a:bodyPr>
           <a:lstStyle/>
           <a:p>
-            <a:pPr indent="-381000" lvl="0" marL="457200" rtl="0">
+            <a:pPr indent="-419100" lvl="0" marL="457200" rtl="0">
               <a:spcBef>
                 <a:spcPts val="0"/>
               </a:spcBef>
@@ -6010,12 +6849,12 @@
               <a:buChar char="●"/>
             </a:pPr>
             <a:r>
-              <a:rPr lang="en" sz="2400"/>
-              <a:t>System of surveys conducted annually and made public by the U.S. Department’s National Center for Education Statistics (NCES). </a:t>
-            </a:r>
-          </a:p>
-          <a:p>
-            <a:pPr indent="-381000" lvl="0" marL="457200" rtl="0">
+              <a:rPr lang="en"/>
+              <a:t>Only for a small number of categories</a:t>
+            </a:r>
+          </a:p>
+          <a:p>
+            <a:pPr indent="-419100" lvl="0" marL="457200">
               <a:spcBef>
                 <a:spcPts val="0"/>
               </a:spcBef>
@@ -6027,32 +6866,15 @@
               <a:buChar char="●"/>
             </a:pPr>
             <a:r>
-              <a:rPr lang="en" sz="2400"/>
-              <a:t>Collect info on enrollment demographics, tuition, financial aid, graduation rates, and institutional resources.</a:t>
-            </a:r>
-          </a:p>
-          <a:p>
-            <a:pPr indent="-381000" lvl="0" marL="457200" rtl="0">
-              <a:spcBef>
-                <a:spcPts val="0"/>
-              </a:spcBef>
-              <a:buClr>
-                <a:schemeClr val="dk1"/>
-              </a:buClr>
-              <a:buSzPct val="100000"/>
-              <a:buFont typeface="Arial"/>
-              <a:buChar char="●"/>
-            </a:pPr>
-            <a:r>
-              <a:rPr lang="en" sz="2400"/>
-              <a:t>Has info on every college, university, and technical and vocational institution that participates in the federal financial aid programs.</a:t>
+              <a:rPr lang="en"/>
+              <a:t>X-axis should have meaningful ordering</a:t>
             </a:r>
           </a:p>
         </p:txBody>
       </p:sp>
       <p:pic>
         <p:nvPicPr>
-          <p:cNvPr id="136" name="Shape 136"/>
+          <p:cNvPr id="126" name="Shape 126"/>
           <p:cNvPicPr preferRelativeResize="0"/>
           <p:nvPr/>
         </p:nvPicPr>
@@ -6066,8 +6888,8 @@
         </p:blipFill>
         <p:spPr>
           <a:xfrm>
-            <a:off x="8037575" y="469625"/>
-            <a:ext cx="533400" cy="533400"/>
+            <a:off x="2335650" y="932600"/>
+            <a:ext cx="3892899" cy="2408475"/>
           </a:xfrm>
           <a:prstGeom prst="rect">
             <a:avLst/>
@@ -6094,7 +6916,7 @@
   <p:cSld>
     <p:spTree>
       <p:nvGrpSpPr>
-        <p:cNvPr id="140" name="Shape 140"/>
+        <p:cNvPr id="130" name="Shape 130"/>
         <p:cNvGrpSpPr/>
         <p:nvPr/>
       </p:nvGrpSpPr>
@@ -6106,18 +6928,23 @@
           <a:chExt cx="0" cy="0"/>
         </a:xfrm>
       </p:grpSpPr>
-      <p:sp>
-        <p:nvSpPr>
-          <p:cNvPr id="141" name="Shape 141"/>
-          <p:cNvSpPr txBox="1"/>
-          <p:nvPr>
-            <p:ph type="title"/>
-          </p:nvPr>
-        </p:nvSpPr>
-        <p:spPr>
-          <a:xfrm>
-            <a:off x="457200" y="2143053"/>
-            <a:ext cx="8229600" cy="857400"/>
+      <p:pic>
+        <p:nvPicPr>
+          <p:cNvPr id="131" name="Shape 131"/>
+          <p:cNvPicPr preferRelativeResize="0"/>
+          <p:nvPr/>
+        </p:nvPicPr>
+        <p:blipFill rotWithShape="1">
+          <a:blip r:embed="rId3">
+            <a:alphaModFix/>
+          </a:blip>
+          <a:srcRect b="66066" l="0" r="1565" t="0"/>
+          <a:stretch/>
+        </p:blipFill>
+        <p:spPr>
+          <a:xfrm>
+            <a:off x="192250" y="1239500"/>
+            <a:ext cx="8619125" cy="3278475"/>
           </a:xfrm>
           <a:prstGeom prst="rect">
             <a:avLst/>
@@ -6126,6 +6953,24 @@
           <a:ln>
             <a:noFill/>
           </a:ln>
+        </p:spPr>
+      </p:pic>
+      <p:sp>
+        <p:nvSpPr>
+          <p:cNvPr id="132" name="Shape 132"/>
+          <p:cNvSpPr txBox="1"/>
+          <p:nvPr>
+            <p:ph type="title"/>
+          </p:nvPr>
+        </p:nvSpPr>
+        <p:spPr>
+          <a:xfrm>
+            <a:off x="457200" y="205978"/>
+            <a:ext cx="8229600" cy="857400"/>
+          </a:xfrm>
+          <a:prstGeom prst="rect">
+            <a:avLst/>
+          </a:prstGeom>
         </p:spPr>
         <p:txBody>
           <a:bodyPr anchorCtr="0" anchor="b" bIns="91425" lIns="91425" rIns="91425" tIns="91425">
@@ -6133,7 +6978,7 @@
           </a:bodyPr>
           <a:lstStyle/>
           <a:p>
-            <a:pPr algn="ctr">
+            <a:pPr>
               <a:spcBef>
                 <a:spcPts val="0"/>
               </a:spcBef>
@@ -6141,7 +6986,7 @@
             </a:pPr>
             <a:r>
               <a:rPr lang="en"/>
-              <a:t>&lt;bitly link to dataset&gt;</a:t>
+              <a:t>Example of a Confusing Bar Chart</a:t>
             </a:r>
           </a:p>
         </p:txBody>
@@ -6179,13 +7024,13 @@
           <p:cNvPr id="36" name="Shape 36"/>
           <p:cNvSpPr txBox="1"/>
           <p:nvPr>
-            <p:ph type="ctrTitle"/>
-          </p:nvPr>
-        </p:nvSpPr>
-        <p:spPr>
-          <a:xfrm>
-            <a:off x="685800" y="1583342"/>
-            <a:ext cx="7772400" cy="1159799"/>
+            <p:ph type="title"/>
+          </p:nvPr>
+        </p:nvSpPr>
+        <p:spPr>
+          <a:xfrm>
+            <a:off x="457200" y="205978"/>
+            <a:ext cx="8229600" cy="857400"/>
           </a:xfrm>
           <a:prstGeom prst="rect">
             <a:avLst/>
@@ -6205,8 +7050,1619 @@
             </a:pPr>
             <a:r>
               <a:rPr lang="en"/>
-              <a:t>What does “Data Analysis” Mean To You?</a:t>
-            </a:r>
+              <a:t>Agenda for Today</a:t>
+            </a:r>
+          </a:p>
+        </p:txBody>
+      </p:sp>
+      <p:sp>
+        <p:nvSpPr>
+          <p:cNvPr id="37" name="Shape 37"/>
+          <p:cNvSpPr txBox="1"/>
+          <p:nvPr>
+            <p:ph idx="1" type="body"/>
+          </p:nvPr>
+        </p:nvSpPr>
+        <p:spPr>
+          <a:xfrm>
+            <a:off x="457200" y="1200150"/>
+            <a:ext cx="8229600" cy="3725699"/>
+          </a:xfrm>
+          <a:prstGeom prst="rect">
+            <a:avLst/>
+          </a:prstGeom>
+        </p:spPr>
+        <p:txBody>
+          <a:bodyPr anchorCtr="0" anchor="t" bIns="91425" lIns="91425" rIns="91425" tIns="91425">
+            <a:noAutofit/>
+          </a:bodyPr>
+          <a:lstStyle/>
+          <a:p>
+            <a:pPr indent="-419100" lvl="0" marL="457200" rtl="0">
+              <a:spcBef>
+                <a:spcPts val="0"/>
+              </a:spcBef>
+              <a:buClr>
+                <a:schemeClr val="dk1"/>
+              </a:buClr>
+              <a:buSzPct val="100000"/>
+              <a:buFont typeface="Arial"/>
+              <a:buAutoNum type="arabicPeriod"/>
+            </a:pPr>
+            <a:r>
+              <a:rPr lang="en"/>
+              <a:t>Motivation</a:t>
+            </a:r>
+          </a:p>
+          <a:p>
+            <a:pPr indent="-419100" lvl="0" marL="457200" rtl="0">
+              <a:spcBef>
+                <a:spcPts val="0"/>
+              </a:spcBef>
+              <a:buClr>
+                <a:schemeClr val="dk1"/>
+              </a:buClr>
+              <a:buSzPct val="100000"/>
+              <a:buFont typeface="Arial"/>
+              <a:buAutoNum type="arabicPeriod"/>
+            </a:pPr>
+            <a:r>
+              <a:rPr lang="en"/>
+              <a:t>Presentation Tools</a:t>
+            </a:r>
+          </a:p>
+          <a:p>
+            <a:pPr indent="-419100" lvl="0" marL="457200" rtl="0">
+              <a:spcBef>
+                <a:spcPts val="0"/>
+              </a:spcBef>
+              <a:buClr>
+                <a:schemeClr val="dk1"/>
+              </a:buClr>
+              <a:buSzPct val="100000"/>
+              <a:buFont typeface="Arial"/>
+              <a:buAutoNum type="arabicPeriod"/>
+            </a:pPr>
+            <a:r>
+              <a:rPr lang="en"/>
+              <a:t>Presentation Advice</a:t>
+            </a:r>
+          </a:p>
+          <a:p>
+            <a:pPr indent="-419100" lvl="0" marL="457200">
+              <a:spcBef>
+                <a:spcPts val="0"/>
+              </a:spcBef>
+              <a:buClr>
+                <a:schemeClr val="dk1"/>
+              </a:buClr>
+              <a:buSzPct val="100000"/>
+              <a:buFont typeface="Arial"/>
+              <a:buAutoNum type="arabicPeriod"/>
+            </a:pPr>
+            <a:r>
+              <a:rPr lang="en"/>
+              <a:t>Hands-On Workshop</a:t>
+            </a:r>
+          </a:p>
+        </p:txBody>
+      </p:sp>
+    </p:spTree>
+  </p:cSld>
+  <p:clrMapOvr>
+    <a:masterClrMapping/>
+  </p:clrMapOvr>
+  <p:transition spd="slow">
+    <p:cut/>
+  </p:transition>
+</p:sld>
+</file>
+
+<file path=ppt/slides/slide20.xml><?xml version="1.0" encoding="utf-8"?>
+<p:sld xmlns:a="http://schemas.openxmlformats.org/drawingml/2006/main" xmlns:r="http://schemas.openxmlformats.org/officeDocument/2006/relationships" xmlns:mc="http://schemas.openxmlformats.org/markup-compatibility/2006" xmlns:mv="urn:schemas-microsoft-com:mac:vml" xmlns:p="http://schemas.openxmlformats.org/presentationml/2006/main" xmlns:c="http://schemas.openxmlformats.org/drawingml/2006/chart" xmlns:dgm="http://schemas.openxmlformats.org/drawingml/2006/diagram" xmlns:o="urn:schemas-microsoft-com:office:office" xmlns:v="urn:schemas-microsoft-com:vml" xmlns:pvml="urn:schemas-microsoft-com:office:powerpoint" xmlns:com="http://schemas.openxmlformats.org/drawingml/2006/compatibility" xmlns:p14="http://schemas.microsoft.com/office/powerpoint/2010/main">
+  <p:cSld>
+    <p:spTree>
+      <p:nvGrpSpPr>
+        <p:cNvPr id="136" name="Shape 136"/>
+        <p:cNvGrpSpPr/>
+        <p:nvPr/>
+      </p:nvGrpSpPr>
+      <p:grpSpPr>
+        <a:xfrm>
+          <a:off x="0" y="0"/>
+          <a:ext cx="0" cy="0"/>
+          <a:chOff x="0" y="0"/>
+          <a:chExt cx="0" cy="0"/>
+        </a:xfrm>
+      </p:grpSpPr>
+      <p:sp>
+        <p:nvSpPr>
+          <p:cNvPr id="137" name="Shape 137"/>
+          <p:cNvSpPr txBox="1"/>
+          <p:nvPr>
+            <p:ph type="title"/>
+          </p:nvPr>
+        </p:nvSpPr>
+        <p:spPr>
+          <a:xfrm>
+            <a:off x="457200" y="205978"/>
+            <a:ext cx="8229600" cy="857400"/>
+          </a:xfrm>
+          <a:prstGeom prst="rect">
+            <a:avLst/>
+          </a:prstGeom>
+        </p:spPr>
+        <p:txBody>
+          <a:bodyPr anchorCtr="0" anchor="b" bIns="91425" lIns="91425" rIns="91425" tIns="91425">
+            <a:noAutofit/>
+          </a:bodyPr>
+          <a:lstStyle/>
+          <a:p>
+            <a:pPr>
+              <a:spcBef>
+                <a:spcPts val="0"/>
+              </a:spcBef>
+              <a:buNone/>
+            </a:pPr>
+            <a:r>
+              <a:rPr lang="en"/>
+              <a:t>The Line Chart</a:t>
+            </a:r>
+          </a:p>
+        </p:txBody>
+      </p:sp>
+      <p:sp>
+        <p:nvSpPr>
+          <p:cNvPr id="138" name="Shape 138"/>
+          <p:cNvSpPr txBox="1"/>
+          <p:nvPr>
+            <p:ph idx="1" type="body"/>
+          </p:nvPr>
+        </p:nvSpPr>
+        <p:spPr>
+          <a:xfrm>
+            <a:off x="457200" y="3921000"/>
+            <a:ext cx="8229600" cy="1005000"/>
+          </a:xfrm>
+          <a:prstGeom prst="rect">
+            <a:avLst/>
+          </a:prstGeom>
+        </p:spPr>
+        <p:txBody>
+          <a:bodyPr anchorCtr="0" anchor="t" bIns="91425" lIns="91425" rIns="91425" tIns="91425">
+            <a:noAutofit/>
+          </a:bodyPr>
+          <a:lstStyle/>
+          <a:p>
+            <a:pPr indent="-419100" lvl="0" marL="457200">
+              <a:spcBef>
+                <a:spcPts val="0"/>
+              </a:spcBef>
+              <a:buClr>
+                <a:schemeClr val="dk1"/>
+              </a:buClr>
+              <a:buSzPct val="100000"/>
+              <a:buFont typeface="Arial"/>
+              <a:buChar char="●"/>
+            </a:pPr>
+            <a:r>
+              <a:rPr lang="en"/>
+              <a:t>More suitable for “continuous” data</a:t>
+            </a:r>
+          </a:p>
+        </p:txBody>
+      </p:sp>
+      <p:pic>
+        <p:nvPicPr>
+          <p:cNvPr id="139" name="Shape 139"/>
+          <p:cNvPicPr preferRelativeResize="0"/>
+          <p:nvPr/>
+        </p:nvPicPr>
+        <p:blipFill>
+          <a:blip r:embed="rId3">
+            <a:alphaModFix/>
+          </a:blip>
+          <a:stretch>
+            <a:fillRect/>
+          </a:stretch>
+        </p:blipFill>
+        <p:spPr>
+          <a:xfrm>
+            <a:off x="625975" y="1063374"/>
+            <a:ext cx="7329898" cy="2756574"/>
+          </a:xfrm>
+          <a:prstGeom prst="rect">
+            <a:avLst/>
+          </a:prstGeom>
+          <a:noFill/>
+          <a:ln>
+            <a:noFill/>
+          </a:ln>
+        </p:spPr>
+      </p:pic>
+    </p:spTree>
+  </p:cSld>
+  <p:clrMapOvr>
+    <a:masterClrMapping/>
+  </p:clrMapOvr>
+  <p:transition spd="slow">
+    <p:cut/>
+  </p:transition>
+</p:sld>
+</file>
+
+<file path=ppt/slides/slide21.xml><?xml version="1.0" encoding="utf-8"?>
+<p:sld xmlns:a="http://schemas.openxmlformats.org/drawingml/2006/main" xmlns:r="http://schemas.openxmlformats.org/officeDocument/2006/relationships" xmlns:mc="http://schemas.openxmlformats.org/markup-compatibility/2006" xmlns:mv="urn:schemas-microsoft-com:mac:vml" xmlns:p="http://schemas.openxmlformats.org/presentationml/2006/main" xmlns:c="http://schemas.openxmlformats.org/drawingml/2006/chart" xmlns:dgm="http://schemas.openxmlformats.org/drawingml/2006/diagram" xmlns:o="urn:schemas-microsoft-com:office:office" xmlns:v="urn:schemas-microsoft-com:vml" xmlns:pvml="urn:schemas-microsoft-com:office:powerpoint" xmlns:com="http://schemas.openxmlformats.org/drawingml/2006/compatibility" xmlns:p14="http://schemas.microsoft.com/office/powerpoint/2010/main">
+  <p:cSld>
+    <p:spTree>
+      <p:nvGrpSpPr>
+        <p:cNvPr id="143" name="Shape 143"/>
+        <p:cNvGrpSpPr/>
+        <p:nvPr/>
+      </p:nvGrpSpPr>
+      <p:grpSpPr>
+        <a:xfrm>
+          <a:off x="0" y="0"/>
+          <a:ext cx="0" cy="0"/>
+          <a:chOff x="0" y="0"/>
+          <a:chExt cx="0" cy="0"/>
+        </a:xfrm>
+      </p:grpSpPr>
+      <p:sp>
+        <p:nvSpPr>
+          <p:cNvPr id="144" name="Shape 144"/>
+          <p:cNvSpPr txBox="1"/>
+          <p:nvPr>
+            <p:ph type="title"/>
+          </p:nvPr>
+        </p:nvSpPr>
+        <p:spPr>
+          <a:xfrm>
+            <a:off x="457200" y="205978"/>
+            <a:ext cx="8229600" cy="857400"/>
+          </a:xfrm>
+          <a:prstGeom prst="rect">
+            <a:avLst/>
+          </a:prstGeom>
+        </p:spPr>
+        <p:txBody>
+          <a:bodyPr anchorCtr="0" anchor="b" bIns="91425" lIns="91425" rIns="91425" tIns="91425">
+            <a:noAutofit/>
+          </a:bodyPr>
+          <a:lstStyle/>
+          <a:p>
+            <a:pPr>
+              <a:spcBef>
+                <a:spcPts val="0"/>
+              </a:spcBef>
+              <a:buNone/>
+            </a:pPr>
+            <a:r>
+              <a:rPr lang="en"/>
+              <a:t>The Scatterplot</a:t>
+            </a:r>
+          </a:p>
+        </p:txBody>
+      </p:sp>
+      <p:pic>
+        <p:nvPicPr>
+          <p:cNvPr id="145" name="Shape 145"/>
+          <p:cNvPicPr preferRelativeResize="0"/>
+          <p:nvPr/>
+        </p:nvPicPr>
+        <p:blipFill>
+          <a:blip r:embed="rId3">
+            <a:alphaModFix/>
+          </a:blip>
+          <a:stretch>
+            <a:fillRect/>
+          </a:stretch>
+        </p:blipFill>
+        <p:spPr>
+          <a:xfrm>
+            <a:off x="4557400" y="1282425"/>
+            <a:ext cx="4050301" cy="3127725"/>
+          </a:xfrm>
+          <a:prstGeom prst="rect">
+            <a:avLst/>
+          </a:prstGeom>
+          <a:noFill/>
+          <a:ln>
+            <a:noFill/>
+          </a:ln>
+        </p:spPr>
+      </p:pic>
+      <p:sp>
+        <p:nvSpPr>
+          <p:cNvPr id="146" name="Shape 146"/>
+          <p:cNvSpPr txBox="1"/>
+          <p:nvPr>
+            <p:ph idx="1" type="body"/>
+          </p:nvPr>
+        </p:nvSpPr>
+        <p:spPr>
+          <a:xfrm>
+            <a:off x="457200" y="1200150"/>
+            <a:ext cx="3990599" cy="3725699"/>
+          </a:xfrm>
+          <a:prstGeom prst="rect">
+            <a:avLst/>
+          </a:prstGeom>
+        </p:spPr>
+        <p:txBody>
+          <a:bodyPr anchorCtr="0" anchor="t" bIns="91425" lIns="91425" rIns="91425" tIns="91425">
+            <a:noAutofit/>
+          </a:bodyPr>
+          <a:lstStyle/>
+          <a:p>
+            <a:pPr indent="-419100" lvl="0" marL="457200" rtl="0">
+              <a:spcBef>
+                <a:spcPts val="0"/>
+              </a:spcBef>
+              <a:buClr>
+                <a:schemeClr val="dk1"/>
+              </a:buClr>
+              <a:buSzPct val="100000"/>
+              <a:buFont typeface="Arial"/>
+              <a:buChar char="●"/>
+            </a:pPr>
+            <a:r>
+              <a:rPr lang="en"/>
+              <a:t>Shows relationship between two variables</a:t>
+            </a:r>
+          </a:p>
+          <a:p>
+            <a:pPr indent="-419100" lvl="0" marL="457200">
+              <a:spcBef>
+                <a:spcPts val="0"/>
+              </a:spcBef>
+              <a:buClr>
+                <a:schemeClr val="dk1"/>
+              </a:buClr>
+              <a:buSzPct val="100000"/>
+              <a:buFont typeface="Arial"/>
+              <a:buChar char="●"/>
+            </a:pPr>
+            <a:r>
+              <a:rPr lang="en"/>
+              <a:t>Continuous or discrete/ordinal variables</a:t>
+            </a:r>
+          </a:p>
+        </p:txBody>
+      </p:sp>
+    </p:spTree>
+  </p:cSld>
+  <p:clrMapOvr>
+    <a:masterClrMapping/>
+  </p:clrMapOvr>
+  <p:transition spd="slow">
+    <p:cut/>
+  </p:transition>
+</p:sld>
+</file>
+
+<file path=ppt/slides/slide22.xml><?xml version="1.0" encoding="utf-8"?>
+<p:sld xmlns:a="http://schemas.openxmlformats.org/drawingml/2006/main" xmlns:r="http://schemas.openxmlformats.org/officeDocument/2006/relationships" xmlns:mc="http://schemas.openxmlformats.org/markup-compatibility/2006" xmlns:mv="urn:schemas-microsoft-com:mac:vml" xmlns:p="http://schemas.openxmlformats.org/presentationml/2006/main" xmlns:c="http://schemas.openxmlformats.org/drawingml/2006/chart" xmlns:dgm="http://schemas.openxmlformats.org/drawingml/2006/diagram" xmlns:o="urn:schemas-microsoft-com:office:office" xmlns:v="urn:schemas-microsoft-com:vml" xmlns:pvml="urn:schemas-microsoft-com:office:powerpoint" xmlns:com="http://schemas.openxmlformats.org/drawingml/2006/compatibility" xmlns:p14="http://schemas.microsoft.com/office/powerpoint/2010/main">
+  <p:cSld>
+    <p:spTree>
+      <p:nvGrpSpPr>
+        <p:cNvPr id="150" name="Shape 150"/>
+        <p:cNvGrpSpPr/>
+        <p:nvPr/>
+      </p:nvGrpSpPr>
+      <p:grpSpPr>
+        <a:xfrm>
+          <a:off x="0" y="0"/>
+          <a:ext cx="0" cy="0"/>
+          <a:chOff x="0" y="0"/>
+          <a:chExt cx="0" cy="0"/>
+        </a:xfrm>
+      </p:grpSpPr>
+      <p:sp>
+        <p:nvSpPr>
+          <p:cNvPr id="151" name="Shape 151"/>
+          <p:cNvSpPr txBox="1"/>
+          <p:nvPr>
+            <p:ph type="title"/>
+          </p:nvPr>
+        </p:nvSpPr>
+        <p:spPr>
+          <a:xfrm>
+            <a:off x="457200" y="205978"/>
+            <a:ext cx="8229600" cy="857400"/>
+          </a:xfrm>
+          <a:prstGeom prst="rect">
+            <a:avLst/>
+          </a:prstGeom>
+        </p:spPr>
+        <p:txBody>
+          <a:bodyPr anchorCtr="0" anchor="b" bIns="91425" lIns="91425" rIns="91425" tIns="91425">
+            <a:noAutofit/>
+          </a:bodyPr>
+          <a:lstStyle/>
+          <a:p>
+            <a:pPr>
+              <a:spcBef>
+                <a:spcPts val="0"/>
+              </a:spcBef>
+              <a:buNone/>
+            </a:pPr>
+            <a:r>
+              <a:rPr lang="en"/>
+              <a:t>Presentation Advice</a:t>
+            </a:r>
+          </a:p>
+        </p:txBody>
+      </p:sp>
+      <p:sp>
+        <p:nvSpPr>
+          <p:cNvPr id="152" name="Shape 152"/>
+          <p:cNvSpPr txBox="1"/>
+          <p:nvPr>
+            <p:ph idx="1" type="body"/>
+          </p:nvPr>
+        </p:nvSpPr>
+        <p:spPr>
+          <a:xfrm>
+            <a:off x="457200" y="1200150"/>
+            <a:ext cx="8229600" cy="3725699"/>
+          </a:xfrm>
+          <a:prstGeom prst="rect">
+            <a:avLst/>
+          </a:prstGeom>
+        </p:spPr>
+        <p:txBody>
+          <a:bodyPr anchorCtr="0" anchor="t" bIns="91425" lIns="91425" rIns="91425" tIns="91425">
+            <a:noAutofit/>
+          </a:bodyPr>
+          <a:lstStyle/>
+          <a:p>
+            <a:pPr>
+              <a:spcBef>
+                <a:spcPts val="0"/>
+              </a:spcBef>
+              <a:buNone/>
+            </a:pPr>
+            <a:r>
+              <a:t/>
+            </a:r>
+            <a:endParaRPr/>
+          </a:p>
+        </p:txBody>
+      </p:sp>
+    </p:spTree>
+  </p:cSld>
+  <p:clrMapOvr>
+    <a:masterClrMapping/>
+  </p:clrMapOvr>
+  <p:transition spd="slow">
+    <p:cut/>
+  </p:transition>
+</p:sld>
+</file>
+
+<file path=ppt/slides/slide23.xml><?xml version="1.0" encoding="utf-8"?>
+<p:sld xmlns:a="http://schemas.openxmlformats.org/drawingml/2006/main" xmlns:r="http://schemas.openxmlformats.org/officeDocument/2006/relationships" xmlns:mc="http://schemas.openxmlformats.org/markup-compatibility/2006" xmlns:mv="urn:schemas-microsoft-com:mac:vml" xmlns:p="http://schemas.openxmlformats.org/presentationml/2006/main" xmlns:c="http://schemas.openxmlformats.org/drawingml/2006/chart" xmlns:dgm="http://schemas.openxmlformats.org/drawingml/2006/diagram" xmlns:o="urn:schemas-microsoft-com:office:office" xmlns:v="urn:schemas-microsoft-com:vml" xmlns:pvml="urn:schemas-microsoft-com:office:powerpoint" xmlns:com="http://schemas.openxmlformats.org/drawingml/2006/compatibility" xmlns:p14="http://schemas.microsoft.com/office/powerpoint/2010/main">
+  <p:cSld>
+    <p:spTree>
+      <p:nvGrpSpPr>
+        <p:cNvPr id="156" name="Shape 156"/>
+        <p:cNvGrpSpPr/>
+        <p:nvPr/>
+      </p:nvGrpSpPr>
+      <p:grpSpPr>
+        <a:xfrm>
+          <a:off x="0" y="0"/>
+          <a:ext cx="0" cy="0"/>
+          <a:chOff x="0" y="0"/>
+          <a:chExt cx="0" cy="0"/>
+        </a:xfrm>
+      </p:grpSpPr>
+      <p:sp>
+        <p:nvSpPr>
+          <p:cNvPr id="157" name="Shape 157"/>
+          <p:cNvSpPr txBox="1"/>
+          <p:nvPr>
+            <p:ph type="title"/>
+          </p:nvPr>
+        </p:nvSpPr>
+        <p:spPr>
+          <a:xfrm>
+            <a:off x="457200" y="205978"/>
+            <a:ext cx="8229600" cy="857400"/>
+          </a:xfrm>
+          <a:prstGeom prst="rect">
+            <a:avLst/>
+          </a:prstGeom>
+        </p:spPr>
+        <p:txBody>
+          <a:bodyPr anchorCtr="0" anchor="b" bIns="91425" lIns="91425" rIns="91425" tIns="91425">
+            <a:noAutofit/>
+          </a:bodyPr>
+          <a:lstStyle/>
+          <a:p>
+            <a:pPr rtl="0">
+              <a:spcBef>
+                <a:spcPts val="0"/>
+              </a:spcBef>
+              <a:buNone/>
+            </a:pPr>
+            <a:r>
+              <a:t/>
+            </a:r>
+            <a:endParaRPr/>
+          </a:p>
+          <a:p>
+            <a:pPr rtl="0">
+              <a:spcBef>
+                <a:spcPts val="0"/>
+              </a:spcBef>
+              <a:buNone/>
+            </a:pPr>
+            <a:r>
+              <a:t/>
+            </a:r>
+            <a:endParaRPr/>
+          </a:p>
+          <a:p>
+            <a:pPr rtl="0">
+              <a:spcBef>
+                <a:spcPts val="0"/>
+              </a:spcBef>
+              <a:buNone/>
+            </a:pPr>
+            <a:r>
+              <a:t/>
+            </a:r>
+            <a:endParaRPr/>
+          </a:p>
+          <a:p>
+            <a:pPr rtl="0">
+              <a:spcBef>
+                <a:spcPts val="0"/>
+              </a:spcBef>
+              <a:buNone/>
+            </a:pPr>
+            <a:r>
+              <a:t/>
+            </a:r>
+            <a:endParaRPr/>
+          </a:p>
+          <a:p>
+            <a:pPr rtl="0">
+              <a:spcBef>
+                <a:spcPts val="0"/>
+              </a:spcBef>
+              <a:buNone/>
+            </a:pPr>
+            <a:r>
+              <a:t/>
+            </a:r>
+            <a:endParaRPr/>
+          </a:p>
+          <a:p>
+            <a:pPr rtl="0">
+              <a:spcBef>
+                <a:spcPts val="0"/>
+              </a:spcBef>
+              <a:buNone/>
+            </a:pPr>
+            <a:r>
+              <a:t/>
+            </a:r>
+            <a:endParaRPr/>
+          </a:p>
+          <a:p>
+            <a:pPr rtl="0">
+              <a:spcBef>
+                <a:spcPts val="0"/>
+              </a:spcBef>
+              <a:buNone/>
+            </a:pPr>
+            <a:r>
+              <a:t/>
+            </a:r>
+            <a:endParaRPr/>
+          </a:p>
+          <a:p>
+            <a:pPr rtl="0">
+              <a:spcBef>
+                <a:spcPts val="0"/>
+              </a:spcBef>
+              <a:buNone/>
+            </a:pPr>
+            <a:r>
+              <a:t/>
+            </a:r>
+            <a:endParaRPr/>
+          </a:p>
+          <a:p>
+            <a:pPr rtl="0">
+              <a:spcBef>
+                <a:spcPts val="0"/>
+              </a:spcBef>
+              <a:buNone/>
+            </a:pPr>
+            <a:r>
+              <a:t/>
+            </a:r>
+            <a:endParaRPr/>
+          </a:p>
+          <a:p>
+            <a:pPr rtl="0">
+              <a:spcBef>
+                <a:spcPts val="0"/>
+              </a:spcBef>
+              <a:buNone/>
+            </a:pPr>
+            <a:r>
+              <a:t/>
+            </a:r>
+            <a:endParaRPr/>
+          </a:p>
+          <a:p>
+            <a:pPr rtl="0">
+              <a:spcBef>
+                <a:spcPts val="0"/>
+              </a:spcBef>
+              <a:buNone/>
+            </a:pPr>
+            <a:r>
+              <a:t/>
+            </a:r>
+            <a:endParaRPr/>
+          </a:p>
+          <a:p>
+            <a:pPr rtl="0">
+              <a:spcBef>
+                <a:spcPts val="0"/>
+              </a:spcBef>
+              <a:buNone/>
+            </a:pPr>
+            <a:r>
+              <a:t/>
+            </a:r>
+            <a:endParaRPr/>
+          </a:p>
+          <a:p>
+            <a:pPr rtl="0">
+              <a:spcBef>
+                <a:spcPts val="0"/>
+              </a:spcBef>
+              <a:buNone/>
+            </a:pPr>
+            <a:r>
+              <a:t/>
+            </a:r>
+            <a:endParaRPr/>
+          </a:p>
+          <a:p>
+            <a:pPr rtl="0">
+              <a:spcBef>
+                <a:spcPts val="0"/>
+              </a:spcBef>
+              <a:buNone/>
+            </a:pPr>
+            <a:r>
+              <a:t/>
+            </a:r>
+            <a:endParaRPr/>
+          </a:p>
+          <a:p>
+            <a:pPr rtl="0">
+              <a:spcBef>
+                <a:spcPts val="0"/>
+              </a:spcBef>
+              <a:buNone/>
+            </a:pPr>
+            <a:r>
+              <a:t/>
+            </a:r>
+            <a:endParaRPr/>
+          </a:p>
+          <a:p>
+            <a:pPr rtl="0">
+              <a:spcBef>
+                <a:spcPts val="0"/>
+              </a:spcBef>
+              <a:buNone/>
+            </a:pPr>
+            <a:r>
+              <a:t/>
+            </a:r>
+            <a:endParaRPr/>
+          </a:p>
+          <a:p>
+            <a:pPr rtl="0">
+              <a:spcBef>
+                <a:spcPts val="0"/>
+              </a:spcBef>
+              <a:buNone/>
+            </a:pPr>
+            <a:r>
+              <a:t/>
+            </a:r>
+            <a:endParaRPr/>
+          </a:p>
+          <a:p>
+            <a:pPr rtl="0">
+              <a:spcBef>
+                <a:spcPts val="0"/>
+              </a:spcBef>
+              <a:buNone/>
+            </a:pPr>
+            <a:r>
+              <a:t/>
+            </a:r>
+            <a:endParaRPr/>
+          </a:p>
+          <a:p>
+            <a:pPr rtl="0">
+              <a:spcBef>
+                <a:spcPts val="0"/>
+              </a:spcBef>
+              <a:buNone/>
+            </a:pPr>
+            <a:r>
+              <a:t/>
+            </a:r>
+            <a:endParaRPr/>
+          </a:p>
+          <a:p>
+            <a:pPr rtl="0">
+              <a:spcBef>
+                <a:spcPts val="0"/>
+              </a:spcBef>
+              <a:buNone/>
+            </a:pPr>
+            <a:r>
+              <a:t/>
+            </a:r>
+            <a:endParaRPr/>
+          </a:p>
+          <a:p>
+            <a:pPr>
+              <a:spcBef>
+                <a:spcPts val="0"/>
+              </a:spcBef>
+              <a:buNone/>
+            </a:pPr>
+            <a:r>
+              <a:rPr lang="en"/>
+              <a:t>Know Your Audience</a:t>
+            </a:r>
+          </a:p>
+        </p:txBody>
+      </p:sp>
+      <p:sp>
+        <p:nvSpPr>
+          <p:cNvPr id="158" name="Shape 158"/>
+          <p:cNvSpPr txBox="1"/>
+          <p:nvPr>
+            <p:ph idx="1" type="body"/>
+          </p:nvPr>
+        </p:nvSpPr>
+        <p:spPr>
+          <a:xfrm>
+            <a:off x="457200" y="1200150"/>
+            <a:ext cx="8229600" cy="3725699"/>
+          </a:xfrm>
+          <a:prstGeom prst="rect">
+            <a:avLst/>
+          </a:prstGeom>
+        </p:spPr>
+        <p:txBody>
+          <a:bodyPr anchorCtr="0" anchor="t" bIns="91425" lIns="91425" rIns="91425" tIns="91425">
+            <a:noAutofit/>
+          </a:bodyPr>
+          <a:lstStyle/>
+          <a:p>
+            <a:pPr indent="-419100" lvl="0" marL="457200" rtl="0">
+              <a:spcBef>
+                <a:spcPts val="0"/>
+              </a:spcBef>
+              <a:buClr>
+                <a:schemeClr val="dk1"/>
+              </a:buClr>
+              <a:buSzPct val="100000"/>
+              <a:buFont typeface="Arial"/>
+              <a:buChar char="●"/>
+            </a:pPr>
+            <a:r>
+              <a:rPr lang="en"/>
+              <a:t>Who is going to be in the room?</a:t>
+            </a:r>
+          </a:p>
+          <a:p>
+            <a:pPr indent="-419100" lvl="0" marL="457200">
+              <a:spcBef>
+                <a:spcPts val="0"/>
+              </a:spcBef>
+              <a:buClr>
+                <a:schemeClr val="dk1"/>
+              </a:buClr>
+              <a:buSzPct val="100000"/>
+              <a:buFont typeface="Arial"/>
+              <a:buChar char="●"/>
+            </a:pPr>
+            <a:r>
+              <a:rPr lang="en"/>
+              <a:t>Will they care more about the “how”, the “why”, or the “so what?”</a:t>
+            </a:r>
+          </a:p>
+        </p:txBody>
+      </p:sp>
+    </p:spTree>
+  </p:cSld>
+  <p:clrMapOvr>
+    <a:masterClrMapping/>
+  </p:clrMapOvr>
+  <p:transition spd="slow">
+    <p:cut/>
+  </p:transition>
+</p:sld>
+</file>
+
+<file path=ppt/slides/slide24.xml><?xml version="1.0" encoding="utf-8"?>
+<p:sld xmlns:a="http://schemas.openxmlformats.org/drawingml/2006/main" xmlns:r="http://schemas.openxmlformats.org/officeDocument/2006/relationships" xmlns:mc="http://schemas.openxmlformats.org/markup-compatibility/2006" xmlns:mv="urn:schemas-microsoft-com:mac:vml" xmlns:p="http://schemas.openxmlformats.org/presentationml/2006/main" xmlns:c="http://schemas.openxmlformats.org/drawingml/2006/chart" xmlns:dgm="http://schemas.openxmlformats.org/drawingml/2006/diagram" xmlns:o="urn:schemas-microsoft-com:office:office" xmlns:v="urn:schemas-microsoft-com:vml" xmlns:pvml="urn:schemas-microsoft-com:office:powerpoint" xmlns:com="http://schemas.openxmlformats.org/drawingml/2006/compatibility" xmlns:p14="http://schemas.microsoft.com/office/powerpoint/2010/main">
+  <p:cSld>
+    <p:spTree>
+      <p:nvGrpSpPr>
+        <p:cNvPr id="162" name="Shape 162"/>
+        <p:cNvGrpSpPr/>
+        <p:nvPr/>
+      </p:nvGrpSpPr>
+      <p:grpSpPr>
+        <a:xfrm>
+          <a:off x="0" y="0"/>
+          <a:ext cx="0" cy="0"/>
+          <a:chOff x="0" y="0"/>
+          <a:chExt cx="0" cy="0"/>
+        </a:xfrm>
+      </p:grpSpPr>
+      <p:sp>
+        <p:nvSpPr>
+          <p:cNvPr id="163" name="Shape 163"/>
+          <p:cNvSpPr txBox="1"/>
+          <p:nvPr>
+            <p:ph type="title"/>
+          </p:nvPr>
+        </p:nvSpPr>
+        <p:spPr>
+          <a:xfrm>
+            <a:off x="457200" y="205978"/>
+            <a:ext cx="8229600" cy="857400"/>
+          </a:xfrm>
+          <a:prstGeom prst="rect">
+            <a:avLst/>
+          </a:prstGeom>
+        </p:spPr>
+        <p:txBody>
+          <a:bodyPr anchorCtr="0" anchor="b" bIns="91425" lIns="91425" rIns="91425" tIns="91425">
+            <a:noAutofit/>
+          </a:bodyPr>
+          <a:lstStyle/>
+          <a:p>
+            <a:pPr>
+              <a:spcBef>
+                <a:spcPts val="0"/>
+              </a:spcBef>
+              <a:buNone/>
+            </a:pPr>
+            <a:r>
+              <a:rPr lang="en"/>
+              <a:t>Anticipate Questions</a:t>
+            </a:r>
+          </a:p>
+        </p:txBody>
+      </p:sp>
+      <p:pic>
+        <p:nvPicPr>
+          <p:cNvPr id="164" name="Shape 164"/>
+          <p:cNvPicPr preferRelativeResize="0"/>
+          <p:nvPr/>
+        </p:nvPicPr>
+        <p:blipFill>
+          <a:blip r:embed="rId3">
+            <a:alphaModFix/>
+          </a:blip>
+          <a:stretch>
+            <a:fillRect/>
+          </a:stretch>
+        </p:blipFill>
+        <p:spPr>
+          <a:xfrm>
+            <a:off x="4973925" y="1759775"/>
+            <a:ext cx="3486150" cy="2152650"/>
+          </a:xfrm>
+          <a:prstGeom prst="rect">
+            <a:avLst/>
+          </a:prstGeom>
+          <a:noFill/>
+          <a:ln>
+            <a:noFill/>
+          </a:ln>
+        </p:spPr>
+      </p:pic>
+      <p:sp>
+        <p:nvSpPr>
+          <p:cNvPr id="165" name="Shape 165"/>
+          <p:cNvSpPr txBox="1"/>
+          <p:nvPr>
+            <p:ph idx="1" type="body"/>
+          </p:nvPr>
+        </p:nvSpPr>
+        <p:spPr>
+          <a:xfrm>
+            <a:off x="457200" y="1200150"/>
+            <a:ext cx="3994500" cy="3725699"/>
+          </a:xfrm>
+          <a:prstGeom prst="rect">
+            <a:avLst/>
+          </a:prstGeom>
+        </p:spPr>
+        <p:txBody>
+          <a:bodyPr anchorCtr="0" anchor="t" bIns="91425" lIns="91425" rIns="91425" tIns="91425">
+            <a:noAutofit/>
+          </a:bodyPr>
+          <a:lstStyle/>
+          <a:p>
+            <a:pPr indent="-419100" lvl="0" marL="457200">
+              <a:spcBef>
+                <a:spcPts val="0"/>
+              </a:spcBef>
+              <a:buClr>
+                <a:schemeClr val="dk1"/>
+              </a:buClr>
+              <a:buSzPct val="100000"/>
+              <a:buFont typeface="Arial"/>
+              <a:buChar char="●"/>
+            </a:pPr>
+            <a:r>
+              <a:rPr lang="en"/>
+              <a:t>What do you think the first question would be if you presented this scatterplot in a meeting?</a:t>
+            </a:r>
+          </a:p>
+        </p:txBody>
+      </p:sp>
+    </p:spTree>
+  </p:cSld>
+  <p:clrMapOvr>
+    <a:masterClrMapping/>
+  </p:clrMapOvr>
+  <p:transition spd="slow">
+    <p:cut/>
+  </p:transition>
+</p:sld>
+</file>
+
+<file path=ppt/slides/slide25.xml><?xml version="1.0" encoding="utf-8"?>
+<p:sld xmlns:a="http://schemas.openxmlformats.org/drawingml/2006/main" xmlns:r="http://schemas.openxmlformats.org/officeDocument/2006/relationships" xmlns:mc="http://schemas.openxmlformats.org/markup-compatibility/2006" xmlns:mv="urn:schemas-microsoft-com:mac:vml" xmlns:p="http://schemas.openxmlformats.org/presentationml/2006/main" xmlns:c="http://schemas.openxmlformats.org/drawingml/2006/chart" xmlns:dgm="http://schemas.openxmlformats.org/drawingml/2006/diagram" xmlns:o="urn:schemas-microsoft-com:office:office" xmlns:v="urn:schemas-microsoft-com:vml" xmlns:pvml="urn:schemas-microsoft-com:office:powerpoint" xmlns:com="http://schemas.openxmlformats.org/drawingml/2006/compatibility" xmlns:p14="http://schemas.microsoft.com/office/powerpoint/2010/main">
+  <p:cSld>
+    <p:spTree>
+      <p:nvGrpSpPr>
+        <p:cNvPr id="169" name="Shape 169"/>
+        <p:cNvGrpSpPr/>
+        <p:nvPr/>
+      </p:nvGrpSpPr>
+      <p:grpSpPr>
+        <a:xfrm>
+          <a:off x="0" y="0"/>
+          <a:ext cx="0" cy="0"/>
+          <a:chOff x="0" y="0"/>
+          <a:chExt cx="0" cy="0"/>
+        </a:xfrm>
+      </p:grpSpPr>
+      <p:sp>
+        <p:nvSpPr>
+          <p:cNvPr id="170" name="Shape 170"/>
+          <p:cNvSpPr txBox="1"/>
+          <p:nvPr>
+            <p:ph type="title"/>
+          </p:nvPr>
+        </p:nvSpPr>
+        <p:spPr>
+          <a:xfrm>
+            <a:off x="457200" y="205978"/>
+            <a:ext cx="8229600" cy="857400"/>
+          </a:xfrm>
+          <a:prstGeom prst="rect">
+            <a:avLst/>
+          </a:prstGeom>
+        </p:spPr>
+        <p:txBody>
+          <a:bodyPr anchorCtr="0" anchor="b" bIns="91425" lIns="91425" rIns="91425" tIns="91425">
+            <a:noAutofit/>
+          </a:bodyPr>
+          <a:lstStyle/>
+          <a:p>
+            <a:pPr>
+              <a:spcBef>
+                <a:spcPts val="0"/>
+              </a:spcBef>
+              <a:buNone/>
+            </a:pPr>
+            <a:r>
+              <a:rPr lang="en"/>
+              <a:t>Don’t Drown in the Details</a:t>
+            </a:r>
+          </a:p>
+        </p:txBody>
+      </p:sp>
+      <p:sp>
+        <p:nvSpPr>
+          <p:cNvPr id="171" name="Shape 171"/>
+          <p:cNvSpPr txBox="1"/>
+          <p:nvPr>
+            <p:ph idx="1" type="body"/>
+          </p:nvPr>
+        </p:nvSpPr>
+        <p:spPr>
+          <a:xfrm>
+            <a:off x="457200" y="1200150"/>
+            <a:ext cx="8229600" cy="3725699"/>
+          </a:xfrm>
+          <a:prstGeom prst="rect">
+            <a:avLst/>
+          </a:prstGeom>
+        </p:spPr>
+        <p:txBody>
+          <a:bodyPr anchorCtr="0" anchor="t" bIns="91425" lIns="91425" rIns="91425" tIns="91425">
+            <a:noAutofit/>
+          </a:bodyPr>
+          <a:lstStyle/>
+          <a:p>
+            <a:pPr indent="-419100" lvl="0" marL="457200" rtl="0">
+              <a:spcBef>
+                <a:spcPts val="0"/>
+              </a:spcBef>
+              <a:buClr>
+                <a:schemeClr val="dk1"/>
+              </a:buClr>
+              <a:buSzPct val="100000"/>
+              <a:buFont typeface="Arial"/>
+              <a:buChar char="●"/>
+            </a:pPr>
+            <a:r>
+              <a:rPr lang="en"/>
+              <a:t>Ease your audience into the presentation</a:t>
+            </a:r>
+          </a:p>
+          <a:p>
+            <a:pPr indent="-419100" lvl="0" marL="457200" rtl="0">
+              <a:spcBef>
+                <a:spcPts val="0"/>
+              </a:spcBef>
+              <a:buClr>
+                <a:schemeClr val="dk1"/>
+              </a:buClr>
+              <a:buSzPct val="100000"/>
+              <a:buFont typeface="Arial"/>
+              <a:buChar char="●"/>
+            </a:pPr>
+            <a:r>
+              <a:rPr lang="en"/>
+              <a:t>Protect your audience from the ugly stuff when you can</a:t>
+            </a:r>
+          </a:p>
+          <a:p>
+            <a:pPr lvl="0" rtl="0">
+              <a:spcBef>
+                <a:spcPts val="0"/>
+              </a:spcBef>
+              <a:buNone/>
+            </a:pPr>
+            <a:r>
+              <a:t/>
+            </a:r>
+            <a:endParaRPr/>
+          </a:p>
+          <a:p>
+            <a:pPr lvl="0">
+              <a:spcBef>
+                <a:spcPts val="0"/>
+              </a:spcBef>
+              <a:buNone/>
+            </a:pPr>
+            <a:r>
+              <a:t/>
+            </a:r>
+            <a:endParaRPr/>
+          </a:p>
+        </p:txBody>
+      </p:sp>
+    </p:spTree>
+  </p:cSld>
+  <p:clrMapOvr>
+    <a:masterClrMapping/>
+  </p:clrMapOvr>
+  <p:transition spd="slow">
+    <p:cut/>
+  </p:transition>
+</p:sld>
+</file>
+
+<file path=ppt/slides/slide26.xml><?xml version="1.0" encoding="utf-8"?>
+<p:sld xmlns:a="http://schemas.openxmlformats.org/drawingml/2006/main" xmlns:r="http://schemas.openxmlformats.org/officeDocument/2006/relationships" xmlns:mc="http://schemas.openxmlformats.org/markup-compatibility/2006" xmlns:mv="urn:schemas-microsoft-com:mac:vml" xmlns:p="http://schemas.openxmlformats.org/presentationml/2006/main" xmlns:c="http://schemas.openxmlformats.org/drawingml/2006/chart" xmlns:dgm="http://schemas.openxmlformats.org/drawingml/2006/diagram" xmlns:o="urn:schemas-microsoft-com:office:office" xmlns:v="urn:schemas-microsoft-com:vml" xmlns:pvml="urn:schemas-microsoft-com:office:powerpoint" xmlns:com="http://schemas.openxmlformats.org/drawingml/2006/compatibility" xmlns:p14="http://schemas.microsoft.com/office/powerpoint/2010/main">
+  <p:cSld>
+    <p:spTree>
+      <p:nvGrpSpPr>
+        <p:cNvPr id="175" name="Shape 175"/>
+        <p:cNvGrpSpPr/>
+        <p:nvPr/>
+      </p:nvGrpSpPr>
+      <p:grpSpPr>
+        <a:xfrm>
+          <a:off x="0" y="0"/>
+          <a:ext cx="0" cy="0"/>
+          <a:chOff x="0" y="0"/>
+          <a:chExt cx="0" cy="0"/>
+        </a:xfrm>
+      </p:grpSpPr>
+      <p:sp>
+        <p:nvSpPr>
+          <p:cNvPr id="176" name="Shape 176"/>
+          <p:cNvSpPr txBox="1"/>
+          <p:nvPr>
+            <p:ph type="title"/>
+          </p:nvPr>
+        </p:nvSpPr>
+        <p:spPr>
+          <a:xfrm>
+            <a:off x="457200" y="205978"/>
+            <a:ext cx="8229600" cy="857400"/>
+          </a:xfrm>
+          <a:prstGeom prst="rect">
+            <a:avLst/>
+          </a:prstGeom>
+        </p:spPr>
+        <p:txBody>
+          <a:bodyPr anchorCtr="0" anchor="b" bIns="91425" lIns="91425" rIns="91425" tIns="91425">
+            <a:noAutofit/>
+          </a:bodyPr>
+          <a:lstStyle/>
+          <a:p>
+            <a:pPr>
+              <a:spcBef>
+                <a:spcPts val="0"/>
+              </a:spcBef>
+              <a:buNone/>
+            </a:pPr>
+            <a:r>
+              <a:rPr lang="en" sz="3000"/>
+              <a:t>But, try to Know the Details</a:t>
+            </a:r>
+          </a:p>
+        </p:txBody>
+      </p:sp>
+      <p:sp>
+        <p:nvSpPr>
+          <p:cNvPr id="177" name="Shape 177"/>
+          <p:cNvSpPr txBox="1"/>
+          <p:nvPr>
+            <p:ph idx="1" type="body"/>
+          </p:nvPr>
+        </p:nvSpPr>
+        <p:spPr>
+          <a:xfrm>
+            <a:off x="457200" y="1200150"/>
+            <a:ext cx="8229600" cy="3725699"/>
+          </a:xfrm>
+          <a:prstGeom prst="rect">
+            <a:avLst/>
+          </a:prstGeom>
+        </p:spPr>
+        <p:txBody>
+          <a:bodyPr anchorCtr="0" anchor="t" bIns="91425" lIns="91425" rIns="91425" tIns="91425">
+            <a:noAutofit/>
+          </a:bodyPr>
+          <a:lstStyle/>
+          <a:p>
+            <a:pPr indent="-419100" lvl="0" marL="457200" rtl="0">
+              <a:spcBef>
+                <a:spcPts val="0"/>
+              </a:spcBef>
+              <a:buClr>
+                <a:schemeClr val="dk1"/>
+              </a:buClr>
+              <a:buSzPct val="100000"/>
+              <a:buFont typeface="Arial"/>
+              <a:buChar char="●"/>
+            </a:pPr>
+            <a:r>
+              <a:rPr lang="en"/>
+              <a:t>In the course of Q&amp;A, people might end up asking really detailed questions about your data set</a:t>
+            </a:r>
+          </a:p>
+          <a:p>
+            <a:pPr indent="-419100" lvl="0" marL="457200">
+              <a:spcBef>
+                <a:spcPts val="0"/>
+              </a:spcBef>
+              <a:buClr>
+                <a:schemeClr val="dk1"/>
+              </a:buClr>
+              <a:buSzPct val="100000"/>
+              <a:buFont typeface="Arial"/>
+              <a:buChar char="●"/>
+            </a:pPr>
+            <a:r>
+              <a:rPr lang="en"/>
+              <a:t>Always be honest if you don’t know some detail</a:t>
+            </a:r>
+          </a:p>
+        </p:txBody>
+      </p:sp>
+    </p:spTree>
+  </p:cSld>
+  <p:clrMapOvr>
+    <a:masterClrMapping/>
+  </p:clrMapOvr>
+  <p:transition spd="slow">
+    <p:cut/>
+  </p:transition>
+</p:sld>
+</file>
+
+<file path=ppt/slides/slide27.xml><?xml version="1.0" encoding="utf-8"?>
+<p:sld xmlns:a="http://schemas.openxmlformats.org/drawingml/2006/main" xmlns:r="http://schemas.openxmlformats.org/officeDocument/2006/relationships" xmlns:mc="http://schemas.openxmlformats.org/markup-compatibility/2006" xmlns:mv="urn:schemas-microsoft-com:mac:vml" xmlns:p="http://schemas.openxmlformats.org/presentationml/2006/main" xmlns:c="http://schemas.openxmlformats.org/drawingml/2006/chart" xmlns:dgm="http://schemas.openxmlformats.org/drawingml/2006/diagram" xmlns:o="urn:schemas-microsoft-com:office:office" xmlns:v="urn:schemas-microsoft-com:vml" xmlns:pvml="urn:schemas-microsoft-com:office:powerpoint" xmlns:com="http://schemas.openxmlformats.org/drawingml/2006/compatibility" xmlns:p14="http://schemas.microsoft.com/office/powerpoint/2010/main">
+  <p:cSld>
+    <p:spTree>
+      <p:nvGrpSpPr>
+        <p:cNvPr id="181" name="Shape 181"/>
+        <p:cNvGrpSpPr/>
+        <p:nvPr/>
+      </p:nvGrpSpPr>
+      <p:grpSpPr>
+        <a:xfrm>
+          <a:off x="0" y="0"/>
+          <a:ext cx="0" cy="0"/>
+          <a:chOff x="0" y="0"/>
+          <a:chExt cx="0" cy="0"/>
+        </a:xfrm>
+      </p:grpSpPr>
+      <p:sp>
+        <p:nvSpPr>
+          <p:cNvPr id="182" name="Shape 182"/>
+          <p:cNvSpPr txBox="1"/>
+          <p:nvPr>
+            <p:ph type="title"/>
+          </p:nvPr>
+        </p:nvSpPr>
+        <p:spPr>
+          <a:xfrm>
+            <a:off x="457200" y="205978"/>
+            <a:ext cx="8229600" cy="857400"/>
+          </a:xfrm>
+          <a:prstGeom prst="rect">
+            <a:avLst/>
+          </a:prstGeom>
+        </p:spPr>
+        <p:txBody>
+          <a:bodyPr anchorCtr="0" anchor="b" bIns="91425" lIns="91425" rIns="91425" tIns="91425">
+            <a:noAutofit/>
+          </a:bodyPr>
+          <a:lstStyle/>
+          <a:p>
+            <a:pPr>
+              <a:spcBef>
+                <a:spcPts val="0"/>
+              </a:spcBef>
+              <a:buNone/>
+            </a:pPr>
+            <a:r>
+              <a:rPr lang="en"/>
+              <a:t>Dataset for Today’s Workshop</a:t>
+            </a:r>
+          </a:p>
+        </p:txBody>
+      </p:sp>
+      <p:sp>
+        <p:nvSpPr>
+          <p:cNvPr id="183" name="Shape 183"/>
+          <p:cNvSpPr txBox="1"/>
+          <p:nvPr>
+            <p:ph idx="1" type="body"/>
+          </p:nvPr>
+        </p:nvSpPr>
+        <p:spPr>
+          <a:xfrm>
+            <a:off x="457200" y="1200150"/>
+            <a:ext cx="8229600" cy="3725699"/>
+          </a:xfrm>
+          <a:prstGeom prst="rect">
+            <a:avLst/>
+          </a:prstGeom>
+        </p:spPr>
+        <p:txBody>
+          <a:bodyPr anchorCtr="0" anchor="t" bIns="91425" lIns="91425" rIns="91425" tIns="91425">
+            <a:noAutofit/>
+          </a:bodyPr>
+          <a:lstStyle/>
+          <a:p>
+            <a:pPr>
+              <a:spcBef>
+                <a:spcPts val="0"/>
+              </a:spcBef>
+              <a:buNone/>
+            </a:pPr>
+            <a:r>
+              <a:t/>
+            </a:r>
+            <a:endParaRPr/>
+          </a:p>
+        </p:txBody>
+      </p:sp>
+    </p:spTree>
+  </p:cSld>
+  <p:clrMapOvr>
+    <a:masterClrMapping/>
+  </p:clrMapOvr>
+  <p:transition spd="slow">
+    <p:cut/>
+  </p:transition>
+</p:sld>
+</file>
+
+<file path=ppt/slides/slide28.xml><?xml version="1.0" encoding="utf-8"?>
+<p:sld xmlns:a="http://schemas.openxmlformats.org/drawingml/2006/main" xmlns:r="http://schemas.openxmlformats.org/officeDocument/2006/relationships" xmlns:mc="http://schemas.openxmlformats.org/markup-compatibility/2006" xmlns:mv="urn:schemas-microsoft-com:mac:vml" xmlns:p="http://schemas.openxmlformats.org/presentationml/2006/main" xmlns:c="http://schemas.openxmlformats.org/drawingml/2006/chart" xmlns:dgm="http://schemas.openxmlformats.org/drawingml/2006/diagram" xmlns:o="urn:schemas-microsoft-com:office:office" xmlns:v="urn:schemas-microsoft-com:vml" xmlns:pvml="urn:schemas-microsoft-com:office:powerpoint" xmlns:com="http://schemas.openxmlformats.org/drawingml/2006/compatibility" xmlns:p14="http://schemas.microsoft.com/office/powerpoint/2010/main">
+  <p:cSld>
+    <p:spTree>
+      <p:nvGrpSpPr>
+        <p:cNvPr id="187" name="Shape 187"/>
+        <p:cNvGrpSpPr/>
+        <p:nvPr/>
+      </p:nvGrpSpPr>
+      <p:grpSpPr>
+        <a:xfrm>
+          <a:off x="0" y="0"/>
+          <a:ext cx="0" cy="0"/>
+          <a:chOff x="0" y="0"/>
+          <a:chExt cx="0" cy="0"/>
+        </a:xfrm>
+      </p:grpSpPr>
+      <p:sp>
+        <p:nvSpPr>
+          <p:cNvPr id="188" name="Shape 188"/>
+          <p:cNvSpPr txBox="1"/>
+          <p:nvPr>
+            <p:ph type="title"/>
+          </p:nvPr>
+        </p:nvSpPr>
+        <p:spPr>
+          <a:xfrm>
+            <a:off x="457200" y="205978"/>
+            <a:ext cx="8229600" cy="857400"/>
+          </a:xfrm>
+          <a:prstGeom prst="rect">
+            <a:avLst/>
+          </a:prstGeom>
+        </p:spPr>
+        <p:txBody>
+          <a:bodyPr anchorCtr="0" anchor="b" bIns="91425" lIns="91425" rIns="91425" tIns="91425">
+            <a:noAutofit/>
+          </a:bodyPr>
+          <a:lstStyle/>
+          <a:p>
+            <a:pPr>
+              <a:spcBef>
+                <a:spcPts val="0"/>
+              </a:spcBef>
+              <a:buNone/>
+            </a:pPr>
+            <a:r>
+              <a:rPr lang="en" sz="2400"/>
+              <a:t>Integrated Postsecondary Education Data System </a:t>
+            </a:r>
+          </a:p>
+        </p:txBody>
+      </p:sp>
+      <p:sp>
+        <p:nvSpPr>
+          <p:cNvPr id="189" name="Shape 189"/>
+          <p:cNvSpPr txBox="1"/>
+          <p:nvPr>
+            <p:ph idx="1" type="body"/>
+          </p:nvPr>
+        </p:nvSpPr>
+        <p:spPr>
+          <a:xfrm>
+            <a:off x="457200" y="1200150"/>
+            <a:ext cx="8229600" cy="3725699"/>
+          </a:xfrm>
+          <a:prstGeom prst="rect">
+            <a:avLst/>
+          </a:prstGeom>
+        </p:spPr>
+        <p:txBody>
+          <a:bodyPr anchorCtr="0" anchor="t" bIns="91425" lIns="91425" rIns="91425" tIns="91425">
+            <a:noAutofit/>
+          </a:bodyPr>
+          <a:lstStyle/>
+          <a:p>
+            <a:pPr indent="-381000" lvl="0" marL="457200" rtl="0">
+              <a:spcBef>
+                <a:spcPts val="0"/>
+              </a:spcBef>
+              <a:buClr>
+                <a:schemeClr val="dk1"/>
+              </a:buClr>
+              <a:buSzPct val="100000"/>
+              <a:buFont typeface="Arial"/>
+              <a:buChar char="●"/>
+            </a:pPr>
+            <a:r>
+              <a:rPr lang="en" sz="2400"/>
+              <a:t>System of surveys conducted annually and made public by the U.S. Department’s National Center for Education Statistics (NCES). </a:t>
+            </a:r>
+          </a:p>
+          <a:p>
+            <a:pPr indent="-381000" lvl="0" marL="457200" rtl="0">
+              <a:spcBef>
+                <a:spcPts val="0"/>
+              </a:spcBef>
+              <a:buClr>
+                <a:schemeClr val="dk1"/>
+              </a:buClr>
+              <a:buSzPct val="100000"/>
+              <a:buFont typeface="Arial"/>
+              <a:buChar char="●"/>
+            </a:pPr>
+            <a:r>
+              <a:rPr lang="en" sz="2400"/>
+              <a:t>Collect info on enrollment demographics, tuition, financial aid, graduation rates, and institutional resources.</a:t>
+            </a:r>
+          </a:p>
+          <a:p>
+            <a:pPr indent="-381000" lvl="0" marL="457200" rtl="0">
+              <a:spcBef>
+                <a:spcPts val="0"/>
+              </a:spcBef>
+              <a:buClr>
+                <a:schemeClr val="dk1"/>
+              </a:buClr>
+              <a:buSzPct val="100000"/>
+              <a:buFont typeface="Arial"/>
+              <a:buChar char="●"/>
+            </a:pPr>
+            <a:r>
+              <a:rPr lang="en" sz="2400"/>
+              <a:t>Has info on every college, university, and technical and vocational institution that participates in the federal financial aid programs.</a:t>
+            </a:r>
+          </a:p>
+        </p:txBody>
+      </p:sp>
+      <p:pic>
+        <p:nvPicPr>
+          <p:cNvPr id="190" name="Shape 190"/>
+          <p:cNvPicPr preferRelativeResize="0"/>
+          <p:nvPr/>
+        </p:nvPicPr>
+        <p:blipFill>
+          <a:blip r:embed="rId3">
+            <a:alphaModFix/>
+          </a:blip>
+          <a:stretch>
+            <a:fillRect/>
+          </a:stretch>
+        </p:blipFill>
+        <p:spPr>
+          <a:xfrm>
+            <a:off x="8037575" y="469625"/>
+            <a:ext cx="533400" cy="533400"/>
+          </a:xfrm>
+          <a:prstGeom prst="rect">
+            <a:avLst/>
+          </a:prstGeom>
+          <a:noFill/>
+          <a:ln>
+            <a:noFill/>
+          </a:ln>
+        </p:spPr>
+      </p:pic>
+    </p:spTree>
+  </p:cSld>
+  <p:clrMapOvr>
+    <a:masterClrMapping/>
+  </p:clrMapOvr>
+  <p:transition spd="slow">
+    <p:cut/>
+  </p:transition>
+</p:sld>
+</file>
+
+<file path=ppt/slides/slide29.xml><?xml version="1.0" encoding="utf-8"?>
+<p:sld xmlns:a="http://schemas.openxmlformats.org/drawingml/2006/main" xmlns:r="http://schemas.openxmlformats.org/officeDocument/2006/relationships" xmlns:mc="http://schemas.openxmlformats.org/markup-compatibility/2006" xmlns:mv="urn:schemas-microsoft-com:mac:vml" xmlns:p="http://schemas.openxmlformats.org/presentationml/2006/main" xmlns:c="http://schemas.openxmlformats.org/drawingml/2006/chart" xmlns:dgm="http://schemas.openxmlformats.org/drawingml/2006/diagram" xmlns:o="urn:schemas-microsoft-com:office:office" xmlns:v="urn:schemas-microsoft-com:vml" xmlns:pvml="urn:schemas-microsoft-com:office:powerpoint" xmlns:com="http://schemas.openxmlformats.org/drawingml/2006/compatibility" xmlns:p14="http://schemas.microsoft.com/office/powerpoint/2010/main">
+  <p:cSld>
+    <p:spTree>
+      <p:nvGrpSpPr>
+        <p:cNvPr id="194" name="Shape 194"/>
+        <p:cNvGrpSpPr/>
+        <p:nvPr/>
+      </p:nvGrpSpPr>
+      <p:grpSpPr>
+        <a:xfrm>
+          <a:off x="0" y="0"/>
+          <a:ext cx="0" cy="0"/>
+          <a:chOff x="0" y="0"/>
+          <a:chExt cx="0" cy="0"/>
+        </a:xfrm>
+      </p:grpSpPr>
+      <p:sp>
+        <p:nvSpPr>
+          <p:cNvPr id="195" name="Shape 195"/>
+          <p:cNvSpPr txBox="1"/>
+          <p:nvPr>
+            <p:ph type="title"/>
+          </p:nvPr>
+        </p:nvSpPr>
+        <p:spPr>
+          <a:xfrm>
+            <a:off x="457200" y="2143053"/>
+            <a:ext cx="8229600" cy="857400"/>
+          </a:xfrm>
+          <a:prstGeom prst="rect">
+            <a:avLst/>
+          </a:prstGeom>
+          <a:noFill/>
+          <a:ln>
+            <a:noFill/>
+          </a:ln>
+        </p:spPr>
+        <p:txBody>
+          <a:bodyPr anchorCtr="0" anchor="b" bIns="91425" lIns="91425" rIns="91425" tIns="91425">
+            <a:noAutofit/>
+          </a:bodyPr>
+          <a:lstStyle/>
+          <a:p>
+            <a:pPr algn="ctr">
+              <a:spcBef>
+                <a:spcPts val="0"/>
+              </a:spcBef>
+              <a:buNone/>
+            </a:pPr>
+            <a:r>
+              <a:rPr lang="en"/>
+              <a:t>bit.do/6Xyh</a:t>
+            </a:r>
+          </a:p>
+        </p:txBody>
+      </p:sp>
+      <p:sp>
+        <p:nvSpPr>
+          <p:cNvPr id="196" name="Shape 196"/>
+          <p:cNvSpPr txBox="1"/>
+          <p:nvPr/>
+        </p:nvSpPr>
+        <p:spPr>
+          <a:xfrm>
+            <a:off x="2227300" y="467550"/>
+            <a:ext cx="4350299" cy="507600"/>
+          </a:xfrm>
+          <a:prstGeom prst="rect">
+            <a:avLst/>
+          </a:prstGeom>
+          <a:noFill/>
+          <a:ln>
+            <a:noFill/>
+          </a:ln>
+        </p:spPr>
+        <p:txBody>
+          <a:bodyPr anchorCtr="0" anchor="t" bIns="91425" lIns="91425" rIns="91425" tIns="91425">
+            <a:noAutofit/>
+          </a:bodyPr>
+          <a:lstStyle/>
+          <a:p>
+            <a:pPr>
+              <a:spcBef>
+                <a:spcPts val="0"/>
+              </a:spcBef>
+              <a:buNone/>
+            </a:pPr>
+            <a:r>
+              <a:t/>
+            </a:r>
+            <a:endParaRPr/>
           </a:p>
         </p:txBody>
       </p:sp>
@@ -6226,7 +8682,7 @@
   <p:cSld>
     <p:spTree>
       <p:nvGrpSpPr>
-        <p:cNvPr id="40" name="Shape 40"/>
+        <p:cNvPr id="41" name="Shape 41"/>
         <p:cNvGrpSpPr/>
         <p:nvPr/>
       </p:nvGrpSpPr>
@@ -6238,96 +8694,25 @@
           <a:chExt cx="0" cy="0"/>
         </a:xfrm>
       </p:grpSpPr>
-      <p:pic>
-        <p:nvPicPr>
-          <p:cNvPr id="41" name="Shape 41"/>
-          <p:cNvPicPr preferRelativeResize="0"/>
-          <p:nvPr/>
-        </p:nvPicPr>
-        <p:blipFill>
-          <a:blip r:embed="rId3">
-            <a:alphaModFix/>
-          </a:blip>
-          <a:stretch>
-            <a:fillRect/>
-          </a:stretch>
-        </p:blipFill>
-        <p:spPr>
-          <a:xfrm>
-            <a:off x="861562" y="610225"/>
-            <a:ext cx="4029075" cy="2152650"/>
-          </a:xfrm>
-          <a:prstGeom prst="rect">
-            <a:avLst/>
-          </a:prstGeom>
-          <a:noFill/>
-          <a:ln>
-            <a:noFill/>
-          </a:ln>
-        </p:spPr>
-      </p:pic>
-      <p:pic>
-        <p:nvPicPr>
+      <p:sp>
+        <p:nvSpPr>
           <p:cNvPr id="42" name="Shape 42"/>
-          <p:cNvPicPr preferRelativeResize="0"/>
-          <p:nvPr/>
-        </p:nvPicPr>
-        <p:blipFill>
-          <a:blip r:embed="rId4">
-            <a:alphaModFix/>
-          </a:blip>
-          <a:stretch>
-            <a:fillRect/>
-          </a:stretch>
-        </p:blipFill>
-        <p:spPr>
-          <a:xfrm>
-            <a:off x="4517450" y="2232225"/>
-            <a:ext cx="3486150" cy="2286000"/>
-          </a:xfrm>
-          <a:prstGeom prst="rect">
-            <a:avLst/>
-          </a:prstGeom>
-          <a:noFill/>
-          <a:ln>
-            <a:noFill/>
-          </a:ln>
-        </p:spPr>
-      </p:pic>
-      <p:sp>
-        <p:nvSpPr>
-          <p:cNvPr id="43" name="Shape 43"/>
-          <p:cNvSpPr/>
-          <p:nvPr/>
-        </p:nvSpPr>
-        <p:spPr>
-          <a:xfrm rot="5400000">
-            <a:off x="4942999" y="641800"/>
-            <a:ext cx="1238400" cy="2089500"/>
-          </a:xfrm>
-          <a:prstGeom prst="bentArrow">
-            <a:avLst>
-              <a:gd fmla="val 25000" name="adj1"/>
-              <a:gd fmla="val 25000" name="adj2"/>
-              <a:gd fmla="val 25000" name="adj3"/>
-              <a:gd fmla="val 43750" name="adj4"/>
-            </a:avLst>
-          </a:prstGeom>
-          <a:solidFill>
-            <a:srgbClr val="E06666"/>
-          </a:solidFill>
-          <a:ln cap="flat" cmpd="sng" w="19050">
-            <a:solidFill>
-              <a:srgbClr val="CCCCCC"/>
-            </a:solidFill>
-            <a:prstDash val="solid"/>
-            <a:round/>
-            <a:headEnd len="med" w="med" type="none"/>
-            <a:tailEnd len="med" w="med" type="none"/>
-          </a:ln>
+          <p:cNvSpPr txBox="1"/>
+          <p:nvPr>
+            <p:ph type="ctrTitle"/>
+          </p:nvPr>
+        </p:nvSpPr>
+        <p:spPr>
+          <a:xfrm>
+            <a:off x="685800" y="1583342"/>
+            <a:ext cx="7772400" cy="1159799"/>
+          </a:xfrm>
+          <a:prstGeom prst="rect">
+            <a:avLst/>
+          </a:prstGeom>
         </p:spPr>
         <p:txBody>
-          <a:bodyPr anchorCtr="0" anchor="ctr" bIns="91425" lIns="91425" rIns="91425" tIns="91425">
+          <a:bodyPr anchorCtr="0" anchor="b" bIns="91425" lIns="91425" rIns="91425" tIns="91425">
             <a:noAutofit/>
           </a:bodyPr>
           <a:lstStyle/>
@@ -6339,9 +8724,9 @@
               <a:buNone/>
             </a:pPr>
             <a:r>
-              <a:t/>
-            </a:r>
-            <a:endParaRPr/>
+              <a:rPr lang="en"/>
+              <a:t>What does “Data Analysis” Mean To You?</a:t>
+            </a:r>
           </a:p>
         </p:txBody>
       </p:sp>
@@ -6361,7 +8746,7 @@
   <p:cSld>
     <p:spTree>
       <p:nvGrpSpPr>
-        <p:cNvPr id="47" name="Shape 47"/>
+        <p:cNvPr id="46" name="Shape 46"/>
         <p:cNvGrpSpPr/>
         <p:nvPr/>
       </p:nvGrpSpPr>
@@ -6375,7 +8760,7 @@
       </p:grpSpPr>
       <p:pic>
         <p:nvPicPr>
-          <p:cNvPr id="48" name="Shape 48"/>
+          <p:cNvPr id="47" name="Shape 47"/>
           <p:cNvPicPr preferRelativeResize="0"/>
           <p:nvPr/>
         </p:nvPicPr>
@@ -6389,8 +8774,8 @@
         </p:blipFill>
         <p:spPr>
           <a:xfrm>
-            <a:off x="889335" y="0"/>
-            <a:ext cx="7365329" cy="5143500"/>
+            <a:off x="861562" y="610225"/>
+            <a:ext cx="4029075" cy="2152650"/>
           </a:xfrm>
           <a:prstGeom prst="rect">
             <a:avLst/>
@@ -6401,6 +8786,85 @@
           </a:ln>
         </p:spPr>
       </p:pic>
+      <p:pic>
+        <p:nvPicPr>
+          <p:cNvPr id="48" name="Shape 48"/>
+          <p:cNvPicPr preferRelativeResize="0"/>
+          <p:nvPr/>
+        </p:nvPicPr>
+        <p:blipFill>
+          <a:blip r:embed="rId4">
+            <a:alphaModFix/>
+          </a:blip>
+          <a:stretch>
+            <a:fillRect/>
+          </a:stretch>
+        </p:blipFill>
+        <p:spPr>
+          <a:xfrm>
+            <a:off x="4517450" y="2232225"/>
+            <a:ext cx="3486150" cy="2286000"/>
+          </a:xfrm>
+          <a:prstGeom prst="rect">
+            <a:avLst/>
+          </a:prstGeom>
+          <a:noFill/>
+          <a:ln>
+            <a:noFill/>
+          </a:ln>
+        </p:spPr>
+      </p:pic>
+      <p:sp>
+        <p:nvSpPr>
+          <p:cNvPr id="49" name="Shape 49"/>
+          <p:cNvSpPr/>
+          <p:nvPr/>
+        </p:nvSpPr>
+        <p:spPr>
+          <a:xfrm rot="5400000">
+            <a:off x="4942999" y="641800"/>
+            <a:ext cx="1238400" cy="2089500"/>
+          </a:xfrm>
+          <a:prstGeom prst="bentArrow">
+            <a:avLst>
+              <a:gd fmla="val 25000" name="adj1"/>
+              <a:gd fmla="val 25000" name="adj2"/>
+              <a:gd fmla="val 25000" name="adj3"/>
+              <a:gd fmla="val 43750" name="adj4"/>
+            </a:avLst>
+          </a:prstGeom>
+          <a:solidFill>
+            <a:srgbClr val="E06666"/>
+          </a:solidFill>
+          <a:ln cap="flat" cmpd="sng" w="19050">
+            <a:solidFill>
+              <a:srgbClr val="CCCCCC"/>
+            </a:solidFill>
+            <a:prstDash val="solid"/>
+            <a:round/>
+            <a:headEnd len="med" w="med" type="none"/>
+            <a:tailEnd len="med" w="med" type="none"/>
+          </a:ln>
+        </p:spPr>
+        <p:txBody>
+          <a:bodyPr anchorCtr="0" anchor="ctr" bIns="91425" lIns="91425" rIns="91425" tIns="91425">
+            <a:noAutofit/>
+          </a:bodyPr>
+          <a:lstStyle/>
+          <a:p>
+            <a:pPr>
+              <a:spcBef>
+                <a:spcPts val="0"/>
+              </a:spcBef>
+              <a:buNone/>
+            </a:pPr>
+            <a:r>
+              <a:t/>
+            </a:r>
+            <a:endParaRPr/>
+          </a:p>
+        </p:txBody>
+      </p:sp>
     </p:spTree>
   </p:cSld>
   <p:clrMapOvr>
@@ -6417,7 +8881,7 @@
   <p:cSld>
     <p:spTree>
       <p:nvGrpSpPr>
-        <p:cNvPr id="52" name="Shape 52"/>
+        <p:cNvPr id="53" name="Shape 53"/>
         <p:cNvGrpSpPr/>
         <p:nvPr/>
       </p:nvGrpSpPr>
@@ -6431,7 +8895,7 @@
       </p:grpSpPr>
       <p:pic>
         <p:nvPicPr>
-          <p:cNvPr id="53" name="Shape 53"/>
+          <p:cNvPr id="54" name="Shape 54"/>
           <p:cNvPicPr preferRelativeResize="0"/>
           <p:nvPr/>
         </p:nvPicPr>
@@ -6445,8 +8909,8 @@
         </p:blipFill>
         <p:spPr>
           <a:xfrm>
-            <a:off x="1815015" y="0"/>
-            <a:ext cx="5513971" cy="5143501"/>
+            <a:off x="889335" y="0"/>
+            <a:ext cx="7365329" cy="5143500"/>
           </a:xfrm>
           <a:prstGeom prst="rect">
             <a:avLst/>
@@ -6473,7 +8937,7 @@
   <p:cSld>
     <p:spTree>
       <p:nvGrpSpPr>
-        <p:cNvPr id="57" name="Shape 57"/>
+        <p:cNvPr id="58" name="Shape 58"/>
         <p:cNvGrpSpPr/>
         <p:nvPr/>
       </p:nvGrpSpPr>
@@ -6487,7 +8951,7 @@
       </p:grpSpPr>
       <p:pic>
         <p:nvPicPr>
-          <p:cNvPr id="58" name="Shape 58"/>
+          <p:cNvPr id="59" name="Shape 59"/>
           <p:cNvPicPr preferRelativeResize="0"/>
           <p:nvPr/>
         </p:nvPicPr>
@@ -6501,8 +8965,8 @@
         </p:blipFill>
         <p:spPr>
           <a:xfrm>
-            <a:off x="0" y="392973"/>
-            <a:ext cx="9144001" cy="4357554"/>
+            <a:off x="1815015" y="0"/>
+            <a:ext cx="5513971" cy="5143501"/>
           </a:xfrm>
           <a:prstGeom prst="rect">
             <a:avLst/>
@@ -6529,7 +8993,7 @@
   <p:cSld>
     <p:spTree>
       <p:nvGrpSpPr>
-        <p:cNvPr id="62" name="Shape 62"/>
+        <p:cNvPr id="63" name="Shape 63"/>
         <p:cNvGrpSpPr/>
         <p:nvPr/>
       </p:nvGrpSpPr>
@@ -6541,42 +9005,34 @@
           <a:chExt cx="0" cy="0"/>
         </a:xfrm>
       </p:grpSpPr>
-      <p:sp>
-        <p:nvSpPr>
-          <p:cNvPr id="63" name="Shape 63"/>
-          <p:cNvSpPr txBox="1"/>
-          <p:nvPr>
-            <p:ph type="title"/>
-          </p:nvPr>
-        </p:nvSpPr>
-        <p:spPr>
-          <a:xfrm>
-            <a:off x="457200" y="205978"/>
-            <a:ext cx="8229600" cy="857400"/>
-          </a:xfrm>
-          <a:prstGeom prst="rect">
-            <a:avLst/>
-          </a:prstGeom>
-        </p:spPr>
-        <p:txBody>
-          <a:bodyPr anchorCtr="0" anchor="b" bIns="91425" lIns="91425" rIns="91425" tIns="91425">
-            <a:noAutofit/>
-          </a:bodyPr>
-          <a:lstStyle/>
-          <a:p>
-            <a:pPr>
-              <a:spcBef>
-                <a:spcPts val="0"/>
-              </a:spcBef>
-              <a:buNone/>
-            </a:pPr>
-            <a:r>
-              <a:rPr lang="en"/>
-              <a:t>Presentation Tools</a:t>
-            </a:r>
-          </a:p>
-        </p:txBody>
-      </p:sp>
+      <p:pic>
+        <p:nvPicPr>
+          <p:cNvPr id="64" name="Shape 64"/>
+          <p:cNvPicPr preferRelativeResize="0"/>
+          <p:nvPr/>
+        </p:nvPicPr>
+        <p:blipFill>
+          <a:blip r:embed="rId3">
+            <a:alphaModFix/>
+          </a:blip>
+          <a:stretch>
+            <a:fillRect/>
+          </a:stretch>
+        </p:blipFill>
+        <p:spPr>
+          <a:xfrm>
+            <a:off x="0" y="392973"/>
+            <a:ext cx="9144001" cy="4357554"/>
+          </a:xfrm>
+          <a:prstGeom prst="rect">
+            <a:avLst/>
+          </a:prstGeom>
+          <a:noFill/>
+          <a:ln>
+            <a:noFill/>
+          </a:ln>
+        </p:spPr>
+      </p:pic>
     </p:spTree>
   </p:cSld>
   <p:clrMapOvr>
@@ -6593,7 +9049,7 @@
   <p:cSld>
     <p:spTree>
       <p:nvGrpSpPr>
-        <p:cNvPr id="67" name="Shape 67"/>
+        <p:cNvPr id="68" name="Shape 68"/>
         <p:cNvGrpSpPr/>
         <p:nvPr/>
       </p:nvGrpSpPr>
@@ -6605,59 +9061,24 @@
           <a:chExt cx="0" cy="0"/>
         </a:xfrm>
       </p:grpSpPr>
-      <p:sp>
-        <p:nvSpPr>
-          <p:cNvPr id="68" name="Shape 68"/>
-          <p:cNvSpPr txBox="1"/>
-          <p:nvPr>
-            <p:ph type="title"/>
-          </p:nvPr>
-        </p:nvSpPr>
-        <p:spPr>
-          <a:xfrm>
-            <a:off x="457200" y="205978"/>
-            <a:ext cx="8229600" cy="857400"/>
-          </a:xfrm>
-          <a:prstGeom prst="rect">
-            <a:avLst/>
-          </a:prstGeom>
-        </p:spPr>
-        <p:txBody>
-          <a:bodyPr anchorCtr="0" anchor="b" bIns="91425" lIns="91425" rIns="91425" tIns="91425">
-            <a:noAutofit/>
-          </a:bodyPr>
-          <a:lstStyle/>
-          <a:p>
-            <a:pPr>
-              <a:spcBef>
-                <a:spcPts val="0"/>
-              </a:spcBef>
-              <a:buNone/>
-            </a:pPr>
-            <a:r>
-              <a:rPr lang="en"/>
-              <a:t>The Table</a:t>
-            </a:r>
-          </a:p>
-        </p:txBody>
-      </p:sp>
       <p:pic>
         <p:nvPicPr>
           <p:cNvPr id="69" name="Shape 69"/>
           <p:cNvPicPr preferRelativeResize="0"/>
           <p:nvPr/>
         </p:nvPicPr>
-        <p:blipFill rotWithShape="1">
+        <p:blipFill>
           <a:blip r:embed="rId3">
             <a:alphaModFix/>
           </a:blip>
-          <a:srcRect b="0" l="0" r="0" t="21042"/>
-          <a:stretch/>
+          <a:stretch>
+            <a:fillRect/>
+          </a:stretch>
         </p:blipFill>
         <p:spPr>
           <a:xfrm>
-            <a:off x="1309550" y="1139200"/>
-            <a:ext cx="6229350" cy="1699725"/>
+            <a:off x="2303884" y="0"/>
+            <a:ext cx="4536230" cy="5143499"/>
           </a:xfrm>
           <a:prstGeom prst="rect">
             <a:avLst/>
@@ -6668,100 +9089,6 @@
           </a:ln>
         </p:spPr>
       </p:pic>
-      <p:sp>
-        <p:nvSpPr>
-          <p:cNvPr id="70" name="Shape 70"/>
-          <p:cNvSpPr txBox="1"/>
-          <p:nvPr>
-            <p:ph idx="1" type="body"/>
-          </p:nvPr>
-        </p:nvSpPr>
-        <p:spPr>
-          <a:xfrm>
-            <a:off x="457200" y="2838925"/>
-            <a:ext cx="8229600" cy="2086799"/>
-          </a:xfrm>
-          <a:prstGeom prst="rect">
-            <a:avLst/>
-          </a:prstGeom>
-        </p:spPr>
-        <p:txBody>
-          <a:bodyPr anchorCtr="0" anchor="t" bIns="91425" lIns="91425" rIns="91425" tIns="91425">
-            <a:noAutofit/>
-          </a:bodyPr>
-          <a:lstStyle/>
-          <a:p>
-            <a:pPr indent="-419100" lvl="0" marL="457200" rtl="0">
-              <a:spcBef>
-                <a:spcPts val="0"/>
-              </a:spcBef>
-              <a:buClr>
-                <a:schemeClr val="dk1"/>
-              </a:buClr>
-              <a:buSzPct val="100000"/>
-              <a:buFont typeface="Arial"/>
-              <a:buChar char="●"/>
-            </a:pPr>
-            <a:r>
-              <a:rPr lang="en"/>
-              <a:t>Only for a very small number of columns and rows.</a:t>
-            </a:r>
-          </a:p>
-          <a:p>
-            <a:pPr indent="-419100" lvl="0" marL="457200" rtl="0">
-              <a:spcBef>
-                <a:spcPts val="0"/>
-              </a:spcBef>
-              <a:buClr>
-                <a:schemeClr val="dk1"/>
-              </a:buClr>
-              <a:buSzPct val="100000"/>
-              <a:buFont typeface="Arial"/>
-              <a:buChar char="●"/>
-            </a:pPr>
-            <a:r>
-              <a:rPr lang="en"/>
-              <a:t>Only if data values are immediately interpretable.</a:t>
-            </a:r>
-          </a:p>
-          <a:p>
-            <a:pPr rtl="0">
-              <a:spcBef>
-                <a:spcPts val="0"/>
-              </a:spcBef>
-              <a:buNone/>
-            </a:pPr>
-            <a:r>
-              <a:t/>
-            </a:r>
-            <a:endParaRPr/>
-          </a:p>
-          <a:p>
-            <a:pPr rtl="0">
-              <a:spcBef>
-                <a:spcPts val="0"/>
-              </a:spcBef>
-              <a:buNone/>
-            </a:pPr>
-            <a:r>
-              <a:t/>
-            </a:r>
-            <a:endParaRPr/>
-          </a:p>
-          <a:p>
-            <a:pPr>
-              <a:spcBef>
-                <a:spcPts val="0"/>
-              </a:spcBef>
-              <a:buNone/>
-            </a:pPr>
-            <a:r>
-              <a:t/>
-            </a:r>
-            <a:endParaRPr/>
-          </a:p>
-        </p:txBody>
-      </p:sp>
     </p:spTree>
   </p:cSld>
   <p:clrMapOvr>
@@ -6778,7 +9105,7 @@
   <p:cSld>
     <p:spTree>
       <p:nvGrpSpPr>
-        <p:cNvPr id="74" name="Shape 74"/>
+        <p:cNvPr id="73" name="Shape 73"/>
         <p:cNvGrpSpPr/>
         <p:nvPr/>
       </p:nvGrpSpPr>
@@ -6790,103 +9117,9 @@
           <a:chExt cx="0" cy="0"/>
         </a:xfrm>
       </p:grpSpPr>
-      <p:sp>
-        <p:nvSpPr>
-          <p:cNvPr id="75" name="Shape 75"/>
-          <p:cNvSpPr txBox="1"/>
-          <p:nvPr>
-            <p:ph type="title"/>
-          </p:nvPr>
-        </p:nvSpPr>
-        <p:spPr>
-          <a:xfrm>
-            <a:off x="457200" y="205978"/>
-            <a:ext cx="8229600" cy="857400"/>
-          </a:xfrm>
-          <a:prstGeom prst="rect">
-            <a:avLst/>
-          </a:prstGeom>
-        </p:spPr>
-        <p:txBody>
-          <a:bodyPr anchorCtr="0" anchor="b" bIns="91425" lIns="91425" rIns="91425" tIns="91425">
-            <a:noAutofit/>
-          </a:bodyPr>
-          <a:lstStyle/>
-          <a:p>
-            <a:pPr>
-              <a:spcBef>
-                <a:spcPts val="0"/>
-              </a:spcBef>
-              <a:buNone/>
-            </a:pPr>
-            <a:r>
-              <a:rPr lang="en"/>
-              <a:t>The Bar Chart</a:t>
-            </a:r>
-          </a:p>
-        </p:txBody>
-      </p:sp>
-      <p:sp>
-        <p:nvSpPr>
-          <p:cNvPr id="76" name="Shape 76"/>
-          <p:cNvSpPr txBox="1"/>
-          <p:nvPr>
-            <p:ph idx="1" type="body"/>
-          </p:nvPr>
-        </p:nvSpPr>
-        <p:spPr>
-          <a:xfrm>
-            <a:off x="457200" y="3207850"/>
-            <a:ext cx="8229600" cy="1718399"/>
-          </a:xfrm>
-          <a:prstGeom prst="rect">
-            <a:avLst/>
-          </a:prstGeom>
-        </p:spPr>
-        <p:txBody>
-          <a:bodyPr anchorCtr="0" anchor="t" bIns="91425" lIns="91425" rIns="91425" tIns="91425">
-            <a:noAutofit/>
-          </a:bodyPr>
-          <a:lstStyle/>
-          <a:p>
-            <a:pPr indent="-419100" lvl="0" marL="457200" rtl="0">
-              <a:spcBef>
-                <a:spcPts val="0"/>
-              </a:spcBef>
-              <a:buClr>
-                <a:schemeClr val="dk1"/>
-              </a:buClr>
-              <a:buSzPct val="100000"/>
-              <a:buFont typeface="Arial"/>
-              <a:buChar char="●"/>
-            </a:pPr>
-            <a:r>
-              <a:rPr lang="en"/>
-              <a:t>Only for a small number of categories</a:t>
-            </a:r>
-          </a:p>
-          <a:p>
-            <a:pPr indent="-419100" lvl="0" marL="457200">
-              <a:spcBef>
-                <a:spcPts val="0"/>
-              </a:spcBef>
-              <a:buClr>
-                <a:schemeClr val="dk1"/>
-              </a:buClr>
-              <a:buSzPct val="100000"/>
-              <a:buFont typeface="Arial"/>
-              <a:buChar char="●"/>
-            </a:pPr>
-            <a:r>
-              <a:rPr lang="en"/>
-              <a:t>X-axis should have meaningful ordering</a:t>
-            </a:r>
-          </a:p>
-        </p:txBody>
-      </p:sp>
       <p:pic>
         <p:nvPicPr>
-          <p:cNvPr id="77" name="Shape 77"/>
+          <p:cNvPr id="74" name="Shape 74"/>
           <p:cNvPicPr preferRelativeResize="0"/>
           <p:nvPr/>
         </p:nvPicPr>
@@ -6900,36 +9133,8 @@
         </p:blipFill>
         <p:spPr>
           <a:xfrm>
-            <a:off x="561650" y="949575"/>
-            <a:ext cx="4088574" cy="2188949"/>
-          </a:xfrm>
-          <a:prstGeom prst="rect">
-            <a:avLst/>
-          </a:prstGeom>
-          <a:noFill/>
-          <a:ln>
-            <a:noFill/>
-          </a:ln>
-        </p:spPr>
-      </p:pic>
-      <p:pic>
-        <p:nvPicPr>
-          <p:cNvPr id="78" name="Shape 78"/>
-          <p:cNvPicPr preferRelativeResize="0"/>
-          <p:nvPr/>
-        </p:nvPicPr>
-        <p:blipFill>
-          <a:blip r:embed="rId4">
-            <a:alphaModFix/>
-          </a:blip>
-          <a:stretch>
-            <a:fillRect/>
-          </a:stretch>
-        </p:blipFill>
-        <p:spPr>
-          <a:xfrm>
-            <a:off x="4940149" y="595324"/>
-            <a:ext cx="3615625" cy="2408475"/>
+            <a:off x="1714500" y="1638300"/>
+            <a:ext cx="5715000" cy="1866900"/>
           </a:xfrm>
           <a:prstGeom prst="rect">
             <a:avLst/>
@@ -6952,9 +9157,9 @@
 </file>
 
 <file path=ppt/theme/theme1.xml><?xml version="1.0" encoding="utf-8"?>
-<a:theme xmlns:a="http://schemas.openxmlformats.org/drawingml/2006/main" xmlns:r="http://schemas.openxmlformats.org/officeDocument/2006/relationships" name="simple-light">
+<a:theme xmlns:a="http://schemas.openxmlformats.org/drawingml/2006/main" xmlns:r="http://schemas.openxmlformats.org/officeDocument/2006/relationships" name="Custom Theme">
   <a:themeElements>
-    <a:clrScheme name="Custom 347">
+    <a:clrScheme name="Default">
       <a:dk1>
         <a:srgbClr val="000000"/>
       </a:dk1>
@@ -6962,34 +9167,34 @@
         <a:srgbClr val="FFFFFF"/>
       </a:lt1>
       <a:dk2>
-        <a:srgbClr val="666666"/>
+        <a:srgbClr val="158158"/>
       </a:dk2>
       <a:lt2>
-        <a:srgbClr val="CCCCCC"/>
+        <a:srgbClr val="F3F3F3"/>
       </a:lt2>
       <a:accent1>
-        <a:srgbClr val="3A81BA"/>
+        <a:srgbClr val="058DC7"/>
       </a:accent1>
       <a:accent2>
-        <a:srgbClr val="D89F39"/>
+        <a:srgbClr val="50B432"/>
       </a:accent2>
       <a:accent3>
-        <a:srgbClr val="8BAB42"/>
+        <a:srgbClr val="ED561B"/>
       </a:accent3>
       <a:accent4>
-        <a:srgbClr val="57A7B5"/>
+        <a:srgbClr val="EDEF00"/>
       </a:accent4>
       <a:accent5>
-        <a:srgbClr val="8B81D2"/>
+        <a:srgbClr val="24CBE5"/>
       </a:accent5>
       <a:accent6>
-        <a:srgbClr val="963334"/>
+        <a:srgbClr val="64E572"/>
       </a:accent6>
       <a:hlink>
-        <a:srgbClr val="1155CC"/>
+        <a:srgbClr val="2200CC"/>
       </a:hlink>
       <a:folHlink>
-        <a:srgbClr val="6611CC"/>
+        <a:srgbClr val="551A8B"/>
       </a:folHlink>
     </a:clrScheme>
     <a:fontScheme name="Office">
@@ -7229,9 +9434,9 @@
 </file>
 
 <file path=ppt/theme/theme2.xml><?xml version="1.0" encoding="utf-8"?>
-<a:theme xmlns:a="http://schemas.openxmlformats.org/drawingml/2006/main" xmlns:r="http://schemas.openxmlformats.org/officeDocument/2006/relationships" name="Custom Theme">
+<a:theme xmlns:a="http://schemas.openxmlformats.org/drawingml/2006/main" xmlns:r="http://schemas.openxmlformats.org/officeDocument/2006/relationships" name="simple-light">
   <a:themeElements>
-    <a:clrScheme name="Default">
+    <a:clrScheme name="Custom 347">
       <a:dk1>
         <a:srgbClr val="000000"/>
       </a:dk1>
@@ -7239,34 +9444,34 @@
         <a:srgbClr val="FFFFFF"/>
       </a:lt1>
       <a:dk2>
-        <a:srgbClr val="158158"/>
+        <a:srgbClr val="666666"/>
       </a:dk2>
       <a:lt2>
-        <a:srgbClr val="F3F3F3"/>
+        <a:srgbClr val="CCCCCC"/>
       </a:lt2>
       <a:accent1>
-        <a:srgbClr val="058DC7"/>
+        <a:srgbClr val="3A81BA"/>
       </a:accent1>
       <a:accent2>
-        <a:srgbClr val="50B432"/>
+        <a:srgbClr val="D89F39"/>
       </a:accent2>
       <a:accent3>
-        <a:srgbClr val="ED561B"/>
+        <a:srgbClr val="8BAB42"/>
       </a:accent3>
       <a:accent4>
-        <a:srgbClr val="EDEF00"/>
+        <a:srgbClr val="57A7B5"/>
       </a:accent4>
       <a:accent5>
-        <a:srgbClr val="24CBE5"/>
+        <a:srgbClr val="8B81D2"/>
       </a:accent5>
       <a:accent6>
-        <a:srgbClr val="64E572"/>
+        <a:srgbClr val="963334"/>
       </a:accent6>
       <a:hlink>
-        <a:srgbClr val="2200CC"/>
+        <a:srgbClr val="1155CC"/>
       </a:hlink>
       <a:folHlink>
-        <a:srgbClr val="551A8B"/>
+        <a:srgbClr val="6611CC"/>
       </a:folHlink>
     </a:clrScheme>
     <a:fontScheme name="Office">

--- a/Data Analysis and Presentation.pptx
+++ b/Data Analysis and Presentation.pptx
@@ -37,6 +37,7 @@
     <p:sldId id="282" r:id="rId32"/>
     <p:sldId id="283" r:id="rId33"/>
     <p:sldId id="284" r:id="rId34"/>
+    <p:sldId id="285" r:id="rId35"/>
   </p:sldIdLst>
   <p:sldSz cy="5143500" cx="9144000"/>
   <p:notesSz cx="6858000" cy="9144000"/>
@@ -745,6 +746,86 @@
           </a:bodyPr>
           <a:lstStyle/>
           <a:p>
+            <a:pPr rtl="0">
+              <a:spcBef>
+                <a:spcPts val="0"/>
+              </a:spcBef>
+              <a:buNone/>
+            </a:pPr>
+            <a:r>
+              <a:rPr lang="en">
+                <a:solidFill>
+                  <a:schemeClr val="dk1"/>
+                </a:solidFill>
+                <a:latin typeface="Times New Roman"/>
+                <a:ea typeface="Times New Roman"/>
+                <a:cs typeface="Times New Roman"/>
+                <a:sym typeface="Times New Roman"/>
+              </a:rPr>
+              <a:t>Megan Jaegerman </a:t>
+            </a:r>
+          </a:p>
+          <a:p>
+            <a:pPr rtl="0">
+              <a:spcBef>
+                <a:spcPts val="0"/>
+              </a:spcBef>
+              <a:buNone/>
+            </a:pPr>
+            <a:r>
+              <a:t/>
+            </a:r>
+            <a:endParaRPr>
+              <a:solidFill>
+                <a:schemeClr val="dk1"/>
+              </a:solidFill>
+              <a:latin typeface="Times New Roman"/>
+              <a:ea typeface="Times New Roman"/>
+              <a:cs typeface="Times New Roman"/>
+              <a:sym typeface="Times New Roman"/>
+            </a:endParaRPr>
+          </a:p>
+          <a:p>
+            <a:pPr rtl="0">
+              <a:spcBef>
+                <a:spcPts val="0"/>
+              </a:spcBef>
+              <a:buNone/>
+            </a:pPr>
+            <a:r>
+              <a:rPr lang="en">
+                <a:solidFill>
+                  <a:schemeClr val="dk1"/>
+                </a:solidFill>
+                <a:latin typeface="Times New Roman"/>
+                <a:ea typeface="Times New Roman"/>
+                <a:cs typeface="Times New Roman"/>
+                <a:sym typeface="Times New Roman"/>
+              </a:rPr>
+              <a:t>Demonstrates relative costs and effectiveness of lawn cutting equipment</a:t>
+            </a:r>
+          </a:p>
+          <a:p>
+            <a:pPr rtl="0">
+              <a:spcBef>
+                <a:spcPts val="0"/>
+              </a:spcBef>
+              <a:buNone/>
+            </a:pPr>
+            <a:r>
+              <a:rPr lang="en">
+                <a:solidFill>
+                  <a:schemeClr val="dk1"/>
+                </a:solidFill>
+                <a:latin typeface="Times New Roman"/>
+                <a:ea typeface="Times New Roman"/>
+                <a:cs typeface="Times New Roman"/>
+                <a:sym typeface="Times New Roman"/>
+              </a:rPr>
+              <a:t>Data: Outdoor Power Equipment Company</a:t>
+            </a:r>
+          </a:p>
+          <a:p>
             <a:pPr>
               <a:spcBef>
                 <a:spcPts val="0"/>
@@ -752,9 +833,17 @@
               <a:buNone/>
             </a:pPr>
             <a:r>
-              <a:t/>
-            </a:r>
-            <a:endParaRPr/>
+              <a:rPr lang="en">
+                <a:solidFill>
+                  <a:schemeClr val="dk1"/>
+                </a:solidFill>
+                <a:latin typeface="Times New Roman"/>
+                <a:ea typeface="Times New Roman"/>
+                <a:cs typeface="Times New Roman"/>
+                <a:sym typeface="Times New Roman"/>
+              </a:rPr>
+              <a:t>Message: Maybe Sheep are the cheapest solution?</a:t>
+            </a:r>
           </a:p>
         </p:txBody>
       </p:sp>
@@ -1850,9 +1939,9 @@
               <a:buNone/>
             </a:pPr>
             <a:r>
-              <a:rPr lang="en"/>
-              <a:t>“Continuous” means data that can change bit by bit, ie time, weight, length, etc</a:t>
-            </a:r>
+              <a:t/>
+            </a:r>
+            <a:endParaRPr/>
           </a:p>
         </p:txBody>
       </p:sp>
@@ -1956,7 +2045,7 @@
             </a:pPr>
             <a:r>
               <a:rPr lang="en"/>
-              <a:t>Optionally you can add a “trendline” which highlights the relationship. This trendline is from a linear regression.</a:t>
+              <a:t>“Continuous” means data that can change bit by bit, ie time, weight, length, etc</a:t>
             </a:r>
           </a:p>
         </p:txBody>
@@ -1974,7 +2063,7 @@
   <p:cSld>
     <p:spTree>
       <p:nvGrpSpPr>
-        <p:cNvPr id="153" name="Shape 153"/>
+        <p:cNvPr id="154" name="Shape 154"/>
         <p:cNvGrpSpPr/>
         <p:nvPr/>
       </p:nvGrpSpPr>
@@ -1988,7 +2077,7 @@
       </p:grpSpPr>
       <p:sp>
         <p:nvSpPr>
-          <p:cNvPr id="154" name="Shape 154"/>
+          <p:cNvPr id="155" name="Shape 155"/>
           <p:cNvSpPr/>
           <p:nvPr>
             <p:ph idx="2" type="sldImg"/>
@@ -2032,7 +2121,7 @@
       </p:sp>
       <p:sp>
         <p:nvSpPr>
-          <p:cNvPr id="155" name="Shape 155"/>
+          <p:cNvPr id="156" name="Shape 156"/>
           <p:cNvSpPr txBox="1"/>
           <p:nvPr>
             <p:ph idx="1" type="body"/>
@@ -2060,9 +2149,9 @@
               <a:buNone/>
             </a:pPr>
             <a:r>
-              <a:t/>
-            </a:r>
-            <a:endParaRPr/>
+              <a:rPr lang="en"/>
+              <a:t>Optionally you can add a “trendline” which highlights the relationship. This trendline is from a linear regression.</a:t>
+            </a:r>
           </a:p>
         </p:txBody>
       </p:sp>
@@ -2079,7 +2168,7 @@
   <p:cSld>
     <p:spTree>
       <p:nvGrpSpPr>
-        <p:cNvPr id="159" name="Shape 159"/>
+        <p:cNvPr id="160" name="Shape 160"/>
         <p:cNvGrpSpPr/>
         <p:nvPr/>
       </p:nvGrpSpPr>
@@ -2093,7 +2182,7 @@
       </p:grpSpPr>
       <p:sp>
         <p:nvSpPr>
-          <p:cNvPr id="160" name="Shape 160"/>
+          <p:cNvPr id="161" name="Shape 161"/>
           <p:cNvSpPr/>
           <p:nvPr>
             <p:ph idx="2" type="sldImg"/>
@@ -2137,7 +2226,7 @@
       </p:sp>
       <p:sp>
         <p:nvSpPr>
-          <p:cNvPr id="161" name="Shape 161"/>
+          <p:cNvPr id="162" name="Shape 162"/>
           <p:cNvSpPr txBox="1"/>
           <p:nvPr>
             <p:ph idx="1" type="body"/>
@@ -2165,9 +2254,9 @@
               <a:buNone/>
             </a:pPr>
             <a:r>
-              <a:rPr lang="en"/>
-              <a:t>If you make 10 slides going on about what your results mean for the company, but your presentation is to other data analysts, you might never get to that stuff, as they will ask mostly questions about how you carried out your analysis and whether it is correct or not. If you are presenting to the CEO, but all your slides are about how you collected and analyzed your data, they are going to be completely tuned out.</a:t>
-            </a:r>
+              <a:t/>
+            </a:r>
+            <a:endParaRPr/>
           </a:p>
         </p:txBody>
       </p:sp>
@@ -2263,7 +2352,7 @@
           </a:bodyPr>
           <a:lstStyle/>
           <a:p>
-            <a:pPr rtl="0">
+            <a:pPr>
               <a:spcBef>
                 <a:spcPts val="0"/>
               </a:spcBef>
@@ -2271,31 +2360,7 @@
             </a:pPr>
             <a:r>
               <a:rPr lang="en"/>
-              <a:t>This is known as an “outlier”.</a:t>
-            </a:r>
-          </a:p>
-          <a:p>
-            <a:pPr rtl="0">
-              <a:spcBef>
-                <a:spcPts val="0"/>
-              </a:spcBef>
-              <a:buNone/>
-            </a:pPr>
-            <a:r>
-              <a:t/>
-            </a:r>
-            <a:endParaRPr/>
-          </a:p>
-          <a:p>
-            <a:pPr>
-              <a:spcBef>
-                <a:spcPts val="0"/>
-              </a:spcBef>
-              <a:buNone/>
-            </a:pPr>
-            <a:r>
-              <a:rPr lang="en"/>
-              <a:t>Make sure to allocate PLENTY of time to questions whenever you show a figure or visualization that you’ve made, unless it is really simple or they have seen it before.</a:t>
+              <a:t>If you make 10 slides going on about what your results mean for the company, but your presentation is to other data analysts, you might never get to that stuff, as they will ask mostly questions about how you carried out your analysis and whether it is correct or not. If you are presenting to the CEO, but all your slides are about how you collected and analyzed your data, they are going to be completely tuned out.</a:t>
             </a:r>
           </a:p>
         </p:txBody>
@@ -2313,7 +2378,7 @@
   <p:cSld>
     <p:spTree>
       <p:nvGrpSpPr>
-        <p:cNvPr id="172" name="Shape 172"/>
+        <p:cNvPr id="173" name="Shape 173"/>
         <p:cNvGrpSpPr/>
         <p:nvPr/>
       </p:nvGrpSpPr>
@@ -2327,7 +2392,7 @@
       </p:grpSpPr>
       <p:sp>
         <p:nvSpPr>
-          <p:cNvPr id="173" name="Shape 173"/>
+          <p:cNvPr id="174" name="Shape 174"/>
           <p:cNvSpPr/>
           <p:nvPr>
             <p:ph idx="2" type="sldImg"/>
@@ -2371,7 +2436,7 @@
       </p:sp>
       <p:sp>
         <p:nvSpPr>
-          <p:cNvPr id="174" name="Shape 174"/>
+          <p:cNvPr id="175" name="Shape 175"/>
           <p:cNvSpPr txBox="1"/>
           <p:nvPr>
             <p:ph idx="1" type="body"/>
@@ -2392,6 +2457,30 @@
           </a:bodyPr>
           <a:lstStyle/>
           <a:p>
+            <a:pPr rtl="0">
+              <a:spcBef>
+                <a:spcPts val="0"/>
+              </a:spcBef>
+              <a:buNone/>
+            </a:pPr>
+            <a:r>
+              <a:rPr lang="en"/>
+              <a:t>This is known as an “outlier”.</a:t>
+            </a:r>
+          </a:p>
+          <a:p>
+            <a:pPr rtl="0">
+              <a:spcBef>
+                <a:spcPts val="0"/>
+              </a:spcBef>
+              <a:buNone/>
+            </a:pPr>
+            <a:r>
+              <a:t/>
+            </a:r>
+            <a:endParaRPr/>
+          </a:p>
+          <a:p>
             <a:pPr>
               <a:spcBef>
                 <a:spcPts val="0"/>
@@ -2400,7 +2489,7 @@
             </a:pPr>
             <a:r>
               <a:rPr lang="en"/>
-              <a:t>Don’t start a presentation talking about the low level details. Start by talking about your motivations, what you wanted to learn, and then talk about your data and how you used it.</a:t>
+              <a:t>Make sure to allocate PLENTY of time to questions whenever you show a figure or visualization that you’ve made, unless it is really simple or they have seen it before.</a:t>
             </a:r>
           </a:p>
         </p:txBody>
@@ -2418,7 +2507,7 @@
   <p:cSld>
     <p:spTree>
       <p:nvGrpSpPr>
-        <p:cNvPr id="178" name="Shape 178"/>
+        <p:cNvPr id="179" name="Shape 179"/>
         <p:cNvGrpSpPr/>
         <p:nvPr/>
       </p:nvGrpSpPr>
@@ -2432,7 +2521,7 @@
       </p:grpSpPr>
       <p:sp>
         <p:nvSpPr>
-          <p:cNvPr id="179" name="Shape 179"/>
+          <p:cNvPr id="180" name="Shape 180"/>
           <p:cNvSpPr/>
           <p:nvPr>
             <p:ph idx="2" type="sldImg"/>
@@ -2476,7 +2565,7 @@
       </p:sp>
       <p:sp>
         <p:nvSpPr>
-          <p:cNvPr id="180" name="Shape 180"/>
+          <p:cNvPr id="181" name="Shape 181"/>
           <p:cNvSpPr txBox="1"/>
           <p:nvPr>
             <p:ph idx="1" type="body"/>
@@ -2505,7 +2594,7 @@
             </a:pPr>
             <a:r>
               <a:rPr lang="en"/>
-              <a:t>You’ll confuse people if you try to act like you know why something is when you don’t, or you might insult their intelligence.</a:t>
+              <a:t>Don’t start a presentation talking about the low level details. Start by talking about your motivations, what you wanted to learn, and then talk about your data and how you used it.</a:t>
             </a:r>
           </a:p>
         </p:txBody>
@@ -2523,7 +2612,7 @@
   <p:cSld>
     <p:spTree>
       <p:nvGrpSpPr>
-        <p:cNvPr id="184" name="Shape 184"/>
+        <p:cNvPr id="185" name="Shape 185"/>
         <p:cNvGrpSpPr/>
         <p:nvPr/>
       </p:nvGrpSpPr>
@@ -2537,7 +2626,7 @@
       </p:grpSpPr>
       <p:sp>
         <p:nvSpPr>
-          <p:cNvPr id="185" name="Shape 185"/>
+          <p:cNvPr id="186" name="Shape 186"/>
           <p:cNvSpPr/>
           <p:nvPr>
             <p:ph idx="2" type="sldImg"/>
@@ -2581,7 +2670,7 @@
       </p:sp>
       <p:sp>
         <p:nvSpPr>
-          <p:cNvPr id="186" name="Shape 186"/>
+          <p:cNvPr id="187" name="Shape 187"/>
           <p:cNvSpPr txBox="1"/>
           <p:nvPr>
             <p:ph idx="1" type="body"/>
@@ -2609,9 +2698,9 @@
               <a:buNone/>
             </a:pPr>
             <a:r>
-              <a:t/>
-            </a:r>
-            <a:endParaRPr/>
+              <a:rPr lang="en"/>
+              <a:t>You’ll confuse people if you try to act like you know why something is when you don’t, or you might insult their intelligence.</a:t>
+            </a:r>
           </a:p>
         </p:txBody>
       </p:sp>
@@ -2733,7 +2822,7 @@
   <p:cSld>
     <p:spTree>
       <p:nvGrpSpPr>
-        <p:cNvPr id="197" name="Shape 197"/>
+        <p:cNvPr id="198" name="Shape 198"/>
         <p:cNvGrpSpPr/>
         <p:nvPr/>
       </p:nvGrpSpPr>
@@ -2747,7 +2836,7 @@
       </p:grpSpPr>
       <p:sp>
         <p:nvSpPr>
-          <p:cNvPr id="198" name="Shape 198"/>
+          <p:cNvPr id="199" name="Shape 199"/>
           <p:cNvSpPr/>
           <p:nvPr>
             <p:ph idx="2" type="sldImg"/>
@@ -2791,7 +2880,7 @@
       </p:sp>
       <p:sp>
         <p:nvSpPr>
-          <p:cNvPr id="199" name="Shape 199"/>
+          <p:cNvPr id="200" name="Shape 200"/>
           <p:cNvSpPr txBox="1"/>
           <p:nvPr>
             <p:ph idx="1" type="body"/>
@@ -2819,9 +2908,9 @@
               <a:buNone/>
             </a:pPr>
             <a:r>
-              <a:rPr lang="en"/>
-              <a:t>Enter this link in your browser to download the dataset</a:t>
-            </a:r>
+              <a:t/>
+            </a:r>
+            <a:endParaRPr/>
           </a:p>
         </p:txBody>
       </p:sp>
@@ -2938,12 +3027,12 @@
 </p:notes>
 </file>
 
-<file path=ppt/notesSlides/notesSlide4.xml><?xml version="1.0" encoding="utf-8"?>
+<file path=ppt/notesSlides/notesSlide30.xml><?xml version="1.0" encoding="utf-8"?>
 <p:notes xmlns:a="http://schemas.openxmlformats.org/drawingml/2006/main" xmlns:r="http://schemas.openxmlformats.org/officeDocument/2006/relationships" xmlns:mc="http://schemas.openxmlformats.org/markup-compatibility/2006" xmlns:mv="urn:schemas-microsoft-com:mac:vml" xmlns:p="http://schemas.openxmlformats.org/presentationml/2006/main" xmlns:c="http://schemas.openxmlformats.org/drawingml/2006/chart" xmlns:dgm="http://schemas.openxmlformats.org/drawingml/2006/diagram" xmlns:o="urn:schemas-microsoft-com:office:office" xmlns:v="urn:schemas-microsoft-com:vml" xmlns:pvml="urn:schemas-microsoft-com:office:powerpoint" xmlns:com="http://schemas.openxmlformats.org/drawingml/2006/compatibility" xmlns:p14="http://schemas.microsoft.com/office/powerpoint/2010/main" showMasterPhAnim="0" showMasterSp="0">
   <p:cSld>
     <p:spTree>
       <p:nvGrpSpPr>
-        <p:cNvPr id="50" name="Shape 50"/>
+        <p:cNvPr id="204" name="Shape 204"/>
         <p:cNvGrpSpPr/>
         <p:nvPr/>
       </p:nvGrpSpPr>
@@ -2957,7 +3046,7 @@
       </p:grpSpPr>
       <p:sp>
         <p:nvSpPr>
-          <p:cNvPr id="51" name="Shape 51"/>
+          <p:cNvPr id="205" name="Shape 205"/>
           <p:cNvSpPr/>
           <p:nvPr>
             <p:ph idx="2" type="sldImg"/>
@@ -3001,7 +3090,7 @@
       </p:sp>
       <p:sp>
         <p:nvSpPr>
-          <p:cNvPr id="52" name="Shape 52"/>
+          <p:cNvPr id="206" name="Shape 206"/>
           <p:cNvSpPr txBox="1"/>
           <p:nvPr>
             <p:ph idx="1" type="body"/>
@@ -3030,15 +3119,7 @@
             </a:pPr>
             <a:r>
               <a:rPr lang="en"/>
-              <a:t>A data analyst’s job is to take a bunch of ugly, incomprehensible data and extract meaningful information from it. </a:t>
-            </a:r>
-            <a:r>
-              <a:rPr lang="en">
-                <a:solidFill>
-                  <a:schemeClr val="dk1"/>
-                </a:solidFill>
-              </a:rPr>
-              <a:t>Data analysis sounds boring, but to me it can be a very artistic thing. Creating something that is both visually appealing, and elegantly simplifies a complex subject.</a:t>
+              <a:t>Enter this link in your browser to download the dataset</a:t>
             </a:r>
           </a:p>
         </p:txBody>
@@ -3051,12 +3132,12 @@
 </p:notes>
 </file>
 
-<file path=ppt/notesSlides/notesSlide5.xml><?xml version="1.0" encoding="utf-8"?>
+<file path=ppt/notesSlides/notesSlide4.xml><?xml version="1.0" encoding="utf-8"?>
 <p:notes xmlns:a="http://schemas.openxmlformats.org/drawingml/2006/main" xmlns:r="http://schemas.openxmlformats.org/officeDocument/2006/relationships" xmlns:mc="http://schemas.openxmlformats.org/markup-compatibility/2006" xmlns:mv="urn:schemas-microsoft-com:mac:vml" xmlns:p="http://schemas.openxmlformats.org/presentationml/2006/main" xmlns:c="http://schemas.openxmlformats.org/drawingml/2006/chart" xmlns:dgm="http://schemas.openxmlformats.org/drawingml/2006/diagram" xmlns:o="urn:schemas-microsoft-com:office:office" xmlns:v="urn:schemas-microsoft-com:vml" xmlns:pvml="urn:schemas-microsoft-com:office:powerpoint" xmlns:com="http://schemas.openxmlformats.org/drawingml/2006/compatibility" xmlns:p14="http://schemas.microsoft.com/office/powerpoint/2010/main" showMasterPhAnim="0" showMasterSp="0">
   <p:cSld>
     <p:spTree>
       <p:nvGrpSpPr>
-        <p:cNvPr id="55" name="Shape 55"/>
+        <p:cNvPr id="50" name="Shape 50"/>
         <p:cNvGrpSpPr/>
         <p:nvPr/>
       </p:nvGrpSpPr>
@@ -3070,7 +3151,7 @@
       </p:grpSpPr>
       <p:sp>
         <p:nvSpPr>
-          <p:cNvPr id="56" name="Shape 56"/>
+          <p:cNvPr id="51" name="Shape 51"/>
           <p:cNvSpPr/>
           <p:nvPr>
             <p:ph idx="2" type="sldImg"/>
@@ -3114,7 +3195,7 @@
       </p:sp>
       <p:sp>
         <p:nvSpPr>
-          <p:cNvPr id="57" name="Shape 57"/>
+          <p:cNvPr id="52" name="Shape 52"/>
           <p:cNvSpPr txBox="1"/>
           <p:nvPr>
             <p:ph idx="1" type="body"/>
@@ -3135,7 +3216,7 @@
           </a:bodyPr>
           <a:lstStyle/>
           <a:p>
-            <a:pPr rtl="0">
+            <a:pPr>
               <a:spcBef>
                 <a:spcPts val="0"/>
               </a:spcBef>
@@ -3143,43 +3224,15 @@
             </a:pPr>
             <a:r>
               <a:rPr lang="en"/>
-              <a:t>Mean center of population in the US</a:t>
-            </a:r>
-          </a:p>
-          <a:p>
-            <a:pPr rtl="0">
-              <a:spcBef>
-                <a:spcPts val="0"/>
-              </a:spcBef>
-              <a:buNone/>
-            </a:pPr>
-            <a:r>
-              <a:t/>
-            </a:r>
-            <a:endParaRPr/>
-          </a:p>
-          <a:p>
-            <a:pPr rtl="0">
-              <a:spcBef>
-                <a:spcPts val="0"/>
-              </a:spcBef>
-              <a:buNone/>
-            </a:pPr>
-            <a:r>
-              <a:rPr lang="en"/>
-              <a:t>Data: US population by geographical area</a:t>
-            </a:r>
-          </a:p>
-          <a:p>
-            <a:pPr>
-              <a:spcBef>
-                <a:spcPts val="0"/>
-              </a:spcBef>
-              <a:buNone/>
-            </a:pPr>
-            <a:r>
-              <a:rPr lang="en"/>
-              <a:t>Message: Between 1790 and present day, the US population has moved westward more and more.</a:t>
+              <a:t>Data analysts take a bunch of ugly, incomprehensible data and extract meaningful information from it. </a:t>
+            </a:r>
+            <a:r>
+              <a:rPr lang="en">
+                <a:solidFill>
+                  <a:schemeClr val="dk1"/>
+                </a:solidFill>
+              </a:rPr>
+              <a:t>Data analysis sounds boring, but to me it can be a very artistic thing. Creating something that is both visually appealing, and elegantly simplifies a complex subject.</a:t>
             </a:r>
           </a:p>
         </p:txBody>
@@ -3192,12 +3245,12 @@
 </p:notes>
 </file>
 
-<file path=ppt/notesSlides/notesSlide6.xml><?xml version="1.0" encoding="utf-8"?>
+<file path=ppt/notesSlides/notesSlide5.xml><?xml version="1.0" encoding="utf-8"?>
 <p:notes xmlns:a="http://schemas.openxmlformats.org/drawingml/2006/main" xmlns:r="http://schemas.openxmlformats.org/officeDocument/2006/relationships" xmlns:mc="http://schemas.openxmlformats.org/markup-compatibility/2006" xmlns:mv="urn:schemas-microsoft-com:mac:vml" xmlns:p="http://schemas.openxmlformats.org/presentationml/2006/main" xmlns:c="http://schemas.openxmlformats.org/drawingml/2006/chart" xmlns:dgm="http://schemas.openxmlformats.org/drawingml/2006/diagram" xmlns:o="urn:schemas-microsoft-com:office:office" xmlns:v="urn:schemas-microsoft-com:vml" xmlns:pvml="urn:schemas-microsoft-com:office:powerpoint" xmlns:com="http://schemas.openxmlformats.org/drawingml/2006/compatibility" xmlns:p14="http://schemas.microsoft.com/office/powerpoint/2010/main" showMasterPhAnim="0" showMasterSp="0">
   <p:cSld>
     <p:spTree>
       <p:nvGrpSpPr>
-        <p:cNvPr id="60" name="Shape 60"/>
+        <p:cNvPr id="55" name="Shape 55"/>
         <p:cNvGrpSpPr/>
         <p:nvPr/>
       </p:nvGrpSpPr>
@@ -3211,7 +3264,7 @@
       </p:grpSpPr>
       <p:sp>
         <p:nvSpPr>
-          <p:cNvPr id="61" name="Shape 61"/>
+          <p:cNvPr id="56" name="Shape 56"/>
           <p:cNvSpPr/>
           <p:nvPr>
             <p:ph idx="2" type="sldImg"/>
@@ -3255,7 +3308,7 @@
       </p:sp>
       <p:sp>
         <p:nvSpPr>
-          <p:cNvPr id="62" name="Shape 62"/>
+          <p:cNvPr id="57" name="Shape 57"/>
           <p:cNvSpPr txBox="1"/>
           <p:nvPr>
             <p:ph idx="1" type="body"/>
@@ -3284,7 +3337,7 @@
             </a:pPr>
             <a:r>
               <a:rPr lang="en"/>
-              <a:t>John Snow’s Cholea map</a:t>
+              <a:t>Mean center of population in the US</a:t>
             </a:r>
           </a:p>
           <a:p>
@@ -3308,7 +3361,7 @@
             </a:pPr>
             <a:r>
               <a:rPr lang="en"/>
-              <a:t>Data: Incidences of cholera by address in london.</a:t>
+              <a:t>Data: US population by geographical area</a:t>
             </a:r>
           </a:p>
           <a:p>
@@ -3320,7 +3373,7 @@
             </a:pPr>
             <a:r>
               <a:rPr lang="en"/>
-              <a:t>Message: A water pump on broad street is the source of the cholera outbreak.</a:t>
+              <a:t>Message: Between 1790 and present day, the US population has moved westward more and more.</a:t>
             </a:r>
           </a:p>
         </p:txBody>
@@ -3333,12 +3386,12 @@
 </p:notes>
 </file>
 
-<file path=ppt/notesSlides/notesSlide7.xml><?xml version="1.0" encoding="utf-8"?>
+<file path=ppt/notesSlides/notesSlide6.xml><?xml version="1.0" encoding="utf-8"?>
 <p:notes xmlns:a="http://schemas.openxmlformats.org/drawingml/2006/main" xmlns:r="http://schemas.openxmlformats.org/officeDocument/2006/relationships" xmlns:mc="http://schemas.openxmlformats.org/markup-compatibility/2006" xmlns:mv="urn:schemas-microsoft-com:mac:vml" xmlns:p="http://schemas.openxmlformats.org/presentationml/2006/main" xmlns:c="http://schemas.openxmlformats.org/drawingml/2006/chart" xmlns:dgm="http://schemas.openxmlformats.org/drawingml/2006/diagram" xmlns:o="urn:schemas-microsoft-com:office:office" xmlns:v="urn:schemas-microsoft-com:vml" xmlns:pvml="urn:schemas-microsoft-com:office:powerpoint" xmlns:com="http://schemas.openxmlformats.org/drawingml/2006/compatibility" xmlns:p14="http://schemas.microsoft.com/office/powerpoint/2010/main" showMasterPhAnim="0" showMasterSp="0">
   <p:cSld>
     <p:spTree>
       <p:nvGrpSpPr>
-        <p:cNvPr id="65" name="Shape 65"/>
+        <p:cNvPr id="60" name="Shape 60"/>
         <p:cNvGrpSpPr/>
         <p:nvPr/>
       </p:nvGrpSpPr>
@@ -3352,7 +3405,7 @@
       </p:grpSpPr>
       <p:sp>
         <p:nvSpPr>
-          <p:cNvPr id="66" name="Shape 66"/>
+          <p:cNvPr id="61" name="Shape 61"/>
           <p:cNvSpPr/>
           <p:nvPr>
             <p:ph idx="2" type="sldImg"/>
@@ -3396,7 +3449,7 @@
       </p:sp>
       <p:sp>
         <p:nvSpPr>
-          <p:cNvPr id="67" name="Shape 67"/>
+          <p:cNvPr id="62" name="Shape 62"/>
           <p:cNvSpPr txBox="1"/>
           <p:nvPr>
             <p:ph idx="1" type="body"/>
@@ -3425,7 +3478,7 @@
             </a:pPr>
             <a:r>
               <a:rPr lang="en"/>
-              <a:t>Minard’s visualization of Napoleon’s russian campaign in the war of 1812. Napoleon marched his troops east and russian troops just kept retreating all the way to moscow, burning all the crops and shelter before they left. Eventually due to a lack of rations and exaustion, napoleon had to retreat his troops back to france, but seeing as it was nearly winter, he lost almost his entire army to cold and starvation during the journey home.</a:t>
+              <a:t>John Snow’s Cholera map</a:t>
             </a:r>
           </a:p>
           <a:p>
@@ -3449,7 +3502,7 @@
             </a:pPr>
             <a:r>
               <a:rPr lang="en"/>
-              <a:t>Data: Number and location of napoleon’s troops, as well as the temperature.</a:t>
+              <a:t>Data: Incidences of cholera by address in london.</a:t>
             </a:r>
           </a:p>
           <a:p>
@@ -3461,7 +3514,7 @@
             </a:pPr>
             <a:r>
               <a:rPr lang="en"/>
-              <a:t>Message: Napoleon made a huge mistake.</a:t>
+              <a:t>Message: A water pump on broad street is the source of the cholera outbreak.</a:t>
             </a:r>
           </a:p>
         </p:txBody>
@@ -3474,12 +3527,12 @@
 </p:notes>
 </file>
 
-<file path=ppt/notesSlides/notesSlide8.xml><?xml version="1.0" encoding="utf-8"?>
+<file path=ppt/notesSlides/notesSlide7.xml><?xml version="1.0" encoding="utf-8"?>
 <p:notes xmlns:a="http://schemas.openxmlformats.org/drawingml/2006/main" xmlns:r="http://schemas.openxmlformats.org/officeDocument/2006/relationships" xmlns:mc="http://schemas.openxmlformats.org/markup-compatibility/2006" xmlns:mv="urn:schemas-microsoft-com:mac:vml" xmlns:p="http://schemas.openxmlformats.org/presentationml/2006/main" xmlns:c="http://schemas.openxmlformats.org/drawingml/2006/chart" xmlns:dgm="http://schemas.openxmlformats.org/drawingml/2006/diagram" xmlns:o="urn:schemas-microsoft-com:office:office" xmlns:v="urn:schemas-microsoft-com:vml" xmlns:pvml="urn:schemas-microsoft-com:office:powerpoint" xmlns:com="http://schemas.openxmlformats.org/drawingml/2006/compatibility" xmlns:p14="http://schemas.microsoft.com/office/powerpoint/2010/main" showMasterPhAnim="0" showMasterSp="0">
   <p:cSld>
     <p:spTree>
       <p:nvGrpSpPr>
-        <p:cNvPr id="70" name="Shape 70"/>
+        <p:cNvPr id="65" name="Shape 65"/>
         <p:cNvGrpSpPr/>
         <p:nvPr/>
       </p:nvGrpSpPr>
@@ -3493,7 +3546,7 @@
       </p:grpSpPr>
       <p:sp>
         <p:nvSpPr>
-          <p:cNvPr id="71" name="Shape 71"/>
+          <p:cNvPr id="66" name="Shape 66"/>
           <p:cNvSpPr/>
           <p:nvPr>
             <p:ph idx="2" type="sldImg"/>
@@ -3537,7 +3590,7 @@
       </p:sp>
       <p:sp>
         <p:nvSpPr>
-          <p:cNvPr id="72" name="Shape 72"/>
+          <p:cNvPr id="67" name="Shape 67"/>
           <p:cNvSpPr txBox="1"/>
           <p:nvPr>
             <p:ph idx="1" type="body"/>
@@ -3565,16 +3618,8 @@
               <a:buNone/>
             </a:pPr>
             <a:r>
-              <a:rPr lang="en">
-                <a:solidFill>
-                  <a:schemeClr val="dk1"/>
-                </a:solidFill>
-                <a:latin typeface="Times New Roman"/>
-                <a:ea typeface="Times New Roman"/>
-                <a:cs typeface="Times New Roman"/>
-                <a:sym typeface="Times New Roman"/>
-              </a:rPr>
-              <a:t>Megan Jaegerman </a:t>
+              <a:rPr lang="en"/>
+              <a:t>Minard’s visualization of Napoleon’s russian campaign in the war of 1812. Napoleon marched his troops east and russian troops just kept retreating all the way to moscow, burning all the crops and shelter before they left. Eventually due to a lack of rations and exaustion, napoleon had to retreat his troops back to france, but seeing as it was nearly winter, he lost almost his entire army to cold and starvation during the journey home.</a:t>
             </a:r>
           </a:p>
           <a:p>
@@ -3587,15 +3632,7 @@
             <a:r>
               <a:t/>
             </a:r>
-            <a:endParaRPr>
-              <a:solidFill>
-                <a:schemeClr val="dk1"/>
-              </a:solidFill>
-              <a:latin typeface="Times New Roman"/>
-              <a:ea typeface="Times New Roman"/>
-              <a:cs typeface="Times New Roman"/>
-              <a:sym typeface="Times New Roman"/>
-            </a:endParaRPr>
+            <a:endParaRPr/>
           </a:p>
           <a:p>
             <a:pPr rtl="0">
@@ -3605,36 +3642,8 @@
               <a:buNone/>
             </a:pPr>
             <a:r>
-              <a:rPr lang="en">
-                <a:solidFill>
-                  <a:schemeClr val="dk1"/>
-                </a:solidFill>
-                <a:latin typeface="Times New Roman"/>
-                <a:ea typeface="Times New Roman"/>
-                <a:cs typeface="Times New Roman"/>
-                <a:sym typeface="Times New Roman"/>
-              </a:rPr>
-              <a:t>Demonstrates relative costs and effectiveness of lawn cutting equipment</a:t>
-            </a:r>
-          </a:p>
-          <a:p>
-            <a:pPr rtl="0">
-              <a:spcBef>
-                <a:spcPts val="0"/>
-              </a:spcBef>
-              <a:buNone/>
-            </a:pPr>
-            <a:r>
-              <a:rPr lang="en">
-                <a:solidFill>
-                  <a:schemeClr val="dk1"/>
-                </a:solidFill>
-                <a:latin typeface="Times New Roman"/>
-                <a:ea typeface="Times New Roman"/>
-                <a:cs typeface="Times New Roman"/>
-                <a:sym typeface="Times New Roman"/>
-              </a:rPr>
-              <a:t>Data: Outdoor Power Equipment Company</a:t>
+              <a:rPr lang="en"/>
+              <a:t>Data: Number and location of napoleon’s troops, as well as the temperature.</a:t>
             </a:r>
           </a:p>
           <a:p>
@@ -3645,17 +3654,114 @@
               <a:buNone/>
             </a:pPr>
             <a:r>
-              <a:rPr lang="en">
-                <a:solidFill>
-                  <a:schemeClr val="dk1"/>
-                </a:solidFill>
-                <a:latin typeface="Times New Roman"/>
-                <a:ea typeface="Times New Roman"/>
-                <a:cs typeface="Times New Roman"/>
-                <a:sym typeface="Times New Roman"/>
-              </a:rPr>
-              <a:t>Message: Maybe Sheep are the cheapest solution?</a:t>
-            </a:r>
+              <a:rPr lang="en"/>
+              <a:t>Message: Napoleon made a huge mistake.</a:t>
+            </a:r>
+          </a:p>
+        </p:txBody>
+      </p:sp>
+    </p:spTree>
+  </p:cSld>
+  <p:clrMapOvr>
+    <a:masterClrMapping/>
+  </p:clrMapOvr>
+</p:notes>
+</file>
+
+<file path=ppt/notesSlides/notesSlide8.xml><?xml version="1.0" encoding="utf-8"?>
+<p:notes xmlns:a="http://schemas.openxmlformats.org/drawingml/2006/main" xmlns:r="http://schemas.openxmlformats.org/officeDocument/2006/relationships" xmlns:mc="http://schemas.openxmlformats.org/markup-compatibility/2006" xmlns:mv="urn:schemas-microsoft-com:mac:vml" xmlns:p="http://schemas.openxmlformats.org/presentationml/2006/main" xmlns:c="http://schemas.openxmlformats.org/drawingml/2006/chart" xmlns:dgm="http://schemas.openxmlformats.org/drawingml/2006/diagram" xmlns:o="urn:schemas-microsoft-com:office:office" xmlns:v="urn:schemas-microsoft-com:vml" xmlns:pvml="urn:schemas-microsoft-com:office:powerpoint" xmlns:com="http://schemas.openxmlformats.org/drawingml/2006/compatibility" xmlns:p14="http://schemas.microsoft.com/office/powerpoint/2010/main" showMasterPhAnim="0" showMasterSp="0">
+  <p:cSld>
+    <p:spTree>
+      <p:nvGrpSpPr>
+        <p:cNvPr id="70" name="Shape 70"/>
+        <p:cNvGrpSpPr/>
+        <p:nvPr/>
+      </p:nvGrpSpPr>
+      <p:grpSpPr>
+        <a:xfrm>
+          <a:off x="0" y="0"/>
+          <a:ext cx="0" cy="0"/>
+          <a:chOff x="0" y="0"/>
+          <a:chExt cx="0" cy="0"/>
+        </a:xfrm>
+      </p:grpSpPr>
+      <p:sp>
+        <p:nvSpPr>
+          <p:cNvPr id="71" name="Shape 71"/>
+          <p:cNvSpPr/>
+          <p:nvPr>
+            <p:ph idx="2" type="sldImg"/>
+          </p:nvPr>
+        </p:nvSpPr>
+        <p:spPr>
+          <a:xfrm>
+            <a:off x="381300" y="685800"/>
+            <a:ext cx="6096000" cy="3429000"/>
+          </a:xfrm>
+          <a:custGeom>
+            <a:pathLst>
+              <a:path extrusionOk="0" h="120000" w="120000">
+                <a:moveTo>
+                  <a:pt x="0" y="0"/>
+                </a:moveTo>
+                <a:lnTo>
+                  <a:pt x="120000" y="0"/>
+                </a:lnTo>
+                <a:lnTo>
+                  <a:pt x="120000" y="120000"/>
+                </a:lnTo>
+                <a:lnTo>
+                  <a:pt x="0" y="120000"/>
+                </a:lnTo>
+                <a:close/>
+              </a:path>
+            </a:pathLst>
+          </a:custGeom>
+          <a:noFill/>
+          <a:ln cap="flat" cmpd="sng" w="9525">
+            <a:solidFill>
+              <a:srgbClr val="000000"/>
+            </a:solidFill>
+            <a:prstDash val="solid"/>
+            <a:round/>
+            <a:headEnd len="med" w="med" type="none"/>
+            <a:tailEnd len="med" w="med" type="none"/>
+          </a:ln>
+        </p:spPr>
+      </p:sp>
+      <p:sp>
+        <p:nvSpPr>
+          <p:cNvPr id="72" name="Shape 72"/>
+          <p:cNvSpPr txBox="1"/>
+          <p:nvPr>
+            <p:ph idx="1" type="body"/>
+          </p:nvPr>
+        </p:nvSpPr>
+        <p:spPr>
+          <a:xfrm>
+            <a:off x="685800" y="4343400"/>
+            <a:ext cx="5486399" cy="4114800"/>
+          </a:xfrm>
+          <a:prstGeom prst="rect">
+            <a:avLst/>
+          </a:prstGeom>
+        </p:spPr>
+        <p:txBody>
+          <a:bodyPr anchorCtr="0" anchor="t" bIns="91425" lIns="91425" rIns="91425" tIns="91425">
+            <a:noAutofit/>
+          </a:bodyPr>
+          <a:lstStyle/>
+          <a:p>
+            <a:pPr>
+              <a:spcBef>
+                <a:spcPts val="0"/>
+              </a:spcBef>
+              <a:buNone/>
+            </a:pPr>
+            <a:r>
+              <a:t/>
+            </a:r>
+            <a:endParaRPr/>
           </a:p>
         </p:txBody>
       </p:sp>
@@ -6021,8 +6127,8 @@
         </p:blipFill>
         <p:spPr>
           <a:xfrm>
-            <a:off x="285750" y="0"/>
-            <a:ext cx="8572499" cy="5143499"/>
+            <a:off x="2303884" y="0"/>
+            <a:ext cx="4536230" cy="5143499"/>
           </a:xfrm>
           <a:prstGeom prst="rect">
             <a:avLst/>
@@ -7206,7 +7312,7 @@
             </a:pPr>
             <a:r>
               <a:rPr lang="en"/>
-              <a:t>The Line Chart</a:t>
+              <a:t>The Histogram</a:t>
             </a:r>
           </a:p>
         </p:txBody>
@@ -7221,8 +7327,8 @@
         </p:nvSpPr>
         <p:spPr>
           <a:xfrm>
-            <a:off x="457200" y="3921000"/>
-            <a:ext cx="8229600" cy="1005000"/>
+            <a:off x="457200" y="1200150"/>
+            <a:ext cx="3123300" cy="3725699"/>
           </a:xfrm>
           <a:prstGeom prst="rect">
             <a:avLst/>
@@ -7247,7 +7353,7 @@
             </a:pPr>
             <a:r>
               <a:rPr lang="en"/>
-              <a:t>More suitable for “continuous” data</a:t>
+              <a:t>Used to show the distribution of some data</a:t>
             </a:r>
           </a:p>
         </p:txBody>
@@ -7268,8 +7374,8 @@
         </p:blipFill>
         <p:spPr>
           <a:xfrm>
-            <a:off x="625975" y="1063374"/>
-            <a:ext cx="7329898" cy="2756574"/>
+            <a:off x="3580500" y="1431275"/>
+            <a:ext cx="5577499" cy="2976150"/>
           </a:xfrm>
           <a:prstGeom prst="rect">
             <a:avLst/>
@@ -7339,14 +7445,55 @@
             </a:pPr>
             <a:r>
               <a:rPr lang="en"/>
-              <a:t>The Scatterplot</a:t>
+              <a:t>The Line Chart</a:t>
+            </a:r>
+          </a:p>
+        </p:txBody>
+      </p:sp>
+      <p:sp>
+        <p:nvSpPr>
+          <p:cNvPr id="145" name="Shape 145"/>
+          <p:cNvSpPr txBox="1"/>
+          <p:nvPr>
+            <p:ph idx="1" type="body"/>
+          </p:nvPr>
+        </p:nvSpPr>
+        <p:spPr>
+          <a:xfrm>
+            <a:off x="457200" y="3921000"/>
+            <a:ext cx="8229600" cy="1005000"/>
+          </a:xfrm>
+          <a:prstGeom prst="rect">
+            <a:avLst/>
+          </a:prstGeom>
+        </p:spPr>
+        <p:txBody>
+          <a:bodyPr anchorCtr="0" anchor="t" bIns="91425" lIns="91425" rIns="91425" tIns="91425">
+            <a:noAutofit/>
+          </a:bodyPr>
+          <a:lstStyle/>
+          <a:p>
+            <a:pPr indent="-419100" lvl="0" marL="457200">
+              <a:spcBef>
+                <a:spcPts val="0"/>
+              </a:spcBef>
+              <a:buClr>
+                <a:schemeClr val="dk1"/>
+              </a:buClr>
+              <a:buSzPct val="100000"/>
+              <a:buFont typeface="Arial"/>
+              <a:buChar char="●"/>
+            </a:pPr>
+            <a:r>
+              <a:rPr lang="en"/>
+              <a:t>More suitable for “continuous” data</a:t>
             </a:r>
           </a:p>
         </p:txBody>
       </p:sp>
       <p:pic>
         <p:nvPicPr>
-          <p:cNvPr id="145" name="Shape 145"/>
+          <p:cNvPr id="146" name="Shape 146"/>
           <p:cNvPicPr preferRelativeResize="0"/>
           <p:nvPr/>
         </p:nvPicPr>
@@ -7360,8 +7507,8 @@
         </p:blipFill>
         <p:spPr>
           <a:xfrm>
-            <a:off x="4557400" y="1282425"/>
-            <a:ext cx="4050301" cy="3127725"/>
+            <a:off x="625975" y="1063374"/>
+            <a:ext cx="7329898" cy="2756574"/>
           </a:xfrm>
           <a:prstGeom prst="rect">
             <a:avLst/>
@@ -7372,64 +7519,6 @@
           </a:ln>
         </p:spPr>
       </p:pic>
-      <p:sp>
-        <p:nvSpPr>
-          <p:cNvPr id="146" name="Shape 146"/>
-          <p:cNvSpPr txBox="1"/>
-          <p:nvPr>
-            <p:ph idx="1" type="body"/>
-          </p:nvPr>
-        </p:nvSpPr>
-        <p:spPr>
-          <a:xfrm>
-            <a:off x="457200" y="1200150"/>
-            <a:ext cx="3990599" cy="3725699"/>
-          </a:xfrm>
-          <a:prstGeom prst="rect">
-            <a:avLst/>
-          </a:prstGeom>
-        </p:spPr>
-        <p:txBody>
-          <a:bodyPr anchorCtr="0" anchor="t" bIns="91425" lIns="91425" rIns="91425" tIns="91425">
-            <a:noAutofit/>
-          </a:bodyPr>
-          <a:lstStyle/>
-          <a:p>
-            <a:pPr indent="-419100" lvl="0" marL="457200" rtl="0">
-              <a:spcBef>
-                <a:spcPts val="0"/>
-              </a:spcBef>
-              <a:buClr>
-                <a:schemeClr val="dk1"/>
-              </a:buClr>
-              <a:buSzPct val="100000"/>
-              <a:buFont typeface="Arial"/>
-              <a:buChar char="●"/>
-            </a:pPr>
-            <a:r>
-              <a:rPr lang="en"/>
-              <a:t>Shows relationship between two variables</a:t>
-            </a:r>
-          </a:p>
-          <a:p>
-            <a:pPr indent="-419100" lvl="0" marL="457200">
-              <a:spcBef>
-                <a:spcPts val="0"/>
-              </a:spcBef>
-              <a:buClr>
-                <a:schemeClr val="dk1"/>
-              </a:buClr>
-              <a:buSzPct val="100000"/>
-              <a:buFont typeface="Arial"/>
-              <a:buChar char="●"/>
-            </a:pPr>
-            <a:r>
-              <a:rPr lang="en"/>
-              <a:t>Continuous or discrete/ordinal variables</a:t>
-            </a:r>
-          </a:p>
-        </p:txBody>
-      </p:sp>
     </p:spTree>
   </p:cSld>
   <p:clrMapOvr>
@@ -7489,14 +7578,42 @@
             </a:pPr>
             <a:r>
               <a:rPr lang="en"/>
-              <a:t>Presentation Advice</a:t>
+              <a:t>The Scatterplot</a:t>
             </a:r>
           </a:p>
         </p:txBody>
       </p:sp>
-      <p:sp>
-        <p:nvSpPr>
+      <p:pic>
+        <p:nvPicPr>
           <p:cNvPr id="152" name="Shape 152"/>
+          <p:cNvPicPr preferRelativeResize="0"/>
+          <p:nvPr/>
+        </p:nvPicPr>
+        <p:blipFill>
+          <a:blip r:embed="rId3">
+            <a:alphaModFix/>
+          </a:blip>
+          <a:stretch>
+            <a:fillRect/>
+          </a:stretch>
+        </p:blipFill>
+        <p:spPr>
+          <a:xfrm>
+            <a:off x="4557400" y="1282425"/>
+            <a:ext cx="4050301" cy="3127725"/>
+          </a:xfrm>
+          <a:prstGeom prst="rect">
+            <a:avLst/>
+          </a:prstGeom>
+          <a:noFill/>
+          <a:ln>
+            <a:noFill/>
+          </a:ln>
+        </p:spPr>
+      </p:pic>
+      <p:sp>
+        <p:nvSpPr>
+          <p:cNvPr id="153" name="Shape 153"/>
           <p:cNvSpPr txBox="1"/>
           <p:nvPr>
             <p:ph idx="1" type="body"/>
@@ -7505,7 +7622,7 @@
         <p:spPr>
           <a:xfrm>
             <a:off x="457200" y="1200150"/>
-            <a:ext cx="8229600" cy="3725699"/>
+            <a:ext cx="3990599" cy="3725699"/>
           </a:xfrm>
           <a:prstGeom prst="rect">
             <a:avLst/>
@@ -7517,16 +7634,38 @@
           </a:bodyPr>
           <a:lstStyle/>
           <a:p>
-            <a:pPr>
-              <a:spcBef>
-                <a:spcPts val="0"/>
-              </a:spcBef>
-              <a:buNone/>
-            </a:pPr>
-            <a:r>
-              <a:t/>
-            </a:r>
-            <a:endParaRPr/>
+            <a:pPr indent="-419100" lvl="0" marL="457200" rtl="0">
+              <a:spcBef>
+                <a:spcPts val="0"/>
+              </a:spcBef>
+              <a:buClr>
+                <a:schemeClr val="dk1"/>
+              </a:buClr>
+              <a:buSzPct val="100000"/>
+              <a:buFont typeface="Arial"/>
+              <a:buChar char="●"/>
+            </a:pPr>
+            <a:r>
+              <a:rPr lang="en"/>
+              <a:t>Shows relationship between two variables</a:t>
+            </a:r>
+          </a:p>
+          <a:p>
+            <a:pPr indent="-419100" lvl="0" marL="457200">
+              <a:spcBef>
+                <a:spcPts val="0"/>
+              </a:spcBef>
+              <a:buClr>
+                <a:schemeClr val="dk1"/>
+              </a:buClr>
+              <a:buSzPct val="100000"/>
+              <a:buFont typeface="Arial"/>
+              <a:buChar char="●"/>
+            </a:pPr>
+            <a:r>
+              <a:rPr lang="en"/>
+              <a:t>Continuous or discrete/ordinal variables</a:t>
+            </a:r>
           </a:p>
         </p:txBody>
       </p:sp>
@@ -7546,7 +7685,7 @@
   <p:cSld>
     <p:spTree>
       <p:nvGrpSpPr>
-        <p:cNvPr id="156" name="Shape 156"/>
+        <p:cNvPr id="157" name="Shape 157"/>
         <p:cNvGrpSpPr/>
         <p:nvPr/>
       </p:nvGrpSpPr>
@@ -7560,7 +7699,7 @@
       </p:grpSpPr>
       <p:sp>
         <p:nvSpPr>
-          <p:cNvPr id="157" name="Shape 157"/>
+          <p:cNvPr id="158" name="Shape 158"/>
           <p:cNvSpPr txBox="1"/>
           <p:nvPr>
             <p:ph type="title"/>
@@ -7581,246 +7720,6 @@
           </a:bodyPr>
           <a:lstStyle/>
           <a:p>
-            <a:pPr rtl="0">
-              <a:spcBef>
-                <a:spcPts val="0"/>
-              </a:spcBef>
-              <a:buNone/>
-            </a:pPr>
-            <a:r>
-              <a:t/>
-            </a:r>
-            <a:endParaRPr/>
-          </a:p>
-          <a:p>
-            <a:pPr rtl="0">
-              <a:spcBef>
-                <a:spcPts val="0"/>
-              </a:spcBef>
-              <a:buNone/>
-            </a:pPr>
-            <a:r>
-              <a:t/>
-            </a:r>
-            <a:endParaRPr/>
-          </a:p>
-          <a:p>
-            <a:pPr rtl="0">
-              <a:spcBef>
-                <a:spcPts val="0"/>
-              </a:spcBef>
-              <a:buNone/>
-            </a:pPr>
-            <a:r>
-              <a:t/>
-            </a:r>
-            <a:endParaRPr/>
-          </a:p>
-          <a:p>
-            <a:pPr rtl="0">
-              <a:spcBef>
-                <a:spcPts val="0"/>
-              </a:spcBef>
-              <a:buNone/>
-            </a:pPr>
-            <a:r>
-              <a:t/>
-            </a:r>
-            <a:endParaRPr/>
-          </a:p>
-          <a:p>
-            <a:pPr rtl="0">
-              <a:spcBef>
-                <a:spcPts val="0"/>
-              </a:spcBef>
-              <a:buNone/>
-            </a:pPr>
-            <a:r>
-              <a:t/>
-            </a:r>
-            <a:endParaRPr/>
-          </a:p>
-          <a:p>
-            <a:pPr rtl="0">
-              <a:spcBef>
-                <a:spcPts val="0"/>
-              </a:spcBef>
-              <a:buNone/>
-            </a:pPr>
-            <a:r>
-              <a:t/>
-            </a:r>
-            <a:endParaRPr/>
-          </a:p>
-          <a:p>
-            <a:pPr rtl="0">
-              <a:spcBef>
-                <a:spcPts val="0"/>
-              </a:spcBef>
-              <a:buNone/>
-            </a:pPr>
-            <a:r>
-              <a:t/>
-            </a:r>
-            <a:endParaRPr/>
-          </a:p>
-          <a:p>
-            <a:pPr rtl="0">
-              <a:spcBef>
-                <a:spcPts val="0"/>
-              </a:spcBef>
-              <a:buNone/>
-            </a:pPr>
-            <a:r>
-              <a:t/>
-            </a:r>
-            <a:endParaRPr/>
-          </a:p>
-          <a:p>
-            <a:pPr rtl="0">
-              <a:spcBef>
-                <a:spcPts val="0"/>
-              </a:spcBef>
-              <a:buNone/>
-            </a:pPr>
-            <a:r>
-              <a:t/>
-            </a:r>
-            <a:endParaRPr/>
-          </a:p>
-          <a:p>
-            <a:pPr rtl="0">
-              <a:spcBef>
-                <a:spcPts val="0"/>
-              </a:spcBef>
-              <a:buNone/>
-            </a:pPr>
-            <a:r>
-              <a:t/>
-            </a:r>
-            <a:endParaRPr/>
-          </a:p>
-          <a:p>
-            <a:pPr rtl="0">
-              <a:spcBef>
-                <a:spcPts val="0"/>
-              </a:spcBef>
-              <a:buNone/>
-            </a:pPr>
-            <a:r>
-              <a:t/>
-            </a:r>
-            <a:endParaRPr/>
-          </a:p>
-          <a:p>
-            <a:pPr rtl="0">
-              <a:spcBef>
-                <a:spcPts val="0"/>
-              </a:spcBef>
-              <a:buNone/>
-            </a:pPr>
-            <a:r>
-              <a:t/>
-            </a:r>
-            <a:endParaRPr/>
-          </a:p>
-          <a:p>
-            <a:pPr rtl="0">
-              <a:spcBef>
-                <a:spcPts val="0"/>
-              </a:spcBef>
-              <a:buNone/>
-            </a:pPr>
-            <a:r>
-              <a:t/>
-            </a:r>
-            <a:endParaRPr/>
-          </a:p>
-          <a:p>
-            <a:pPr rtl="0">
-              <a:spcBef>
-                <a:spcPts val="0"/>
-              </a:spcBef>
-              <a:buNone/>
-            </a:pPr>
-            <a:r>
-              <a:t/>
-            </a:r>
-            <a:endParaRPr/>
-          </a:p>
-          <a:p>
-            <a:pPr rtl="0">
-              <a:spcBef>
-                <a:spcPts val="0"/>
-              </a:spcBef>
-              <a:buNone/>
-            </a:pPr>
-            <a:r>
-              <a:t/>
-            </a:r>
-            <a:endParaRPr/>
-          </a:p>
-          <a:p>
-            <a:pPr rtl="0">
-              <a:spcBef>
-                <a:spcPts val="0"/>
-              </a:spcBef>
-              <a:buNone/>
-            </a:pPr>
-            <a:r>
-              <a:t/>
-            </a:r>
-            <a:endParaRPr/>
-          </a:p>
-          <a:p>
-            <a:pPr rtl="0">
-              <a:spcBef>
-                <a:spcPts val="0"/>
-              </a:spcBef>
-              <a:buNone/>
-            </a:pPr>
-            <a:r>
-              <a:t/>
-            </a:r>
-            <a:endParaRPr/>
-          </a:p>
-          <a:p>
-            <a:pPr rtl="0">
-              <a:spcBef>
-                <a:spcPts val="0"/>
-              </a:spcBef>
-              <a:buNone/>
-            </a:pPr>
-            <a:r>
-              <a:t/>
-            </a:r>
-            <a:endParaRPr/>
-          </a:p>
-          <a:p>
-            <a:pPr rtl="0">
-              <a:spcBef>
-                <a:spcPts val="0"/>
-              </a:spcBef>
-              <a:buNone/>
-            </a:pPr>
-            <a:r>
-              <a:t/>
-            </a:r>
-            <a:endParaRPr/>
-          </a:p>
-          <a:p>
-            <a:pPr rtl="0">
-              <a:spcBef>
-                <a:spcPts val="0"/>
-              </a:spcBef>
-              <a:buNone/>
-            </a:pPr>
-            <a:r>
-              <a:t/>
-            </a:r>
-            <a:endParaRPr/>
-          </a:p>
-          <a:p>
             <a:pPr>
               <a:spcBef>
                 <a:spcPts val="0"/>
@@ -7829,14 +7728,14 @@
             </a:pPr>
             <a:r>
               <a:rPr lang="en"/>
-              <a:t>Know Your Audience</a:t>
+              <a:t>Presentation Advice</a:t>
             </a:r>
           </a:p>
         </p:txBody>
       </p:sp>
       <p:sp>
         <p:nvSpPr>
-          <p:cNvPr id="158" name="Shape 158"/>
+          <p:cNvPr id="159" name="Shape 159"/>
           <p:cNvSpPr txBox="1"/>
           <p:nvPr>
             <p:ph idx="1" type="body"/>
@@ -7857,38 +7756,16 @@
           </a:bodyPr>
           <a:lstStyle/>
           <a:p>
-            <a:pPr indent="-419100" lvl="0" marL="457200" rtl="0">
-              <a:spcBef>
-                <a:spcPts val="0"/>
-              </a:spcBef>
-              <a:buClr>
-                <a:schemeClr val="dk1"/>
-              </a:buClr>
-              <a:buSzPct val="100000"/>
-              <a:buFont typeface="Arial"/>
-              <a:buChar char="●"/>
-            </a:pPr>
-            <a:r>
-              <a:rPr lang="en"/>
-              <a:t>Who is going to be in the room?</a:t>
-            </a:r>
-          </a:p>
-          <a:p>
-            <a:pPr indent="-419100" lvl="0" marL="457200">
-              <a:spcBef>
-                <a:spcPts val="0"/>
-              </a:spcBef>
-              <a:buClr>
-                <a:schemeClr val="dk1"/>
-              </a:buClr>
-              <a:buSzPct val="100000"/>
-              <a:buFont typeface="Arial"/>
-              <a:buChar char="●"/>
-            </a:pPr>
-            <a:r>
-              <a:rPr lang="en"/>
-              <a:t>Will they care more about the “how”, the “why”, or the “so what?”</a:t>
-            </a:r>
+            <a:pPr>
+              <a:spcBef>
+                <a:spcPts val="0"/>
+              </a:spcBef>
+              <a:buNone/>
+            </a:pPr>
+            <a:r>
+              <a:t/>
+            </a:r>
+            <a:endParaRPr/>
           </a:p>
         </p:txBody>
       </p:sp>
@@ -7908,7 +7785,7 @@
   <p:cSld>
     <p:spTree>
       <p:nvGrpSpPr>
-        <p:cNvPr id="162" name="Shape 162"/>
+        <p:cNvPr id="163" name="Shape 163"/>
         <p:cNvGrpSpPr/>
         <p:nvPr/>
       </p:nvGrpSpPr>
@@ -7922,7 +7799,7 @@
       </p:grpSpPr>
       <p:sp>
         <p:nvSpPr>
-          <p:cNvPr id="163" name="Shape 163"/>
+          <p:cNvPr id="164" name="Shape 164"/>
           <p:cNvSpPr txBox="1"/>
           <p:nvPr>
             <p:ph type="title"/>
@@ -7943,6 +7820,246 @@
           </a:bodyPr>
           <a:lstStyle/>
           <a:p>
+            <a:pPr rtl="0">
+              <a:spcBef>
+                <a:spcPts val="0"/>
+              </a:spcBef>
+              <a:buNone/>
+            </a:pPr>
+            <a:r>
+              <a:t/>
+            </a:r>
+            <a:endParaRPr/>
+          </a:p>
+          <a:p>
+            <a:pPr rtl="0">
+              <a:spcBef>
+                <a:spcPts val="0"/>
+              </a:spcBef>
+              <a:buNone/>
+            </a:pPr>
+            <a:r>
+              <a:t/>
+            </a:r>
+            <a:endParaRPr/>
+          </a:p>
+          <a:p>
+            <a:pPr rtl="0">
+              <a:spcBef>
+                <a:spcPts val="0"/>
+              </a:spcBef>
+              <a:buNone/>
+            </a:pPr>
+            <a:r>
+              <a:t/>
+            </a:r>
+            <a:endParaRPr/>
+          </a:p>
+          <a:p>
+            <a:pPr rtl="0">
+              <a:spcBef>
+                <a:spcPts val="0"/>
+              </a:spcBef>
+              <a:buNone/>
+            </a:pPr>
+            <a:r>
+              <a:t/>
+            </a:r>
+            <a:endParaRPr/>
+          </a:p>
+          <a:p>
+            <a:pPr rtl="0">
+              <a:spcBef>
+                <a:spcPts val="0"/>
+              </a:spcBef>
+              <a:buNone/>
+            </a:pPr>
+            <a:r>
+              <a:t/>
+            </a:r>
+            <a:endParaRPr/>
+          </a:p>
+          <a:p>
+            <a:pPr rtl="0">
+              <a:spcBef>
+                <a:spcPts val="0"/>
+              </a:spcBef>
+              <a:buNone/>
+            </a:pPr>
+            <a:r>
+              <a:t/>
+            </a:r>
+            <a:endParaRPr/>
+          </a:p>
+          <a:p>
+            <a:pPr rtl="0">
+              <a:spcBef>
+                <a:spcPts val="0"/>
+              </a:spcBef>
+              <a:buNone/>
+            </a:pPr>
+            <a:r>
+              <a:t/>
+            </a:r>
+            <a:endParaRPr/>
+          </a:p>
+          <a:p>
+            <a:pPr rtl="0">
+              <a:spcBef>
+                <a:spcPts val="0"/>
+              </a:spcBef>
+              <a:buNone/>
+            </a:pPr>
+            <a:r>
+              <a:t/>
+            </a:r>
+            <a:endParaRPr/>
+          </a:p>
+          <a:p>
+            <a:pPr rtl="0">
+              <a:spcBef>
+                <a:spcPts val="0"/>
+              </a:spcBef>
+              <a:buNone/>
+            </a:pPr>
+            <a:r>
+              <a:t/>
+            </a:r>
+            <a:endParaRPr/>
+          </a:p>
+          <a:p>
+            <a:pPr rtl="0">
+              <a:spcBef>
+                <a:spcPts val="0"/>
+              </a:spcBef>
+              <a:buNone/>
+            </a:pPr>
+            <a:r>
+              <a:t/>
+            </a:r>
+            <a:endParaRPr/>
+          </a:p>
+          <a:p>
+            <a:pPr rtl="0">
+              <a:spcBef>
+                <a:spcPts val="0"/>
+              </a:spcBef>
+              <a:buNone/>
+            </a:pPr>
+            <a:r>
+              <a:t/>
+            </a:r>
+            <a:endParaRPr/>
+          </a:p>
+          <a:p>
+            <a:pPr rtl="0">
+              <a:spcBef>
+                <a:spcPts val="0"/>
+              </a:spcBef>
+              <a:buNone/>
+            </a:pPr>
+            <a:r>
+              <a:t/>
+            </a:r>
+            <a:endParaRPr/>
+          </a:p>
+          <a:p>
+            <a:pPr rtl="0">
+              <a:spcBef>
+                <a:spcPts val="0"/>
+              </a:spcBef>
+              <a:buNone/>
+            </a:pPr>
+            <a:r>
+              <a:t/>
+            </a:r>
+            <a:endParaRPr/>
+          </a:p>
+          <a:p>
+            <a:pPr rtl="0">
+              <a:spcBef>
+                <a:spcPts val="0"/>
+              </a:spcBef>
+              <a:buNone/>
+            </a:pPr>
+            <a:r>
+              <a:t/>
+            </a:r>
+            <a:endParaRPr/>
+          </a:p>
+          <a:p>
+            <a:pPr rtl="0">
+              <a:spcBef>
+                <a:spcPts val="0"/>
+              </a:spcBef>
+              <a:buNone/>
+            </a:pPr>
+            <a:r>
+              <a:t/>
+            </a:r>
+            <a:endParaRPr/>
+          </a:p>
+          <a:p>
+            <a:pPr rtl="0">
+              <a:spcBef>
+                <a:spcPts val="0"/>
+              </a:spcBef>
+              <a:buNone/>
+            </a:pPr>
+            <a:r>
+              <a:t/>
+            </a:r>
+            <a:endParaRPr/>
+          </a:p>
+          <a:p>
+            <a:pPr rtl="0">
+              <a:spcBef>
+                <a:spcPts val="0"/>
+              </a:spcBef>
+              <a:buNone/>
+            </a:pPr>
+            <a:r>
+              <a:t/>
+            </a:r>
+            <a:endParaRPr/>
+          </a:p>
+          <a:p>
+            <a:pPr rtl="0">
+              <a:spcBef>
+                <a:spcPts val="0"/>
+              </a:spcBef>
+              <a:buNone/>
+            </a:pPr>
+            <a:r>
+              <a:t/>
+            </a:r>
+            <a:endParaRPr/>
+          </a:p>
+          <a:p>
+            <a:pPr rtl="0">
+              <a:spcBef>
+                <a:spcPts val="0"/>
+              </a:spcBef>
+              <a:buNone/>
+            </a:pPr>
+            <a:r>
+              <a:t/>
+            </a:r>
+            <a:endParaRPr/>
+          </a:p>
+          <a:p>
+            <a:pPr rtl="0">
+              <a:spcBef>
+                <a:spcPts val="0"/>
+              </a:spcBef>
+              <a:buNone/>
+            </a:pPr>
+            <a:r>
+              <a:t/>
+            </a:r>
+            <a:endParaRPr/>
+          </a:p>
+          <a:p>
             <a:pPr>
               <a:spcBef>
                 <a:spcPts val="0"/>
@@ -7951,39 +8068,11 @@
             </a:pPr>
             <a:r>
               <a:rPr lang="en"/>
-              <a:t>Anticipate Questions</a:t>
+              <a:t>Know Your Audience</a:t>
             </a:r>
           </a:p>
         </p:txBody>
       </p:sp>
-      <p:pic>
-        <p:nvPicPr>
-          <p:cNvPr id="164" name="Shape 164"/>
-          <p:cNvPicPr preferRelativeResize="0"/>
-          <p:nvPr/>
-        </p:nvPicPr>
-        <p:blipFill>
-          <a:blip r:embed="rId3">
-            <a:alphaModFix/>
-          </a:blip>
-          <a:stretch>
-            <a:fillRect/>
-          </a:stretch>
-        </p:blipFill>
-        <p:spPr>
-          <a:xfrm>
-            <a:off x="4973925" y="1759775"/>
-            <a:ext cx="3486150" cy="2152650"/>
-          </a:xfrm>
-          <a:prstGeom prst="rect">
-            <a:avLst/>
-          </a:prstGeom>
-          <a:noFill/>
-          <a:ln>
-            <a:noFill/>
-          </a:ln>
-        </p:spPr>
-      </p:pic>
       <p:sp>
         <p:nvSpPr>
           <p:cNvPr id="165" name="Shape 165"/>
@@ -7995,7 +8084,7 @@
         <p:spPr>
           <a:xfrm>
             <a:off x="457200" y="1200150"/>
-            <a:ext cx="3994500" cy="3725699"/>
+            <a:ext cx="8229600" cy="3725699"/>
           </a:xfrm>
           <a:prstGeom prst="rect">
             <a:avLst/>
@@ -8007,7 +8096,7 @@
           </a:bodyPr>
           <a:lstStyle/>
           <a:p>
-            <a:pPr indent="-419100" lvl="0" marL="457200">
+            <a:pPr indent="-419100" lvl="0" marL="457200" rtl="0">
               <a:spcBef>
                 <a:spcPts val="0"/>
               </a:spcBef>
@@ -8020,7 +8109,24 @@
             </a:pPr>
             <a:r>
               <a:rPr lang="en"/>
-              <a:t>What do you think the first question would be if you presented this scatterplot in a meeting?</a:t>
+              <a:t>Who is going to be in the room?</a:t>
+            </a:r>
+          </a:p>
+          <a:p>
+            <a:pPr indent="-419100" lvl="0" marL="457200">
+              <a:spcBef>
+                <a:spcPts val="0"/>
+              </a:spcBef>
+              <a:buClr>
+                <a:schemeClr val="dk1"/>
+              </a:buClr>
+              <a:buSzPct val="100000"/>
+              <a:buFont typeface="Arial"/>
+              <a:buChar char="●"/>
+            </a:pPr>
+            <a:r>
+              <a:rPr lang="en"/>
+              <a:t>Will they care more about the “how”, the “why”, or the “so what?”</a:t>
             </a:r>
           </a:p>
         </p:txBody>
@@ -8084,14 +8190,42 @@
             </a:pPr>
             <a:r>
               <a:rPr lang="en"/>
-              <a:t>Don’t Drown in the Details</a:t>
+              <a:t>Anticipate Questions</a:t>
             </a:r>
           </a:p>
         </p:txBody>
       </p:sp>
-      <p:sp>
-        <p:nvSpPr>
+      <p:pic>
+        <p:nvPicPr>
           <p:cNvPr id="171" name="Shape 171"/>
+          <p:cNvPicPr preferRelativeResize="0"/>
+          <p:nvPr/>
+        </p:nvPicPr>
+        <p:blipFill>
+          <a:blip r:embed="rId3">
+            <a:alphaModFix/>
+          </a:blip>
+          <a:stretch>
+            <a:fillRect/>
+          </a:stretch>
+        </p:blipFill>
+        <p:spPr>
+          <a:xfrm>
+            <a:off x="4973925" y="1759775"/>
+            <a:ext cx="3486150" cy="2152650"/>
+          </a:xfrm>
+          <a:prstGeom prst="rect">
+            <a:avLst/>
+          </a:prstGeom>
+          <a:noFill/>
+          <a:ln>
+            <a:noFill/>
+          </a:ln>
+        </p:spPr>
+      </p:pic>
+      <p:sp>
+        <p:nvSpPr>
+          <p:cNvPr id="172" name="Shape 172"/>
           <p:cNvSpPr txBox="1"/>
           <p:nvPr>
             <p:ph idx="1" type="body"/>
@@ -8100,7 +8234,7 @@
         <p:spPr>
           <a:xfrm>
             <a:off x="457200" y="1200150"/>
-            <a:ext cx="8229600" cy="3725699"/>
+            <a:ext cx="3994500" cy="3725699"/>
           </a:xfrm>
           <a:prstGeom prst="rect">
             <a:avLst/>
@@ -8112,7 +8246,7 @@
           </a:bodyPr>
           <a:lstStyle/>
           <a:p>
-            <a:pPr indent="-419100" lvl="0" marL="457200" rtl="0">
+            <a:pPr indent="-419100" lvl="0" marL="457200">
               <a:spcBef>
                 <a:spcPts val="0"/>
               </a:spcBef>
@@ -8125,49 +8259,8 @@
             </a:pPr>
             <a:r>
               <a:rPr lang="en"/>
-              <a:t>Ease your audience into the presentation</a:t>
-            </a:r>
-          </a:p>
-          <a:p>
-            <a:pPr indent="-419100" lvl="0" marL="457200" rtl="0">
-              <a:spcBef>
-                <a:spcPts val="0"/>
-              </a:spcBef>
-              <a:buClr>
-                <a:schemeClr val="dk1"/>
-              </a:buClr>
-              <a:buSzPct val="100000"/>
-              <a:buFont typeface="Arial"/>
-              <a:buChar char="●"/>
-            </a:pPr>
-            <a:r>
-              <a:rPr lang="en"/>
-              <a:t>Protect your audience from the ugly stuff when you can</a:t>
-            </a:r>
-          </a:p>
-          <a:p>
-            <a:pPr lvl="0" rtl="0">
-              <a:spcBef>
-                <a:spcPts val="0"/>
-              </a:spcBef>
-              <a:buNone/>
-            </a:pPr>
-            <a:r>
-              <a:t/>
-            </a:r>
-            <a:endParaRPr/>
-          </a:p>
-          <a:p>
-            <a:pPr lvl="0">
-              <a:spcBef>
-                <a:spcPts val="0"/>
-              </a:spcBef>
-              <a:buNone/>
-            </a:pPr>
-            <a:r>
-              <a:t/>
-            </a:r>
-            <a:endParaRPr/>
+              <a:t>What do you think the first question would be if you presented this scatterplot in a meeting?</a:t>
+            </a:r>
           </a:p>
         </p:txBody>
       </p:sp>
@@ -8187,7 +8280,7 @@
   <p:cSld>
     <p:spTree>
       <p:nvGrpSpPr>
-        <p:cNvPr id="175" name="Shape 175"/>
+        <p:cNvPr id="176" name="Shape 176"/>
         <p:cNvGrpSpPr/>
         <p:nvPr/>
       </p:nvGrpSpPr>
@@ -8201,7 +8294,7 @@
       </p:grpSpPr>
       <p:sp>
         <p:nvSpPr>
-          <p:cNvPr id="176" name="Shape 176"/>
+          <p:cNvPr id="177" name="Shape 177"/>
           <p:cNvSpPr txBox="1"/>
           <p:nvPr>
             <p:ph type="title"/>
@@ -8229,15 +8322,15 @@
               <a:buNone/>
             </a:pPr>
             <a:r>
-              <a:rPr lang="en" sz="3000"/>
-              <a:t>But, try to Know the Details</a:t>
+              <a:rPr lang="en"/>
+              <a:t>Don’t Drown in the Details</a:t>
             </a:r>
           </a:p>
         </p:txBody>
       </p:sp>
       <p:sp>
         <p:nvSpPr>
-          <p:cNvPr id="177" name="Shape 177"/>
+          <p:cNvPr id="178" name="Shape 178"/>
           <p:cNvSpPr txBox="1"/>
           <p:nvPr>
             <p:ph idx="1" type="body"/>
@@ -8271,11 +8364,11 @@
             </a:pPr>
             <a:r>
               <a:rPr lang="en"/>
-              <a:t>In the course of Q&amp;A, people might end up asking really detailed questions about your data set</a:t>
-            </a:r>
-          </a:p>
-          <a:p>
-            <a:pPr indent="-419100" lvl="0" marL="457200">
+              <a:t>Ease your audience into the presentation</a:t>
+            </a:r>
+          </a:p>
+          <a:p>
+            <a:pPr indent="-419100" lvl="0" marL="457200" rtl="0">
               <a:spcBef>
                 <a:spcPts val="0"/>
               </a:spcBef>
@@ -8288,8 +8381,32 @@
             </a:pPr>
             <a:r>
               <a:rPr lang="en"/>
-              <a:t>Always be honest if you don’t know some detail</a:t>
-            </a:r>
+              <a:t>Protect your audience from the ugly stuff when you can</a:t>
+            </a:r>
+          </a:p>
+          <a:p>
+            <a:pPr lvl="0" rtl="0">
+              <a:spcBef>
+                <a:spcPts val="0"/>
+              </a:spcBef>
+              <a:buNone/>
+            </a:pPr>
+            <a:r>
+              <a:t/>
+            </a:r>
+            <a:endParaRPr/>
+          </a:p>
+          <a:p>
+            <a:pPr lvl="0">
+              <a:spcBef>
+                <a:spcPts val="0"/>
+              </a:spcBef>
+              <a:buNone/>
+            </a:pPr>
+            <a:r>
+              <a:t/>
+            </a:r>
+            <a:endParaRPr/>
           </a:p>
         </p:txBody>
       </p:sp>
@@ -8309,7 +8426,7 @@
   <p:cSld>
     <p:spTree>
       <p:nvGrpSpPr>
-        <p:cNvPr id="181" name="Shape 181"/>
+        <p:cNvPr id="182" name="Shape 182"/>
         <p:cNvGrpSpPr/>
         <p:nvPr/>
       </p:nvGrpSpPr>
@@ -8323,7 +8440,7 @@
       </p:grpSpPr>
       <p:sp>
         <p:nvSpPr>
-          <p:cNvPr id="182" name="Shape 182"/>
+          <p:cNvPr id="183" name="Shape 183"/>
           <p:cNvSpPr txBox="1"/>
           <p:nvPr>
             <p:ph type="title"/>
@@ -8351,15 +8468,15 @@
               <a:buNone/>
             </a:pPr>
             <a:r>
-              <a:rPr lang="en"/>
-              <a:t>Dataset for Today’s Workshop</a:t>
+              <a:rPr lang="en" sz="3000"/>
+              <a:t>But, try to Know the Details</a:t>
             </a:r>
           </a:p>
         </p:txBody>
       </p:sp>
       <p:sp>
         <p:nvSpPr>
-          <p:cNvPr id="183" name="Shape 183"/>
+          <p:cNvPr id="184" name="Shape 184"/>
           <p:cNvSpPr txBox="1"/>
           <p:nvPr>
             <p:ph idx="1" type="body"/>
@@ -8380,16 +8497,38 @@
           </a:bodyPr>
           <a:lstStyle/>
           <a:p>
-            <a:pPr>
-              <a:spcBef>
-                <a:spcPts val="0"/>
-              </a:spcBef>
-              <a:buNone/>
-            </a:pPr>
-            <a:r>
-              <a:t/>
-            </a:r>
-            <a:endParaRPr/>
+            <a:pPr indent="-419100" lvl="0" marL="457200" rtl="0">
+              <a:spcBef>
+                <a:spcPts val="0"/>
+              </a:spcBef>
+              <a:buClr>
+                <a:schemeClr val="dk1"/>
+              </a:buClr>
+              <a:buSzPct val="100000"/>
+              <a:buFont typeface="Arial"/>
+              <a:buChar char="●"/>
+            </a:pPr>
+            <a:r>
+              <a:rPr lang="en"/>
+              <a:t>In the course of Q&amp;A, people might end up asking really detailed questions about your data set</a:t>
+            </a:r>
+          </a:p>
+          <a:p>
+            <a:pPr indent="-419100" lvl="0" marL="457200">
+              <a:spcBef>
+                <a:spcPts val="0"/>
+              </a:spcBef>
+              <a:buClr>
+                <a:schemeClr val="dk1"/>
+              </a:buClr>
+              <a:buSzPct val="100000"/>
+              <a:buFont typeface="Arial"/>
+              <a:buChar char="●"/>
+            </a:pPr>
+            <a:r>
+              <a:rPr lang="en"/>
+              <a:t>Always be honest if you don’t know some detail</a:t>
+            </a:r>
           </a:p>
         </p:txBody>
       </p:sp>
@@ -8409,7 +8548,7 @@
   <p:cSld>
     <p:spTree>
       <p:nvGrpSpPr>
-        <p:cNvPr id="187" name="Shape 187"/>
+        <p:cNvPr id="188" name="Shape 188"/>
         <p:cNvGrpSpPr/>
         <p:nvPr/>
       </p:nvGrpSpPr>
@@ -8423,7 +8562,7 @@
       </p:grpSpPr>
       <p:sp>
         <p:nvSpPr>
-          <p:cNvPr id="188" name="Shape 188"/>
+          <p:cNvPr id="189" name="Shape 189"/>
           <p:cNvSpPr txBox="1"/>
           <p:nvPr>
             <p:ph type="title"/>
@@ -8451,15 +8590,15 @@
               <a:buNone/>
             </a:pPr>
             <a:r>
-              <a:rPr lang="en" sz="2400"/>
-              <a:t>Integrated Postsecondary Education Data System </a:t>
+              <a:rPr lang="en"/>
+              <a:t>Dataset for Today’s Workshop</a:t>
             </a:r>
           </a:p>
         </p:txBody>
       </p:sp>
       <p:sp>
         <p:nvSpPr>
-          <p:cNvPr id="189" name="Shape 189"/>
+          <p:cNvPr id="190" name="Shape 190"/>
           <p:cNvSpPr txBox="1"/>
           <p:nvPr>
             <p:ph idx="1" type="body"/>
@@ -8480,86 +8619,19 @@
           </a:bodyPr>
           <a:lstStyle/>
           <a:p>
-            <a:pPr indent="-381000" lvl="0" marL="457200" rtl="0">
-              <a:spcBef>
-                <a:spcPts val="0"/>
-              </a:spcBef>
-              <a:buClr>
-                <a:schemeClr val="dk1"/>
-              </a:buClr>
-              <a:buSzPct val="100000"/>
-              <a:buFont typeface="Arial"/>
-              <a:buChar char="●"/>
-            </a:pPr>
-            <a:r>
-              <a:rPr lang="en" sz="2400"/>
-              <a:t>System of surveys conducted annually and made public by the U.S. Department’s National Center for Education Statistics (NCES). </a:t>
-            </a:r>
-          </a:p>
-          <a:p>
-            <a:pPr indent="-381000" lvl="0" marL="457200" rtl="0">
-              <a:spcBef>
-                <a:spcPts val="0"/>
-              </a:spcBef>
-              <a:buClr>
-                <a:schemeClr val="dk1"/>
-              </a:buClr>
-              <a:buSzPct val="100000"/>
-              <a:buFont typeface="Arial"/>
-              <a:buChar char="●"/>
-            </a:pPr>
-            <a:r>
-              <a:rPr lang="en" sz="2400"/>
-              <a:t>Collect info on enrollment demographics, tuition, financial aid, graduation rates, and institutional resources.</a:t>
-            </a:r>
-          </a:p>
-          <a:p>
-            <a:pPr indent="-381000" lvl="0" marL="457200" rtl="0">
-              <a:spcBef>
-                <a:spcPts val="0"/>
-              </a:spcBef>
-              <a:buClr>
-                <a:schemeClr val="dk1"/>
-              </a:buClr>
-              <a:buSzPct val="100000"/>
-              <a:buFont typeface="Arial"/>
-              <a:buChar char="●"/>
-            </a:pPr>
-            <a:r>
-              <a:rPr lang="en" sz="2400"/>
-              <a:t>Has info on every college, university, and technical and vocational institution that participates in the federal financial aid programs.</a:t>
-            </a:r>
+            <a:pPr>
+              <a:spcBef>
+                <a:spcPts val="0"/>
+              </a:spcBef>
+              <a:buNone/>
+            </a:pPr>
+            <a:r>
+              <a:t/>
+            </a:r>
+            <a:endParaRPr/>
           </a:p>
         </p:txBody>
       </p:sp>
-      <p:pic>
-        <p:nvPicPr>
-          <p:cNvPr id="190" name="Shape 190"/>
-          <p:cNvPicPr preferRelativeResize="0"/>
-          <p:nvPr/>
-        </p:nvPicPr>
-        <p:blipFill>
-          <a:blip r:embed="rId3">
-            <a:alphaModFix/>
-          </a:blip>
-          <a:stretch>
-            <a:fillRect/>
-          </a:stretch>
-        </p:blipFill>
-        <p:spPr>
-          <a:xfrm>
-            <a:off x="8037575" y="469625"/>
-            <a:ext cx="533400" cy="533400"/>
-          </a:xfrm>
-          <a:prstGeom prst="rect">
-            <a:avLst/>
-          </a:prstGeom>
-          <a:noFill/>
-          <a:ln>
-            <a:noFill/>
-          </a:ln>
-        </p:spPr>
-      </p:pic>
     </p:spTree>
   </p:cSld>
   <p:clrMapOvr>
@@ -8598,16 +8670,12 @@
         </p:nvSpPr>
         <p:spPr>
           <a:xfrm>
-            <a:off x="457200" y="2143053"/>
+            <a:off x="457200" y="205978"/>
             <a:ext cx="8229600" cy="857400"/>
           </a:xfrm>
           <a:prstGeom prst="rect">
             <a:avLst/>
           </a:prstGeom>
-          <a:noFill/>
-          <a:ln>
-            <a:noFill/>
-          </a:ln>
         </p:spPr>
         <p:txBody>
           <a:bodyPr anchorCtr="0" anchor="b" bIns="91425" lIns="91425" rIns="91425" tIns="91425">
@@ -8615,15 +8683,15 @@
           </a:bodyPr>
           <a:lstStyle/>
           <a:p>
-            <a:pPr algn="ctr">
-              <a:spcBef>
-                <a:spcPts val="0"/>
-              </a:spcBef>
-              <a:buNone/>
-            </a:pPr>
-            <a:r>
-              <a:rPr lang="en"/>
-              <a:t>bit.do/6Xyh</a:t>
+            <a:pPr>
+              <a:spcBef>
+                <a:spcPts val="0"/>
+              </a:spcBef>
+              <a:buNone/>
+            </a:pPr>
+            <a:r>
+              <a:rPr lang="en" sz="2400"/>
+              <a:t>Integrated Postsecondary Education Data System </a:t>
             </a:r>
           </a:p>
         </p:txBody>
@@ -8632,20 +8700,18 @@
         <p:nvSpPr>
           <p:cNvPr id="196" name="Shape 196"/>
           <p:cNvSpPr txBox="1"/>
-          <p:nvPr/>
-        </p:nvSpPr>
-        <p:spPr>
-          <a:xfrm>
-            <a:off x="2227300" y="467550"/>
-            <a:ext cx="4350299" cy="507600"/>
-          </a:xfrm>
-          <a:prstGeom prst="rect">
-            <a:avLst/>
-          </a:prstGeom>
-          <a:noFill/>
-          <a:ln>
-            <a:noFill/>
-          </a:ln>
+          <p:nvPr>
+            <p:ph idx="1" type="body"/>
+          </p:nvPr>
+        </p:nvSpPr>
+        <p:spPr>
+          <a:xfrm>
+            <a:off x="457200" y="1200150"/>
+            <a:ext cx="8229600" cy="3725699"/>
+          </a:xfrm>
+          <a:prstGeom prst="rect">
+            <a:avLst/>
+          </a:prstGeom>
         </p:spPr>
         <p:txBody>
           <a:bodyPr anchorCtr="0" anchor="t" bIns="91425" lIns="91425" rIns="91425" tIns="91425">
@@ -8653,19 +8719,86 @@
           </a:bodyPr>
           <a:lstStyle/>
           <a:p>
-            <a:pPr>
-              <a:spcBef>
-                <a:spcPts val="0"/>
-              </a:spcBef>
-              <a:buNone/>
-            </a:pPr>
-            <a:r>
-              <a:t/>
-            </a:r>
-            <a:endParaRPr/>
+            <a:pPr indent="-381000" lvl="0" marL="457200" rtl="0">
+              <a:spcBef>
+                <a:spcPts val="0"/>
+              </a:spcBef>
+              <a:buClr>
+                <a:schemeClr val="dk1"/>
+              </a:buClr>
+              <a:buSzPct val="100000"/>
+              <a:buFont typeface="Arial"/>
+              <a:buChar char="●"/>
+            </a:pPr>
+            <a:r>
+              <a:rPr lang="en" sz="2400"/>
+              <a:t>System of surveys conducted annually and made public by the U.S. Department’s National Center for Education Statistics (NCES). </a:t>
+            </a:r>
+          </a:p>
+          <a:p>
+            <a:pPr indent="-381000" lvl="0" marL="457200" rtl="0">
+              <a:spcBef>
+                <a:spcPts val="0"/>
+              </a:spcBef>
+              <a:buClr>
+                <a:schemeClr val="dk1"/>
+              </a:buClr>
+              <a:buSzPct val="100000"/>
+              <a:buFont typeface="Arial"/>
+              <a:buChar char="●"/>
+            </a:pPr>
+            <a:r>
+              <a:rPr lang="en" sz="2400"/>
+              <a:t>Collect info on enrollment demographics, tuition, financial aid, graduation rates, and institutional resources.</a:t>
+            </a:r>
+          </a:p>
+          <a:p>
+            <a:pPr indent="-381000" lvl="0" marL="457200" rtl="0">
+              <a:spcBef>
+                <a:spcPts val="0"/>
+              </a:spcBef>
+              <a:buClr>
+                <a:schemeClr val="dk1"/>
+              </a:buClr>
+              <a:buSzPct val="100000"/>
+              <a:buFont typeface="Arial"/>
+              <a:buChar char="●"/>
+            </a:pPr>
+            <a:r>
+              <a:rPr lang="en" sz="2400"/>
+              <a:t>Has info on every college, university, and technical and vocational institution that participates in the federal financial aid programs.</a:t>
+            </a:r>
           </a:p>
         </p:txBody>
       </p:sp>
+      <p:pic>
+        <p:nvPicPr>
+          <p:cNvPr id="197" name="Shape 197"/>
+          <p:cNvPicPr preferRelativeResize="0"/>
+          <p:nvPr/>
+        </p:nvPicPr>
+        <p:blipFill>
+          <a:blip r:embed="rId3">
+            <a:alphaModFix/>
+          </a:blip>
+          <a:stretch>
+            <a:fillRect/>
+          </a:stretch>
+        </p:blipFill>
+        <p:spPr>
+          <a:xfrm>
+            <a:off x="8037575" y="469625"/>
+            <a:ext cx="533400" cy="533400"/>
+          </a:xfrm>
+          <a:prstGeom prst="rect">
+            <a:avLst/>
+          </a:prstGeom>
+          <a:noFill/>
+          <a:ln>
+            <a:noFill/>
+          </a:ln>
+        </p:spPr>
+      </p:pic>
     </p:spTree>
   </p:cSld>
   <p:clrMapOvr>
@@ -8727,6 +8860,112 @@
               <a:rPr lang="en"/>
               <a:t>What does “Data Analysis” Mean To You?</a:t>
             </a:r>
+          </a:p>
+        </p:txBody>
+      </p:sp>
+    </p:spTree>
+  </p:cSld>
+  <p:clrMapOvr>
+    <a:masterClrMapping/>
+  </p:clrMapOvr>
+  <p:transition spd="slow">
+    <p:cut/>
+  </p:transition>
+</p:sld>
+</file>
+
+<file path=ppt/slides/slide30.xml><?xml version="1.0" encoding="utf-8"?>
+<p:sld xmlns:a="http://schemas.openxmlformats.org/drawingml/2006/main" xmlns:r="http://schemas.openxmlformats.org/officeDocument/2006/relationships" xmlns:mc="http://schemas.openxmlformats.org/markup-compatibility/2006" xmlns:mv="urn:schemas-microsoft-com:mac:vml" xmlns:p="http://schemas.openxmlformats.org/presentationml/2006/main" xmlns:c="http://schemas.openxmlformats.org/drawingml/2006/chart" xmlns:dgm="http://schemas.openxmlformats.org/drawingml/2006/diagram" xmlns:o="urn:schemas-microsoft-com:office:office" xmlns:v="urn:schemas-microsoft-com:vml" xmlns:pvml="urn:schemas-microsoft-com:office:powerpoint" xmlns:com="http://schemas.openxmlformats.org/drawingml/2006/compatibility" xmlns:p14="http://schemas.microsoft.com/office/powerpoint/2010/main">
+  <p:cSld>
+    <p:spTree>
+      <p:nvGrpSpPr>
+        <p:cNvPr id="201" name="Shape 201"/>
+        <p:cNvGrpSpPr/>
+        <p:nvPr/>
+      </p:nvGrpSpPr>
+      <p:grpSpPr>
+        <a:xfrm>
+          <a:off x="0" y="0"/>
+          <a:ext cx="0" cy="0"/>
+          <a:chOff x="0" y="0"/>
+          <a:chExt cx="0" cy="0"/>
+        </a:xfrm>
+      </p:grpSpPr>
+      <p:sp>
+        <p:nvSpPr>
+          <p:cNvPr id="202" name="Shape 202"/>
+          <p:cNvSpPr txBox="1"/>
+          <p:nvPr>
+            <p:ph type="title"/>
+          </p:nvPr>
+        </p:nvSpPr>
+        <p:spPr>
+          <a:xfrm>
+            <a:off x="457200" y="2143053"/>
+            <a:ext cx="8229600" cy="857400"/>
+          </a:xfrm>
+          <a:prstGeom prst="rect">
+            <a:avLst/>
+          </a:prstGeom>
+          <a:noFill/>
+          <a:ln>
+            <a:noFill/>
+          </a:ln>
+        </p:spPr>
+        <p:txBody>
+          <a:bodyPr anchorCtr="0" anchor="b" bIns="91425" lIns="91425" rIns="91425" tIns="91425">
+            <a:noAutofit/>
+          </a:bodyPr>
+          <a:lstStyle/>
+          <a:p>
+            <a:pPr algn="ctr">
+              <a:spcBef>
+                <a:spcPts val="0"/>
+              </a:spcBef>
+              <a:buNone/>
+            </a:pPr>
+            <a:r>
+              <a:rPr lang="en"/>
+              <a:t>bit.do/6Xyh</a:t>
+            </a:r>
+          </a:p>
+        </p:txBody>
+      </p:sp>
+      <p:sp>
+        <p:nvSpPr>
+          <p:cNvPr id="203" name="Shape 203"/>
+          <p:cNvSpPr txBox="1"/>
+          <p:nvPr/>
+        </p:nvSpPr>
+        <p:spPr>
+          <a:xfrm>
+            <a:off x="2227300" y="467550"/>
+            <a:ext cx="4350299" cy="507600"/>
+          </a:xfrm>
+          <a:prstGeom prst="rect">
+            <a:avLst/>
+          </a:prstGeom>
+          <a:noFill/>
+          <a:ln>
+            <a:noFill/>
+          </a:ln>
+        </p:spPr>
+        <p:txBody>
+          <a:bodyPr anchorCtr="0" anchor="t" bIns="91425" lIns="91425" rIns="91425" tIns="91425">
+            <a:noAutofit/>
+          </a:bodyPr>
+          <a:lstStyle/>
+          <a:p>
+            <a:pPr>
+              <a:spcBef>
+                <a:spcPts val="0"/>
+              </a:spcBef>
+              <a:buNone/>
+            </a:pPr>
+            <a:r>
+              <a:t/>
+            </a:r>
+            <a:endParaRPr/>
           </a:p>
         </p:txBody>
       </p:sp>
@@ -9077,8 +9316,8 @@
         </p:blipFill>
         <p:spPr>
           <a:xfrm>
-            <a:off x="2303884" y="0"/>
-            <a:ext cx="4536230" cy="5143499"/>
+            <a:off x="580350" y="227175"/>
+            <a:ext cx="7789200" cy="4863449"/>
           </a:xfrm>
           <a:prstGeom prst="rect">
             <a:avLst/>
@@ -9157,560 +9396,6 @@
 </file>
 
 <file path=ppt/theme/theme1.xml><?xml version="1.0" encoding="utf-8"?>
-<a:theme xmlns:a="http://schemas.openxmlformats.org/drawingml/2006/main" xmlns:r="http://schemas.openxmlformats.org/officeDocument/2006/relationships" name="Custom Theme">
-  <a:themeElements>
-    <a:clrScheme name="Default">
-      <a:dk1>
-        <a:srgbClr val="000000"/>
-      </a:dk1>
-      <a:lt1>
-        <a:srgbClr val="FFFFFF"/>
-      </a:lt1>
-      <a:dk2>
-        <a:srgbClr val="158158"/>
-      </a:dk2>
-      <a:lt2>
-        <a:srgbClr val="F3F3F3"/>
-      </a:lt2>
-      <a:accent1>
-        <a:srgbClr val="058DC7"/>
-      </a:accent1>
-      <a:accent2>
-        <a:srgbClr val="50B432"/>
-      </a:accent2>
-      <a:accent3>
-        <a:srgbClr val="ED561B"/>
-      </a:accent3>
-      <a:accent4>
-        <a:srgbClr val="EDEF00"/>
-      </a:accent4>
-      <a:accent5>
-        <a:srgbClr val="24CBE5"/>
-      </a:accent5>
-      <a:accent6>
-        <a:srgbClr val="64E572"/>
-      </a:accent6>
-      <a:hlink>
-        <a:srgbClr val="2200CC"/>
-      </a:hlink>
-      <a:folHlink>
-        <a:srgbClr val="551A8B"/>
-      </a:folHlink>
-    </a:clrScheme>
-    <a:fontScheme name="Office">
-      <a:majorFont>
-        <a:latin typeface="Arial"/>
-        <a:ea typeface=""/>
-        <a:cs typeface=""/>
-        <a:font script="Jpan" typeface="ＭＳ Ｐゴシック"/>
-        <a:font script="Hang" typeface="맑은 고딕"/>
-        <a:font script="Hans" typeface="宋体"/>
-        <a:font script="Hant" typeface="新細明體"/>
-        <a:font script="Arab" typeface="Times New Roman"/>
-        <a:font script="Hebr" typeface="Times New Roman"/>
-        <a:font script="Thai" typeface="Angsana New"/>
-        <a:font script="Ethi" typeface="Nyala"/>
-        <a:font script="Beng" typeface="Vrinda"/>
-        <a:font script="Gujr" typeface="Shruti"/>
-        <a:font script="Khmr" typeface="MoolBoran"/>
-        <a:font script="Knda" typeface="Tunga"/>
-        <a:font script="Guru" typeface="Raavi"/>
-        <a:font script="Cans" typeface="Euphemia"/>
-        <a:font script="Cher" typeface="Plantagenet Cherokee"/>
-        <a:font script="Yiii" typeface="Microsoft Yi Baiti"/>
-        <a:font script="Tibt" typeface="Microsoft Himalaya"/>
-        <a:font script="Thaa" typeface="MV Boli"/>
-        <a:font script="Deva" typeface="Mangal"/>
-        <a:font script="Telu" typeface="Gautami"/>
-        <a:font script="Taml" typeface="Latha"/>
-        <a:font script="Syrc" typeface="Estrangelo Edessa"/>
-        <a:font script="Orya" typeface="Kalinga"/>
-        <a:font script="Mlym" typeface="Kartika"/>
-        <a:font script="Laoo" typeface="DokChampa"/>
-        <a:font script="Sinh" typeface="Iskoola Pota"/>
-        <a:font script="Mong" typeface="Mongolian Baiti"/>
-        <a:font script="Viet" typeface="Times New Roman"/>
-        <a:font script="Uigh" typeface="Microsoft Uighur"/>
-      </a:majorFont>
-      <a:minorFont>
-        <a:latin typeface="Arial"/>
-        <a:ea typeface=""/>
-        <a:cs typeface=""/>
-        <a:font script="Jpan" typeface="ＭＳ Ｐゴシック"/>
-        <a:font script="Hang" typeface="맑은 고딕"/>
-        <a:font script="Hans" typeface="宋体"/>
-        <a:font script="Hant" typeface="新細明體"/>
-        <a:font script="Arab" typeface="Times New Roman"/>
-        <a:font script="Hebr" typeface="Times New Roman"/>
-        <a:font script="Thai" typeface="Angsana New"/>
-        <a:font script="Ethi" typeface="Nyala"/>
-        <a:font script="Beng" typeface="Vrinda"/>
-        <a:font script="Gujr" typeface="Shruti"/>
-        <a:font script="Khmr" typeface="MoolBoran"/>
-        <a:font script="Knda" typeface="Tunga"/>
-        <a:font script="Guru" typeface="Raavi"/>
-        <a:font script="Cans" typeface="Euphemia"/>
-        <a:font script="Cher" typeface="Plantagenet Cherokee"/>
-        <a:font script="Yiii" typeface="Microsoft Yi Baiti"/>
-        <a:font script="Tibt" typeface="Microsoft Himalaya"/>
-        <a:font script="Thaa" typeface="MV Boli"/>
-        <a:font script="Deva" typeface="Mangal"/>
-        <a:font script="Telu" typeface="Gautami"/>
-        <a:font script="Taml" typeface="Latha"/>
-        <a:font script="Syrc" typeface="Estrangelo Edessa"/>
-        <a:font script="Orya" typeface="Kalinga"/>
-        <a:font script="Mlym" typeface="Kartika"/>
-        <a:font script="Laoo" typeface="DokChampa"/>
-        <a:font script="Sinh" typeface="Iskoola Pota"/>
-        <a:font script="Mong" typeface="Mongolian Baiti"/>
-        <a:font script="Viet" typeface="Times New Roman"/>
-        <a:font script="Uigh" typeface="Microsoft Uighur"/>
-      </a:minorFont>
-    </a:fontScheme>
-    <a:fmtScheme name="Office">
-      <a:fillStyleLst>
-        <a:solidFill>
-          <a:schemeClr val="phClr"/>
-        </a:solidFill>
-        <a:gradFill rotWithShape="1">
-          <a:gsLst>
-            <a:gs pos="0">
-              <a:schemeClr val="phClr">
-                <a:tint val="50000"/>
-                <a:satMod val="300000"/>
-              </a:schemeClr>
-            </a:gs>
-            <a:gs pos="35000">
-              <a:schemeClr val="phClr">
-                <a:tint val="37000"/>
-                <a:satMod val="300000"/>
-              </a:schemeClr>
-            </a:gs>
-            <a:gs pos="100000">
-              <a:schemeClr val="phClr">
-                <a:tint val="15000"/>
-                <a:satMod val="350000"/>
-              </a:schemeClr>
-            </a:gs>
-          </a:gsLst>
-          <a:lin ang="16200000" scaled="1"/>
-        </a:gradFill>
-        <a:gradFill rotWithShape="1">
-          <a:gsLst>
-            <a:gs pos="0">
-              <a:schemeClr val="phClr">
-                <a:tint val="100000"/>
-                <a:shade val="100000"/>
-                <a:satMod val="130000"/>
-              </a:schemeClr>
-            </a:gs>
-            <a:gs pos="100000">
-              <a:schemeClr val="phClr">
-                <a:tint val="50000"/>
-                <a:shade val="100000"/>
-                <a:satMod val="350000"/>
-              </a:schemeClr>
-            </a:gs>
-          </a:gsLst>
-          <a:lin ang="16200000" scaled="0"/>
-        </a:gradFill>
-      </a:fillStyleLst>
-      <a:lnStyleLst>
-        <a:ln cap="flat" cmpd="sng" w="9525" algn="ctr">
-          <a:solidFill>
-            <a:schemeClr val="phClr">
-              <a:shade val="95000"/>
-              <a:satMod val="105000"/>
-            </a:schemeClr>
-          </a:solidFill>
-          <a:prstDash val="solid"/>
-        </a:ln>
-        <a:ln cap="flat" cmpd="sng" w="25400" algn="ctr">
-          <a:solidFill>
-            <a:schemeClr val="phClr"/>
-          </a:solidFill>
-          <a:prstDash val="solid"/>
-        </a:ln>
-        <a:ln cap="flat" cmpd="sng" w="38100" algn="ctr">
-          <a:solidFill>
-            <a:schemeClr val="phClr"/>
-          </a:solidFill>
-          <a:prstDash val="solid"/>
-        </a:ln>
-      </a:lnStyleLst>
-      <a:effectStyleLst>
-        <a:effectStyle>
-          <a:effectLst>
-            <a:outerShdw blurRad="40000" rotWithShape="0" dir="5400000" dist="20000">
-              <a:srgbClr val="000000">
-                <a:alpha val="38000"/>
-              </a:srgbClr>
-            </a:outerShdw>
-          </a:effectLst>
-        </a:effectStyle>
-        <a:effectStyle>
-          <a:effectLst>
-            <a:outerShdw blurRad="40000" rotWithShape="0" dir="5400000" dist="23000">
-              <a:srgbClr val="000000">
-                <a:alpha val="35000"/>
-              </a:srgbClr>
-            </a:outerShdw>
-          </a:effectLst>
-        </a:effectStyle>
-        <a:effectStyle>
-          <a:effectLst>
-            <a:outerShdw blurRad="40000" rotWithShape="0" dir="5400000" dist="23000">
-              <a:srgbClr val="000000">
-                <a:alpha val="35000"/>
-              </a:srgbClr>
-            </a:outerShdw>
-          </a:effectLst>
-          <a:scene3d>
-            <a:camera prst="orthographicFront">
-              <a:rot lat="0" lon="0" rev="0"/>
-            </a:camera>
-            <a:lightRig dir="t" rig="threePt">
-              <a:rot lat="0" lon="0" rev="1200000"/>
-            </a:lightRig>
-          </a:scene3d>
-          <a:sp3d>
-            <a:bevelT h="25400" w="63500"/>
-          </a:sp3d>
-        </a:effectStyle>
-      </a:effectStyleLst>
-      <a:bgFillStyleLst>
-        <a:solidFill>
-          <a:schemeClr val="phClr"/>
-        </a:solidFill>
-        <a:gradFill rotWithShape="1">
-          <a:gsLst>
-            <a:gs pos="0">
-              <a:schemeClr val="phClr">
-                <a:tint val="40000"/>
-                <a:satMod val="350000"/>
-              </a:schemeClr>
-            </a:gs>
-            <a:gs pos="40000">
-              <a:schemeClr val="phClr">
-                <a:tint val="45000"/>
-                <a:shade val="99000"/>
-                <a:satMod val="350000"/>
-              </a:schemeClr>
-            </a:gs>
-            <a:gs pos="100000">
-              <a:schemeClr val="phClr">
-                <a:shade val="20000"/>
-                <a:satMod val="255000"/>
-              </a:schemeClr>
-            </a:gs>
-          </a:gsLst>
-          <a:path path="circle">
-            <a:fillToRect b="180000" l="50000" r="50000" t="-80000"/>
-          </a:path>
-        </a:gradFill>
-        <a:gradFill rotWithShape="1">
-          <a:gsLst>
-            <a:gs pos="0">
-              <a:schemeClr val="phClr">
-                <a:tint val="80000"/>
-                <a:satMod val="300000"/>
-              </a:schemeClr>
-            </a:gs>
-            <a:gs pos="100000">
-              <a:schemeClr val="phClr">
-                <a:shade val="30000"/>
-                <a:satMod val="200000"/>
-              </a:schemeClr>
-            </a:gs>
-          </a:gsLst>
-          <a:path path="circle">
-            <a:fillToRect b="50000" l="50000" r="50000" t="50000"/>
-          </a:path>
-        </a:gradFill>
-      </a:bgFillStyleLst>
-    </a:fmtScheme>
-  </a:themeElements>
-</a:theme>
-</file>
-
-<file path=ppt/theme/theme2.xml><?xml version="1.0" encoding="utf-8"?>
-<a:theme xmlns:a="http://schemas.openxmlformats.org/drawingml/2006/main" xmlns:r="http://schemas.openxmlformats.org/officeDocument/2006/relationships" name="simple-light">
-  <a:themeElements>
-    <a:clrScheme name="Custom 347">
-      <a:dk1>
-        <a:srgbClr val="000000"/>
-      </a:dk1>
-      <a:lt1>
-        <a:srgbClr val="FFFFFF"/>
-      </a:lt1>
-      <a:dk2>
-        <a:srgbClr val="666666"/>
-      </a:dk2>
-      <a:lt2>
-        <a:srgbClr val="CCCCCC"/>
-      </a:lt2>
-      <a:accent1>
-        <a:srgbClr val="3A81BA"/>
-      </a:accent1>
-      <a:accent2>
-        <a:srgbClr val="D89F39"/>
-      </a:accent2>
-      <a:accent3>
-        <a:srgbClr val="8BAB42"/>
-      </a:accent3>
-      <a:accent4>
-        <a:srgbClr val="57A7B5"/>
-      </a:accent4>
-      <a:accent5>
-        <a:srgbClr val="8B81D2"/>
-      </a:accent5>
-      <a:accent6>
-        <a:srgbClr val="963334"/>
-      </a:accent6>
-      <a:hlink>
-        <a:srgbClr val="1155CC"/>
-      </a:hlink>
-      <a:folHlink>
-        <a:srgbClr val="6611CC"/>
-      </a:folHlink>
-    </a:clrScheme>
-    <a:fontScheme name="Office">
-      <a:majorFont>
-        <a:latin typeface="Arial"/>
-        <a:ea typeface=""/>
-        <a:cs typeface=""/>
-        <a:font script="Jpan" typeface="ＭＳ Ｐゴシック"/>
-        <a:font script="Hang" typeface="맑은 고딕"/>
-        <a:font script="Hans" typeface="宋体"/>
-        <a:font script="Hant" typeface="新細明體"/>
-        <a:font script="Arab" typeface="Times New Roman"/>
-        <a:font script="Hebr" typeface="Times New Roman"/>
-        <a:font script="Thai" typeface="Angsana New"/>
-        <a:font script="Ethi" typeface="Nyala"/>
-        <a:font script="Beng" typeface="Vrinda"/>
-        <a:font script="Gujr" typeface="Shruti"/>
-        <a:font script="Khmr" typeface="MoolBoran"/>
-        <a:font script="Knda" typeface="Tunga"/>
-        <a:font script="Guru" typeface="Raavi"/>
-        <a:font script="Cans" typeface="Euphemia"/>
-        <a:font script="Cher" typeface="Plantagenet Cherokee"/>
-        <a:font script="Yiii" typeface="Microsoft Yi Baiti"/>
-        <a:font script="Tibt" typeface="Microsoft Himalaya"/>
-        <a:font script="Thaa" typeface="MV Boli"/>
-        <a:font script="Deva" typeface="Mangal"/>
-        <a:font script="Telu" typeface="Gautami"/>
-        <a:font script="Taml" typeface="Latha"/>
-        <a:font script="Syrc" typeface="Estrangelo Edessa"/>
-        <a:font script="Orya" typeface="Kalinga"/>
-        <a:font script="Mlym" typeface="Kartika"/>
-        <a:font script="Laoo" typeface="DokChampa"/>
-        <a:font script="Sinh" typeface="Iskoola Pota"/>
-        <a:font script="Mong" typeface="Mongolian Baiti"/>
-        <a:font script="Viet" typeface="Times New Roman"/>
-        <a:font script="Uigh" typeface="Microsoft Uighur"/>
-      </a:majorFont>
-      <a:minorFont>
-        <a:latin typeface="Arial"/>
-        <a:ea typeface=""/>
-        <a:cs typeface=""/>
-        <a:font script="Jpan" typeface="ＭＳ Ｐゴシック"/>
-        <a:font script="Hang" typeface="맑은 고딕"/>
-        <a:font script="Hans" typeface="宋体"/>
-        <a:font script="Hant" typeface="新細明體"/>
-        <a:font script="Arab" typeface="Times New Roman"/>
-        <a:font script="Hebr" typeface="Times New Roman"/>
-        <a:font script="Thai" typeface="Angsana New"/>
-        <a:font script="Ethi" typeface="Nyala"/>
-        <a:font script="Beng" typeface="Vrinda"/>
-        <a:font script="Gujr" typeface="Shruti"/>
-        <a:font script="Khmr" typeface="MoolBoran"/>
-        <a:font script="Knda" typeface="Tunga"/>
-        <a:font script="Guru" typeface="Raavi"/>
-        <a:font script="Cans" typeface="Euphemia"/>
-        <a:font script="Cher" typeface="Plantagenet Cherokee"/>
-        <a:font script="Yiii" typeface="Microsoft Yi Baiti"/>
-        <a:font script="Tibt" typeface="Microsoft Himalaya"/>
-        <a:font script="Thaa" typeface="MV Boli"/>
-        <a:font script="Deva" typeface="Mangal"/>
-        <a:font script="Telu" typeface="Gautami"/>
-        <a:font script="Taml" typeface="Latha"/>
-        <a:font script="Syrc" typeface="Estrangelo Edessa"/>
-        <a:font script="Orya" typeface="Kalinga"/>
-        <a:font script="Mlym" typeface="Kartika"/>
-        <a:font script="Laoo" typeface="DokChampa"/>
-        <a:font script="Sinh" typeface="Iskoola Pota"/>
-        <a:font script="Mong" typeface="Mongolian Baiti"/>
-        <a:font script="Viet" typeface="Times New Roman"/>
-        <a:font script="Uigh" typeface="Microsoft Uighur"/>
-      </a:minorFont>
-    </a:fontScheme>
-    <a:fmtScheme name="Office">
-      <a:fillStyleLst>
-        <a:solidFill>
-          <a:schemeClr val="phClr"/>
-        </a:solidFill>
-        <a:gradFill rotWithShape="1">
-          <a:gsLst>
-            <a:gs pos="0">
-              <a:schemeClr val="phClr">
-                <a:tint val="50000"/>
-                <a:satMod val="300000"/>
-              </a:schemeClr>
-            </a:gs>
-            <a:gs pos="35000">
-              <a:schemeClr val="phClr">
-                <a:tint val="37000"/>
-                <a:satMod val="300000"/>
-              </a:schemeClr>
-            </a:gs>
-            <a:gs pos="100000">
-              <a:schemeClr val="phClr">
-                <a:tint val="15000"/>
-                <a:satMod val="350000"/>
-              </a:schemeClr>
-            </a:gs>
-          </a:gsLst>
-          <a:lin ang="16200000" scaled="1"/>
-        </a:gradFill>
-        <a:gradFill rotWithShape="1">
-          <a:gsLst>
-            <a:gs pos="0">
-              <a:schemeClr val="phClr">
-                <a:tint val="100000"/>
-                <a:shade val="100000"/>
-                <a:satMod val="130000"/>
-              </a:schemeClr>
-            </a:gs>
-            <a:gs pos="100000">
-              <a:schemeClr val="phClr">
-                <a:tint val="50000"/>
-                <a:shade val="100000"/>
-                <a:satMod val="350000"/>
-              </a:schemeClr>
-            </a:gs>
-          </a:gsLst>
-          <a:lin ang="16200000" scaled="0"/>
-        </a:gradFill>
-      </a:fillStyleLst>
-      <a:lnStyleLst>
-        <a:ln cap="flat" cmpd="sng" w="9525" algn="ctr">
-          <a:solidFill>
-            <a:schemeClr val="phClr">
-              <a:shade val="95000"/>
-              <a:satMod val="105000"/>
-            </a:schemeClr>
-          </a:solidFill>
-          <a:prstDash val="solid"/>
-        </a:ln>
-        <a:ln cap="flat" cmpd="sng" w="25400" algn="ctr">
-          <a:solidFill>
-            <a:schemeClr val="phClr"/>
-          </a:solidFill>
-          <a:prstDash val="solid"/>
-        </a:ln>
-        <a:ln cap="flat" cmpd="sng" w="38100" algn="ctr">
-          <a:solidFill>
-            <a:schemeClr val="phClr"/>
-          </a:solidFill>
-          <a:prstDash val="solid"/>
-        </a:ln>
-      </a:lnStyleLst>
-      <a:effectStyleLst>
-        <a:effectStyle>
-          <a:effectLst>
-            <a:outerShdw blurRad="40000" rotWithShape="0" dir="5400000" dist="20000">
-              <a:srgbClr val="000000">
-                <a:alpha val="38000"/>
-              </a:srgbClr>
-            </a:outerShdw>
-          </a:effectLst>
-        </a:effectStyle>
-        <a:effectStyle>
-          <a:effectLst>
-            <a:outerShdw blurRad="40000" rotWithShape="0" dir="5400000" dist="23000">
-              <a:srgbClr val="000000">
-                <a:alpha val="35000"/>
-              </a:srgbClr>
-            </a:outerShdw>
-          </a:effectLst>
-        </a:effectStyle>
-        <a:effectStyle>
-          <a:effectLst>
-            <a:outerShdw blurRad="40000" rotWithShape="0" dir="5400000" dist="23000">
-              <a:srgbClr val="000000">
-                <a:alpha val="35000"/>
-              </a:srgbClr>
-            </a:outerShdw>
-          </a:effectLst>
-          <a:scene3d>
-            <a:camera prst="orthographicFront">
-              <a:rot lat="0" lon="0" rev="0"/>
-            </a:camera>
-            <a:lightRig dir="t" rig="threePt">
-              <a:rot lat="0" lon="0" rev="1200000"/>
-            </a:lightRig>
-          </a:scene3d>
-          <a:sp3d>
-            <a:bevelT h="25400" w="63500"/>
-          </a:sp3d>
-        </a:effectStyle>
-      </a:effectStyleLst>
-      <a:bgFillStyleLst>
-        <a:solidFill>
-          <a:schemeClr val="phClr"/>
-        </a:solidFill>
-        <a:gradFill rotWithShape="1">
-          <a:gsLst>
-            <a:gs pos="0">
-              <a:schemeClr val="phClr">
-                <a:tint val="40000"/>
-                <a:satMod val="350000"/>
-              </a:schemeClr>
-            </a:gs>
-            <a:gs pos="40000">
-              <a:schemeClr val="phClr">
-                <a:tint val="45000"/>
-                <a:shade val="99000"/>
-                <a:satMod val="350000"/>
-              </a:schemeClr>
-            </a:gs>
-            <a:gs pos="100000">
-              <a:schemeClr val="phClr">
-                <a:shade val="20000"/>
-                <a:satMod val="255000"/>
-              </a:schemeClr>
-            </a:gs>
-          </a:gsLst>
-          <a:path path="circle">
-            <a:fillToRect b="180000" l="50000" r="50000" t="-80000"/>
-          </a:path>
-        </a:gradFill>
-        <a:gradFill rotWithShape="1">
-          <a:gsLst>
-            <a:gs pos="0">
-              <a:schemeClr val="phClr">
-                <a:tint val="80000"/>
-                <a:satMod val="300000"/>
-              </a:schemeClr>
-            </a:gs>
-            <a:gs pos="100000">
-              <a:schemeClr val="phClr">
-                <a:shade val="30000"/>
-                <a:satMod val="200000"/>
-              </a:schemeClr>
-            </a:gs>
-          </a:gsLst>
-          <a:path path="circle">
-            <a:fillToRect b="50000" l="50000" r="50000" t="50000"/>
-          </a:path>
-        </a:gradFill>
-      </a:bgFillStyleLst>
-    </a:fmtScheme>
-  </a:themeElements>
-</a:theme>
-</file>
-
-<file path=ppt/theme/theme3.xml><?xml version="1.0" encoding="utf-8"?>
 <a:theme xmlns:a="http://schemas.openxmlformats.org/drawingml/2006/main" xmlns:r="http://schemas.openxmlformats.org/officeDocument/2006/relationships" name="Office Theme">
   <a:themeElements>
     <a:clrScheme name="Office">
@@ -10025,4 +9710,558 @@
     </a:lnDef>
   </a:objectDefaults>
 </a:theme>
+</file>
+
+<file path=ppt/theme/theme2.xml><?xml version="1.0" encoding="utf-8"?>
+<a:theme xmlns:a="http://schemas.openxmlformats.org/drawingml/2006/main" xmlns:r="http://schemas.openxmlformats.org/officeDocument/2006/relationships" name="simple-light">
+  <a:themeElements>
+    <a:clrScheme name="Custom 347">
+      <a:dk1>
+        <a:srgbClr val="000000"/>
+      </a:dk1>
+      <a:lt1>
+        <a:srgbClr val="FFFFFF"/>
+      </a:lt1>
+      <a:dk2>
+        <a:srgbClr val="666666"/>
+      </a:dk2>
+      <a:lt2>
+        <a:srgbClr val="CCCCCC"/>
+      </a:lt2>
+      <a:accent1>
+        <a:srgbClr val="3A81BA"/>
+      </a:accent1>
+      <a:accent2>
+        <a:srgbClr val="D89F39"/>
+      </a:accent2>
+      <a:accent3>
+        <a:srgbClr val="8BAB42"/>
+      </a:accent3>
+      <a:accent4>
+        <a:srgbClr val="57A7B5"/>
+      </a:accent4>
+      <a:accent5>
+        <a:srgbClr val="8B81D2"/>
+      </a:accent5>
+      <a:accent6>
+        <a:srgbClr val="963334"/>
+      </a:accent6>
+      <a:hlink>
+        <a:srgbClr val="1155CC"/>
+      </a:hlink>
+      <a:folHlink>
+        <a:srgbClr val="6611CC"/>
+      </a:folHlink>
+    </a:clrScheme>
+    <a:fontScheme name="Office">
+      <a:majorFont>
+        <a:latin typeface="Arial"/>
+        <a:ea typeface=""/>
+        <a:cs typeface=""/>
+        <a:font script="Jpan" typeface="ＭＳ Ｐゴシック"/>
+        <a:font script="Hang" typeface="맑은 고딕"/>
+        <a:font script="Hans" typeface="宋体"/>
+        <a:font script="Hant" typeface="新細明體"/>
+        <a:font script="Arab" typeface="Times New Roman"/>
+        <a:font script="Hebr" typeface="Times New Roman"/>
+        <a:font script="Thai" typeface="Angsana New"/>
+        <a:font script="Ethi" typeface="Nyala"/>
+        <a:font script="Beng" typeface="Vrinda"/>
+        <a:font script="Gujr" typeface="Shruti"/>
+        <a:font script="Khmr" typeface="MoolBoran"/>
+        <a:font script="Knda" typeface="Tunga"/>
+        <a:font script="Guru" typeface="Raavi"/>
+        <a:font script="Cans" typeface="Euphemia"/>
+        <a:font script="Cher" typeface="Plantagenet Cherokee"/>
+        <a:font script="Yiii" typeface="Microsoft Yi Baiti"/>
+        <a:font script="Tibt" typeface="Microsoft Himalaya"/>
+        <a:font script="Thaa" typeface="MV Boli"/>
+        <a:font script="Deva" typeface="Mangal"/>
+        <a:font script="Telu" typeface="Gautami"/>
+        <a:font script="Taml" typeface="Latha"/>
+        <a:font script="Syrc" typeface="Estrangelo Edessa"/>
+        <a:font script="Orya" typeface="Kalinga"/>
+        <a:font script="Mlym" typeface="Kartika"/>
+        <a:font script="Laoo" typeface="DokChampa"/>
+        <a:font script="Sinh" typeface="Iskoola Pota"/>
+        <a:font script="Mong" typeface="Mongolian Baiti"/>
+        <a:font script="Viet" typeface="Times New Roman"/>
+        <a:font script="Uigh" typeface="Microsoft Uighur"/>
+      </a:majorFont>
+      <a:minorFont>
+        <a:latin typeface="Arial"/>
+        <a:ea typeface=""/>
+        <a:cs typeface=""/>
+        <a:font script="Jpan" typeface="ＭＳ Ｐゴシック"/>
+        <a:font script="Hang" typeface="맑은 고딕"/>
+        <a:font script="Hans" typeface="宋体"/>
+        <a:font script="Hant" typeface="新細明體"/>
+        <a:font script="Arab" typeface="Times New Roman"/>
+        <a:font script="Hebr" typeface="Times New Roman"/>
+        <a:font script="Thai" typeface="Angsana New"/>
+        <a:font script="Ethi" typeface="Nyala"/>
+        <a:font script="Beng" typeface="Vrinda"/>
+        <a:font script="Gujr" typeface="Shruti"/>
+        <a:font script="Khmr" typeface="MoolBoran"/>
+        <a:font script="Knda" typeface="Tunga"/>
+        <a:font script="Guru" typeface="Raavi"/>
+        <a:font script="Cans" typeface="Euphemia"/>
+        <a:font script="Cher" typeface="Plantagenet Cherokee"/>
+        <a:font script="Yiii" typeface="Microsoft Yi Baiti"/>
+        <a:font script="Tibt" typeface="Microsoft Himalaya"/>
+        <a:font script="Thaa" typeface="MV Boli"/>
+        <a:font script="Deva" typeface="Mangal"/>
+        <a:font script="Telu" typeface="Gautami"/>
+        <a:font script="Taml" typeface="Latha"/>
+        <a:font script="Syrc" typeface="Estrangelo Edessa"/>
+        <a:font script="Orya" typeface="Kalinga"/>
+        <a:font script="Mlym" typeface="Kartika"/>
+        <a:font script="Laoo" typeface="DokChampa"/>
+        <a:font script="Sinh" typeface="Iskoola Pota"/>
+        <a:font script="Mong" typeface="Mongolian Baiti"/>
+        <a:font script="Viet" typeface="Times New Roman"/>
+        <a:font script="Uigh" typeface="Microsoft Uighur"/>
+      </a:minorFont>
+    </a:fontScheme>
+    <a:fmtScheme name="Office">
+      <a:fillStyleLst>
+        <a:solidFill>
+          <a:schemeClr val="phClr"/>
+        </a:solidFill>
+        <a:gradFill rotWithShape="1">
+          <a:gsLst>
+            <a:gs pos="0">
+              <a:schemeClr val="phClr">
+                <a:tint val="50000"/>
+                <a:satMod val="300000"/>
+              </a:schemeClr>
+            </a:gs>
+            <a:gs pos="35000">
+              <a:schemeClr val="phClr">
+                <a:tint val="37000"/>
+                <a:satMod val="300000"/>
+              </a:schemeClr>
+            </a:gs>
+            <a:gs pos="100000">
+              <a:schemeClr val="phClr">
+                <a:tint val="15000"/>
+                <a:satMod val="350000"/>
+              </a:schemeClr>
+            </a:gs>
+          </a:gsLst>
+          <a:lin ang="16200000" scaled="1"/>
+        </a:gradFill>
+        <a:gradFill rotWithShape="1">
+          <a:gsLst>
+            <a:gs pos="0">
+              <a:schemeClr val="phClr">
+                <a:tint val="100000"/>
+                <a:shade val="100000"/>
+                <a:satMod val="130000"/>
+              </a:schemeClr>
+            </a:gs>
+            <a:gs pos="100000">
+              <a:schemeClr val="phClr">
+                <a:tint val="50000"/>
+                <a:shade val="100000"/>
+                <a:satMod val="350000"/>
+              </a:schemeClr>
+            </a:gs>
+          </a:gsLst>
+          <a:lin ang="16200000" scaled="0"/>
+        </a:gradFill>
+      </a:fillStyleLst>
+      <a:lnStyleLst>
+        <a:ln cap="flat" cmpd="sng" w="9525" algn="ctr">
+          <a:solidFill>
+            <a:schemeClr val="phClr">
+              <a:shade val="95000"/>
+              <a:satMod val="105000"/>
+            </a:schemeClr>
+          </a:solidFill>
+          <a:prstDash val="solid"/>
+        </a:ln>
+        <a:ln cap="flat" cmpd="sng" w="25400" algn="ctr">
+          <a:solidFill>
+            <a:schemeClr val="phClr"/>
+          </a:solidFill>
+          <a:prstDash val="solid"/>
+        </a:ln>
+        <a:ln cap="flat" cmpd="sng" w="38100" algn="ctr">
+          <a:solidFill>
+            <a:schemeClr val="phClr"/>
+          </a:solidFill>
+          <a:prstDash val="solid"/>
+        </a:ln>
+      </a:lnStyleLst>
+      <a:effectStyleLst>
+        <a:effectStyle>
+          <a:effectLst>
+            <a:outerShdw blurRad="40000" rotWithShape="0" dir="5400000" dist="20000">
+              <a:srgbClr val="000000">
+                <a:alpha val="38000"/>
+              </a:srgbClr>
+            </a:outerShdw>
+          </a:effectLst>
+        </a:effectStyle>
+        <a:effectStyle>
+          <a:effectLst>
+            <a:outerShdw blurRad="40000" rotWithShape="0" dir="5400000" dist="23000">
+              <a:srgbClr val="000000">
+                <a:alpha val="35000"/>
+              </a:srgbClr>
+            </a:outerShdw>
+          </a:effectLst>
+        </a:effectStyle>
+        <a:effectStyle>
+          <a:effectLst>
+            <a:outerShdw blurRad="40000" rotWithShape="0" dir="5400000" dist="23000">
+              <a:srgbClr val="000000">
+                <a:alpha val="35000"/>
+              </a:srgbClr>
+            </a:outerShdw>
+          </a:effectLst>
+          <a:scene3d>
+            <a:camera prst="orthographicFront">
+              <a:rot lat="0" lon="0" rev="0"/>
+            </a:camera>
+            <a:lightRig dir="t" rig="threePt">
+              <a:rot lat="0" lon="0" rev="1200000"/>
+            </a:lightRig>
+          </a:scene3d>
+          <a:sp3d>
+            <a:bevelT h="25400" w="63500"/>
+          </a:sp3d>
+        </a:effectStyle>
+      </a:effectStyleLst>
+      <a:bgFillStyleLst>
+        <a:solidFill>
+          <a:schemeClr val="phClr"/>
+        </a:solidFill>
+        <a:gradFill rotWithShape="1">
+          <a:gsLst>
+            <a:gs pos="0">
+              <a:schemeClr val="phClr">
+                <a:tint val="40000"/>
+                <a:satMod val="350000"/>
+              </a:schemeClr>
+            </a:gs>
+            <a:gs pos="40000">
+              <a:schemeClr val="phClr">
+                <a:tint val="45000"/>
+                <a:shade val="99000"/>
+                <a:satMod val="350000"/>
+              </a:schemeClr>
+            </a:gs>
+            <a:gs pos="100000">
+              <a:schemeClr val="phClr">
+                <a:shade val="20000"/>
+                <a:satMod val="255000"/>
+              </a:schemeClr>
+            </a:gs>
+          </a:gsLst>
+          <a:path path="circle">
+            <a:fillToRect b="180000" l="50000" r="50000" t="-80000"/>
+          </a:path>
+        </a:gradFill>
+        <a:gradFill rotWithShape="1">
+          <a:gsLst>
+            <a:gs pos="0">
+              <a:schemeClr val="phClr">
+                <a:tint val="80000"/>
+                <a:satMod val="300000"/>
+              </a:schemeClr>
+            </a:gs>
+            <a:gs pos="100000">
+              <a:schemeClr val="phClr">
+                <a:shade val="30000"/>
+                <a:satMod val="200000"/>
+              </a:schemeClr>
+            </a:gs>
+          </a:gsLst>
+          <a:path path="circle">
+            <a:fillToRect b="50000" l="50000" r="50000" t="50000"/>
+          </a:path>
+        </a:gradFill>
+      </a:bgFillStyleLst>
+    </a:fmtScheme>
+  </a:themeElements>
+</a:theme>
+</file>
+
+<file path=ppt/theme/theme3.xml><?xml version="1.0" encoding="utf-8"?>
+<a:theme xmlns:a="http://schemas.openxmlformats.org/drawingml/2006/main" xmlns:r="http://schemas.openxmlformats.org/officeDocument/2006/relationships" name="Custom Theme">
+  <a:themeElements>
+    <a:clrScheme name="Default">
+      <a:dk1>
+        <a:srgbClr val="000000"/>
+      </a:dk1>
+      <a:lt1>
+        <a:srgbClr val="FFFFFF"/>
+      </a:lt1>
+      <a:dk2>
+        <a:srgbClr val="158158"/>
+      </a:dk2>
+      <a:lt2>
+        <a:srgbClr val="F3F3F3"/>
+      </a:lt2>
+      <a:accent1>
+        <a:srgbClr val="058DC7"/>
+      </a:accent1>
+      <a:accent2>
+        <a:srgbClr val="50B432"/>
+      </a:accent2>
+      <a:accent3>
+        <a:srgbClr val="ED561B"/>
+      </a:accent3>
+      <a:accent4>
+        <a:srgbClr val="EDEF00"/>
+      </a:accent4>
+      <a:accent5>
+        <a:srgbClr val="24CBE5"/>
+      </a:accent5>
+      <a:accent6>
+        <a:srgbClr val="64E572"/>
+      </a:accent6>
+      <a:hlink>
+        <a:srgbClr val="2200CC"/>
+      </a:hlink>
+      <a:folHlink>
+        <a:srgbClr val="551A8B"/>
+      </a:folHlink>
+    </a:clrScheme>
+    <a:fontScheme name="Office">
+      <a:majorFont>
+        <a:latin typeface="Arial"/>
+        <a:ea typeface=""/>
+        <a:cs typeface=""/>
+        <a:font script="Jpan" typeface="ＭＳ Ｐゴシック"/>
+        <a:font script="Hang" typeface="맑은 고딕"/>
+        <a:font script="Hans" typeface="宋体"/>
+        <a:font script="Hant" typeface="新細明體"/>
+        <a:font script="Arab" typeface="Times New Roman"/>
+        <a:font script="Hebr" typeface="Times New Roman"/>
+        <a:font script="Thai" typeface="Angsana New"/>
+        <a:font script="Ethi" typeface="Nyala"/>
+        <a:font script="Beng" typeface="Vrinda"/>
+        <a:font script="Gujr" typeface="Shruti"/>
+        <a:font script="Khmr" typeface="MoolBoran"/>
+        <a:font script="Knda" typeface="Tunga"/>
+        <a:font script="Guru" typeface="Raavi"/>
+        <a:font script="Cans" typeface="Euphemia"/>
+        <a:font script="Cher" typeface="Plantagenet Cherokee"/>
+        <a:font script="Yiii" typeface="Microsoft Yi Baiti"/>
+        <a:font script="Tibt" typeface="Microsoft Himalaya"/>
+        <a:font script="Thaa" typeface="MV Boli"/>
+        <a:font script="Deva" typeface="Mangal"/>
+        <a:font script="Telu" typeface="Gautami"/>
+        <a:font script="Taml" typeface="Latha"/>
+        <a:font script="Syrc" typeface="Estrangelo Edessa"/>
+        <a:font script="Orya" typeface="Kalinga"/>
+        <a:font script="Mlym" typeface="Kartika"/>
+        <a:font script="Laoo" typeface="DokChampa"/>
+        <a:font script="Sinh" typeface="Iskoola Pota"/>
+        <a:font script="Mong" typeface="Mongolian Baiti"/>
+        <a:font script="Viet" typeface="Times New Roman"/>
+        <a:font script="Uigh" typeface="Microsoft Uighur"/>
+      </a:majorFont>
+      <a:minorFont>
+        <a:latin typeface="Arial"/>
+        <a:ea typeface=""/>
+        <a:cs typeface=""/>
+        <a:font script="Jpan" typeface="ＭＳ Ｐゴシック"/>
+        <a:font script="Hang" typeface="맑은 고딕"/>
+        <a:font script="Hans" typeface="宋体"/>
+        <a:font script="Hant" typeface="新細明體"/>
+        <a:font script="Arab" typeface="Times New Roman"/>
+        <a:font script="Hebr" typeface="Times New Roman"/>
+        <a:font script="Thai" typeface="Angsana New"/>
+        <a:font script="Ethi" typeface="Nyala"/>
+        <a:font script="Beng" typeface="Vrinda"/>
+        <a:font script="Gujr" typeface="Shruti"/>
+        <a:font script="Khmr" typeface="MoolBoran"/>
+        <a:font script="Knda" typeface="Tunga"/>
+        <a:font script="Guru" typeface="Raavi"/>
+        <a:font script="Cans" typeface="Euphemia"/>
+        <a:font script="Cher" typeface="Plantagenet Cherokee"/>
+        <a:font script="Yiii" typeface="Microsoft Yi Baiti"/>
+        <a:font script="Tibt" typeface="Microsoft Himalaya"/>
+        <a:font script="Thaa" typeface="MV Boli"/>
+        <a:font script="Deva" typeface="Mangal"/>
+        <a:font script="Telu" typeface="Gautami"/>
+        <a:font script="Taml" typeface="Latha"/>
+        <a:font script="Syrc" typeface="Estrangelo Edessa"/>
+        <a:font script="Orya" typeface="Kalinga"/>
+        <a:font script="Mlym" typeface="Kartika"/>
+        <a:font script="Laoo" typeface="DokChampa"/>
+        <a:font script="Sinh" typeface="Iskoola Pota"/>
+        <a:font script="Mong" typeface="Mongolian Baiti"/>
+        <a:font script="Viet" typeface="Times New Roman"/>
+        <a:font script="Uigh" typeface="Microsoft Uighur"/>
+      </a:minorFont>
+    </a:fontScheme>
+    <a:fmtScheme name="Office">
+      <a:fillStyleLst>
+        <a:solidFill>
+          <a:schemeClr val="phClr"/>
+        </a:solidFill>
+        <a:gradFill rotWithShape="1">
+          <a:gsLst>
+            <a:gs pos="0">
+              <a:schemeClr val="phClr">
+                <a:tint val="50000"/>
+                <a:satMod val="300000"/>
+              </a:schemeClr>
+            </a:gs>
+            <a:gs pos="35000">
+              <a:schemeClr val="phClr">
+                <a:tint val="37000"/>
+                <a:satMod val="300000"/>
+              </a:schemeClr>
+            </a:gs>
+            <a:gs pos="100000">
+              <a:schemeClr val="phClr">
+                <a:tint val="15000"/>
+                <a:satMod val="350000"/>
+              </a:schemeClr>
+            </a:gs>
+          </a:gsLst>
+          <a:lin ang="16200000" scaled="1"/>
+        </a:gradFill>
+        <a:gradFill rotWithShape="1">
+          <a:gsLst>
+            <a:gs pos="0">
+              <a:schemeClr val="phClr">
+                <a:tint val="100000"/>
+                <a:shade val="100000"/>
+                <a:satMod val="130000"/>
+              </a:schemeClr>
+            </a:gs>
+            <a:gs pos="100000">
+              <a:schemeClr val="phClr">
+                <a:tint val="50000"/>
+                <a:shade val="100000"/>
+                <a:satMod val="350000"/>
+              </a:schemeClr>
+            </a:gs>
+          </a:gsLst>
+          <a:lin ang="16200000" scaled="0"/>
+        </a:gradFill>
+      </a:fillStyleLst>
+      <a:lnStyleLst>
+        <a:ln cap="flat" cmpd="sng" w="9525" algn="ctr">
+          <a:solidFill>
+            <a:schemeClr val="phClr">
+              <a:shade val="95000"/>
+              <a:satMod val="105000"/>
+            </a:schemeClr>
+          </a:solidFill>
+          <a:prstDash val="solid"/>
+        </a:ln>
+        <a:ln cap="flat" cmpd="sng" w="25400" algn="ctr">
+          <a:solidFill>
+            <a:schemeClr val="phClr"/>
+          </a:solidFill>
+          <a:prstDash val="solid"/>
+        </a:ln>
+        <a:ln cap="flat" cmpd="sng" w="38100" algn="ctr">
+          <a:solidFill>
+            <a:schemeClr val="phClr"/>
+          </a:solidFill>
+          <a:prstDash val="solid"/>
+        </a:ln>
+      </a:lnStyleLst>
+      <a:effectStyleLst>
+        <a:effectStyle>
+          <a:effectLst>
+            <a:outerShdw blurRad="40000" rotWithShape="0" dir="5400000" dist="20000">
+              <a:srgbClr val="000000">
+                <a:alpha val="38000"/>
+              </a:srgbClr>
+            </a:outerShdw>
+          </a:effectLst>
+        </a:effectStyle>
+        <a:effectStyle>
+          <a:effectLst>
+            <a:outerShdw blurRad="40000" rotWithShape="0" dir="5400000" dist="23000">
+              <a:srgbClr val="000000">
+                <a:alpha val="35000"/>
+              </a:srgbClr>
+            </a:outerShdw>
+          </a:effectLst>
+        </a:effectStyle>
+        <a:effectStyle>
+          <a:effectLst>
+            <a:outerShdw blurRad="40000" rotWithShape="0" dir="5400000" dist="23000">
+              <a:srgbClr val="000000">
+                <a:alpha val="35000"/>
+              </a:srgbClr>
+            </a:outerShdw>
+          </a:effectLst>
+          <a:scene3d>
+            <a:camera prst="orthographicFront">
+              <a:rot lat="0" lon="0" rev="0"/>
+            </a:camera>
+            <a:lightRig dir="t" rig="threePt">
+              <a:rot lat="0" lon="0" rev="1200000"/>
+            </a:lightRig>
+          </a:scene3d>
+          <a:sp3d>
+            <a:bevelT h="25400" w="63500"/>
+          </a:sp3d>
+        </a:effectStyle>
+      </a:effectStyleLst>
+      <a:bgFillStyleLst>
+        <a:solidFill>
+          <a:schemeClr val="phClr"/>
+        </a:solidFill>
+        <a:gradFill rotWithShape="1">
+          <a:gsLst>
+            <a:gs pos="0">
+              <a:schemeClr val="phClr">
+                <a:tint val="40000"/>
+                <a:satMod val="350000"/>
+              </a:schemeClr>
+            </a:gs>
+            <a:gs pos="40000">
+              <a:schemeClr val="phClr">
+                <a:tint val="45000"/>
+                <a:shade val="99000"/>
+                <a:satMod val="350000"/>
+              </a:schemeClr>
+            </a:gs>
+            <a:gs pos="100000">
+              <a:schemeClr val="phClr">
+                <a:shade val="20000"/>
+                <a:satMod val="255000"/>
+              </a:schemeClr>
+            </a:gs>
+          </a:gsLst>
+          <a:path path="circle">
+            <a:fillToRect b="180000" l="50000" r="50000" t="-80000"/>
+          </a:path>
+        </a:gradFill>
+        <a:gradFill rotWithShape="1">
+          <a:gsLst>
+            <a:gs pos="0">
+              <a:schemeClr val="phClr">
+                <a:tint val="80000"/>
+                <a:satMod val="300000"/>
+              </a:schemeClr>
+            </a:gs>
+            <a:gs pos="100000">
+              <a:schemeClr val="phClr">
+                <a:shade val="30000"/>
+                <a:satMod val="200000"/>
+              </a:schemeClr>
+            </a:gs>
+          </a:gsLst>
+          <a:path path="circle">
+            <a:fillToRect b="50000" l="50000" r="50000" t="50000"/>
+          </a:path>
+        </a:gradFill>
+      </a:bgFillStyleLst>
+    </a:fmtScheme>
+  </a:themeElements>
+</a:theme>
 </file>